--- a/Мышка для людей с ОВЗ/Документы/Презентация о манипуляторе другая.pptx
+++ b/Мышка для людей с ОВЗ/Документы/Презентация о манипуляторе другая.pptx
@@ -2,7 +2,7 @@
 <file path=ppt/presentation.xml><?xml version="1.0" encoding="utf-8"?>
 <p:presentation xmlns:a="http://schemas.openxmlformats.org/drawingml/2006/main" xmlns:r="http://schemas.openxmlformats.org/officeDocument/2006/relationships" xmlns:p="http://schemas.openxmlformats.org/presentationml/2006/main" saveSubsetFonts="1">
   <p:sldMasterIdLst>
-    <p:sldMasterId id="2147483660" r:id="rId1"/>
+    <p:sldMasterId id="2147483672" r:id="rId1"/>
   </p:sldMasterIdLst>
   <p:sldIdLst>
     <p:sldId id="265" r:id="rId2"/>
@@ -149,22 +149,8 @@
 </p:cmAuthorLst>
 </file>
 
-<file path=ppt/comments/comment1.xml><?xml version="1.0" encoding="utf-8"?>
-<p:cmLst xmlns:a="http://schemas.openxmlformats.org/drawingml/2006/main" xmlns:r="http://schemas.openxmlformats.org/officeDocument/2006/relationships" xmlns:p="http://schemas.openxmlformats.org/presentationml/2006/main">
-  <p:cm authorId="1" dt="2026-02-09T10:34:21.973" idx="1">
-    <p:pos x="10" y="10"/>
-    <p:text/>
-    <p:extLst>
-      <p:ext uri="{C676402C-5697-4E1C-873F-D02D1690AC5C}">
-        <p15:threadingInfo xmlns:p15="http://schemas.microsoft.com/office/powerpoint/2012/main" timeZoneBias="-180"/>
-      </p:ext>
-    </p:extLst>
-  </p:cm>
-</p:cmLst>
-</file>
-
 <file path=ppt/slideLayouts/slideLayout1.xml><?xml version="1.0" encoding="utf-8"?>
-<p:sldLayout xmlns:a="http://schemas.openxmlformats.org/drawingml/2006/main" xmlns:r="http://schemas.openxmlformats.org/officeDocument/2006/relationships" xmlns:p="http://schemas.openxmlformats.org/presentationml/2006/main" showMasterSp="0" type="title" preserve="1">
+<p:sldLayout xmlns:a="http://schemas.openxmlformats.org/drawingml/2006/main" xmlns:r="http://schemas.openxmlformats.org/officeDocument/2006/relationships" xmlns:p="http://schemas.openxmlformats.org/presentationml/2006/main" type="title" preserve="1">
   <p:cSld name="Титульный слайд">
     <p:spTree>
       <p:nvGrpSpPr>
@@ -182,83 +168,7 @@
       </p:grpSpPr>
       <p:sp>
         <p:nvSpPr>
-          <p:cNvPr id="7" name="Rectangle 6"/>
-          <p:cNvSpPr/>
-          <p:nvPr/>
-        </p:nvSpPr>
-        <p:spPr>
-          <a:xfrm>
-            <a:off x="3175" y="6400800"/>
-            <a:ext cx="12188825" cy="457200"/>
-          </a:xfrm>
-          <a:prstGeom prst="rect">
-            <a:avLst/>
-          </a:prstGeom>
-          <a:solidFill>
-            <a:schemeClr val="accent2"/>
-          </a:solidFill>
-          <a:ln>
-            <a:noFill/>
-          </a:ln>
-        </p:spPr>
-        <p:style>
-          <a:lnRef idx="2">
-            <a:schemeClr val="accent1">
-              <a:shade val="50000"/>
-            </a:schemeClr>
-          </a:lnRef>
-          <a:fillRef idx="1">
-            <a:schemeClr val="accent1"/>
-          </a:fillRef>
-          <a:effectRef idx="0">
-            <a:schemeClr val="accent1"/>
-          </a:effectRef>
-          <a:fontRef idx="minor">
-            <a:schemeClr val="lt1"/>
-          </a:fontRef>
-        </p:style>
-      </p:sp>
-      <p:sp>
-        <p:nvSpPr>
-          <p:cNvPr id="8" name="Rectangle 7"/>
-          <p:cNvSpPr/>
-          <p:nvPr/>
-        </p:nvSpPr>
-        <p:spPr>
-          <a:xfrm>
-            <a:off x="15" y="6334316"/>
-            <a:ext cx="12188825" cy="64008"/>
-          </a:xfrm>
-          <a:prstGeom prst="rect">
-            <a:avLst/>
-          </a:prstGeom>
-          <a:solidFill>
-            <a:schemeClr val="accent1"/>
-          </a:solidFill>
-          <a:ln>
-            <a:noFill/>
-          </a:ln>
-        </p:spPr>
-        <p:style>
-          <a:lnRef idx="2">
-            <a:schemeClr val="accent1">
-              <a:shade val="50000"/>
-            </a:schemeClr>
-          </a:lnRef>
-          <a:fillRef idx="1">
-            <a:schemeClr val="accent1"/>
-          </a:fillRef>
-          <a:effectRef idx="0">
-            <a:schemeClr val="accent1"/>
-          </a:effectRef>
-          <a:fontRef idx="minor">
-            <a:schemeClr val="lt1"/>
-          </a:fontRef>
-        </p:style>
-      </p:sp>
-      <p:sp>
-        <p:nvSpPr>
-          <p:cNvPr id="2" name="Title 1"/>
+          <p:cNvPr id="2" name="Заголовок 1"/>
           <p:cNvSpPr>
             <a:spLocks noGrp="1"/>
           </p:cNvSpPr>
@@ -268,41 +178,29 @@
         </p:nvSpPr>
         <p:spPr>
           <a:xfrm>
-            <a:off x="1097280" y="758952"/>
-            <a:ext cx="10058400" cy="3566160"/>
+            <a:off x="1524000" y="1122363"/>
+            <a:ext cx="9144000" cy="2387600"/>
           </a:xfrm>
         </p:spPr>
         <p:txBody>
-          <a:bodyPr anchor="b">
-            <a:normAutofit/>
-          </a:bodyPr>
+          <a:bodyPr anchor="b"/>
           <a:lstStyle>
-            <a:lvl1pPr algn="l">
-              <a:lnSpc>
-                <a:spcPct val="85000"/>
-              </a:lnSpc>
-              <a:defRPr sz="8000" spc="-50" baseline="0">
-                <a:solidFill>
-                  <a:schemeClr val="tx1">
-                    <a:lumMod val="85000"/>
-                    <a:lumOff val="15000"/>
-                  </a:schemeClr>
-                </a:solidFill>
-              </a:defRPr>
+            <a:lvl1pPr algn="ctr">
+              <a:defRPr sz="6000"/>
             </a:lvl1pPr>
           </a:lstStyle>
           <a:p>
             <a:r>
-              <a:rPr lang="ru-RU"/>
+              <a:rPr lang="ru-RU" smtClean="0"/>
               <a:t>Образец заголовка</a:t>
             </a:r>
-            <a:endParaRPr lang="en-US" dirty="0"/>
-          </a:p>
-        </p:txBody>
-      </p:sp>
-      <p:sp>
-        <p:nvSpPr>
-          <p:cNvPr id="3" name="Subtitle 2"/>
+            <a:endParaRPr lang="ru-RU"/>
+          </a:p>
+        </p:txBody>
+      </p:sp>
+      <p:sp>
+        <p:nvSpPr>
+          <p:cNvPr id="3" name="Подзаголовок 2"/>
           <p:cNvSpPr>
             <a:spLocks noGrp="1"/>
           </p:cNvSpPr>
@@ -312,69 +210,62 @@
         </p:nvSpPr>
         <p:spPr>
           <a:xfrm>
-            <a:off x="1100051" y="4455620"/>
-            <a:ext cx="10058400" cy="1143000"/>
+            <a:off x="1524000" y="3602038"/>
+            <a:ext cx="9144000" cy="1655762"/>
           </a:xfrm>
         </p:spPr>
         <p:txBody>
-          <a:bodyPr lIns="91440" rIns="91440">
-            <a:normAutofit/>
-          </a:bodyPr>
+          <a:bodyPr/>
           <a:lstStyle>
-            <a:lvl1pPr marL="0" indent="0" algn="l">
+            <a:lvl1pPr marL="0" indent="0" algn="ctr">
               <a:buNone/>
-              <a:defRPr sz="2400" cap="all" spc="200" baseline="0">
-                <a:solidFill>
-                  <a:schemeClr val="tx2"/>
-                </a:solidFill>
-                <a:latin typeface="+mj-lt"/>
-              </a:defRPr>
+              <a:defRPr sz="2400"/>
             </a:lvl1pPr>
             <a:lvl2pPr marL="457200" indent="0" algn="ctr">
               <a:buNone/>
-              <a:defRPr sz="2400"/>
+              <a:defRPr sz="2000"/>
             </a:lvl2pPr>
             <a:lvl3pPr marL="914400" indent="0" algn="ctr">
               <a:buNone/>
-              <a:defRPr sz="2400"/>
+              <a:defRPr sz="1800"/>
             </a:lvl3pPr>
             <a:lvl4pPr marL="1371600" indent="0" algn="ctr">
               <a:buNone/>
-              <a:defRPr sz="2000"/>
+              <a:defRPr sz="1600"/>
             </a:lvl4pPr>
             <a:lvl5pPr marL="1828800" indent="0" algn="ctr">
               <a:buNone/>
-              <a:defRPr sz="2000"/>
+              <a:defRPr sz="1600"/>
             </a:lvl5pPr>
             <a:lvl6pPr marL="2286000" indent="0" algn="ctr">
               <a:buNone/>
-              <a:defRPr sz="2000"/>
+              <a:defRPr sz="1600"/>
             </a:lvl6pPr>
             <a:lvl7pPr marL="2743200" indent="0" algn="ctr">
               <a:buNone/>
-              <a:defRPr sz="2000"/>
+              <a:defRPr sz="1600"/>
             </a:lvl7pPr>
             <a:lvl8pPr marL="3200400" indent="0" algn="ctr">
               <a:buNone/>
-              <a:defRPr sz="2000"/>
+              <a:defRPr sz="1600"/>
             </a:lvl8pPr>
             <a:lvl9pPr marL="3657600" indent="0" algn="ctr">
               <a:buNone/>
-              <a:defRPr sz="2000"/>
+              <a:defRPr sz="1600"/>
             </a:lvl9pPr>
           </a:lstStyle>
           <a:p>
             <a:r>
-              <a:rPr lang="ru-RU"/>
+              <a:rPr lang="ru-RU" smtClean="0"/>
               <a:t>Образец подзаголовка</a:t>
             </a:r>
-            <a:endParaRPr lang="en-US" dirty="0"/>
-          </a:p>
-        </p:txBody>
-      </p:sp>
-      <p:sp>
-        <p:nvSpPr>
-          <p:cNvPr id="4" name="Date Placeholder 3"/>
+            <a:endParaRPr lang="ru-RU"/>
+          </a:p>
+        </p:txBody>
+      </p:sp>
+      <p:sp>
+        <p:nvSpPr>
+          <p:cNvPr id="4" name="Дата 3"/>
           <p:cNvSpPr>
             <a:spLocks noGrp="1"/>
           </p:cNvSpPr>
@@ -389,7 +280,7 @@
           <a:p>
             <a:fld id="{BB72D5D3-D9D5-4A9C-867E-F13F5DA2FF7F}" type="datetimeFigureOut">
               <a:rPr lang="ru-RU" smtClean="0"/>
-              <a:t>09.02.2026</a:t>
+              <a:t>10.02.2026</a:t>
             </a:fld>
             <a:endParaRPr lang="ru-RU"/>
           </a:p>
@@ -397,7 +288,7 @@
       </p:sp>
       <p:sp>
         <p:nvSpPr>
-          <p:cNvPr id="5" name="Footer Placeholder 4"/>
+          <p:cNvPr id="5" name="Нижний колонтитул 4"/>
           <p:cNvSpPr>
             <a:spLocks noGrp="1"/>
           </p:cNvSpPr>
@@ -416,7 +307,7 @@
       </p:sp>
       <p:sp>
         <p:nvSpPr>
-          <p:cNvPr id="6" name="Slide Number Placeholder 5"/>
+          <p:cNvPr id="6" name="Номер слайда 5"/>
           <p:cNvSpPr>
             <a:spLocks noGrp="1"/>
           </p:cNvSpPr>
@@ -437,48 +328,10 @@
           </a:p>
         </p:txBody>
       </p:sp>
-      <p:cxnSp>
-        <p:nvCxnSpPr>
-          <p:cNvPr id="9" name="Straight Connector 8"/>
-          <p:cNvCxnSpPr/>
-          <p:nvPr/>
-        </p:nvCxnSpPr>
-        <p:spPr>
-          <a:xfrm>
-            <a:off x="1207658" y="4343400"/>
-            <a:ext cx="9875520" cy="0"/>
-          </a:xfrm>
-          <a:prstGeom prst="line">
-            <a:avLst/>
-          </a:prstGeom>
-          <a:ln w="6350">
-            <a:solidFill>
-              <a:schemeClr val="tx1">
-                <a:lumMod val="50000"/>
-                <a:lumOff val="50000"/>
-              </a:schemeClr>
-            </a:solidFill>
-          </a:ln>
-        </p:spPr>
-        <p:style>
-          <a:lnRef idx="1">
-            <a:schemeClr val="accent1"/>
-          </a:lnRef>
-          <a:fillRef idx="0">
-            <a:schemeClr val="accent1"/>
-          </a:fillRef>
-          <a:effectRef idx="0">
-            <a:schemeClr val="accent1"/>
-          </a:effectRef>
-          <a:fontRef idx="minor">
-            <a:schemeClr val="tx1"/>
-          </a:fontRef>
-        </p:style>
-      </p:cxnSp>
     </p:spTree>
     <p:extLst>
       <p:ext uri="{BB962C8B-B14F-4D97-AF65-F5344CB8AC3E}">
-        <p14:creationId xmlns:p14="http://schemas.microsoft.com/office/powerpoint/2010/main" val="1412274675"/>
+        <p14:creationId xmlns:p14="http://schemas.microsoft.com/office/powerpoint/2010/main" val="1886446030"/>
       </p:ext>
     </p:extLst>
   </p:cSld>
@@ -507,7 +360,7 @@
       </p:grpSpPr>
       <p:sp>
         <p:nvSpPr>
-          <p:cNvPr id="2" name="Title 1"/>
+          <p:cNvPr id="2" name="Заголовок 1"/>
           <p:cNvSpPr>
             <a:spLocks noGrp="1"/>
           </p:cNvSpPr>
@@ -521,16 +374,16 @@
           <a:lstStyle/>
           <a:p>
             <a:r>
-              <a:rPr lang="ru-RU"/>
+              <a:rPr lang="ru-RU" smtClean="0"/>
               <a:t>Образец заголовка</a:t>
             </a:r>
-            <a:endParaRPr lang="en-US" dirty="0"/>
-          </a:p>
-        </p:txBody>
-      </p:sp>
-      <p:sp>
-        <p:nvSpPr>
-          <p:cNvPr id="3" name="Vertical Text Placeholder 2"/>
+            <a:endParaRPr lang="ru-RU"/>
+          </a:p>
+        </p:txBody>
+      </p:sp>
+      <p:sp>
+        <p:nvSpPr>
+          <p:cNvPr id="3" name="Вертикальный текст 2"/>
           <p:cNvSpPr>
             <a:spLocks noGrp="1"/>
           </p:cNvSpPr>
@@ -540,49 +393,49 @@
         </p:nvSpPr>
         <p:spPr/>
         <p:txBody>
-          <a:bodyPr vert="eaVert" lIns="45720" tIns="0" rIns="45720" bIns="0"/>
+          <a:bodyPr vert="eaVert"/>
           <a:lstStyle/>
           <a:p>
             <a:pPr lvl="0"/>
             <a:r>
-              <a:rPr lang="ru-RU"/>
+              <a:rPr lang="ru-RU" smtClean="0"/>
               <a:t>Образец текста</a:t>
             </a:r>
           </a:p>
           <a:p>
             <a:pPr lvl="1"/>
             <a:r>
-              <a:rPr lang="ru-RU"/>
+              <a:rPr lang="ru-RU" smtClean="0"/>
               <a:t>Второй уровень</a:t>
             </a:r>
           </a:p>
           <a:p>
             <a:pPr lvl="2"/>
             <a:r>
-              <a:rPr lang="ru-RU"/>
+              <a:rPr lang="ru-RU" smtClean="0"/>
               <a:t>Третий уровень</a:t>
             </a:r>
           </a:p>
           <a:p>
             <a:pPr lvl="3"/>
             <a:r>
-              <a:rPr lang="ru-RU"/>
+              <a:rPr lang="ru-RU" smtClean="0"/>
               <a:t>Четвертый уровень</a:t>
             </a:r>
           </a:p>
           <a:p>
             <a:pPr lvl="4"/>
             <a:r>
-              <a:rPr lang="ru-RU"/>
+              <a:rPr lang="ru-RU" smtClean="0"/>
               <a:t>Пятый уровень</a:t>
             </a:r>
-            <a:endParaRPr lang="en-US" dirty="0"/>
-          </a:p>
-        </p:txBody>
-      </p:sp>
-      <p:sp>
-        <p:nvSpPr>
-          <p:cNvPr id="4" name="Date Placeholder 3"/>
+            <a:endParaRPr lang="ru-RU"/>
+          </a:p>
+        </p:txBody>
+      </p:sp>
+      <p:sp>
+        <p:nvSpPr>
+          <p:cNvPr id="4" name="Дата 3"/>
           <p:cNvSpPr>
             <a:spLocks noGrp="1"/>
           </p:cNvSpPr>
@@ -597,7 +450,7 @@
           <a:p>
             <a:fld id="{BB72D5D3-D9D5-4A9C-867E-F13F5DA2FF7F}" type="datetimeFigureOut">
               <a:rPr lang="ru-RU" smtClean="0"/>
-              <a:t>09.02.2026</a:t>
+              <a:t>10.02.2026</a:t>
             </a:fld>
             <a:endParaRPr lang="ru-RU"/>
           </a:p>
@@ -605,7 +458,7 @@
       </p:sp>
       <p:sp>
         <p:nvSpPr>
-          <p:cNvPr id="5" name="Footer Placeholder 4"/>
+          <p:cNvPr id="5" name="Нижний колонтитул 4"/>
           <p:cNvSpPr>
             <a:spLocks noGrp="1"/>
           </p:cNvSpPr>
@@ -624,7 +477,7 @@
       </p:sp>
       <p:sp>
         <p:nvSpPr>
-          <p:cNvPr id="6" name="Slide Number Placeholder 5"/>
+          <p:cNvPr id="6" name="Номер слайда 5"/>
           <p:cNvSpPr>
             <a:spLocks noGrp="1"/>
           </p:cNvSpPr>
@@ -648,7 +501,7 @@
     </p:spTree>
     <p:extLst>
       <p:ext uri="{BB962C8B-B14F-4D97-AF65-F5344CB8AC3E}">
-        <p14:creationId xmlns:p14="http://schemas.microsoft.com/office/powerpoint/2010/main" val="875466051"/>
+        <p14:creationId xmlns:p14="http://schemas.microsoft.com/office/powerpoint/2010/main" val="3045646768"/>
       </p:ext>
     </p:extLst>
   </p:cSld>
@@ -659,7 +512,7 @@
 </file>
 
 <file path=ppt/slideLayouts/slideLayout11.xml><?xml version="1.0" encoding="utf-8"?>
-<p:sldLayout xmlns:a="http://schemas.openxmlformats.org/drawingml/2006/main" xmlns:r="http://schemas.openxmlformats.org/officeDocument/2006/relationships" xmlns:p="http://schemas.openxmlformats.org/presentationml/2006/main" showMasterSp="0" type="vertTitleAndTx" preserve="1">
+<p:sldLayout xmlns:a="http://schemas.openxmlformats.org/drawingml/2006/main" xmlns:r="http://schemas.openxmlformats.org/officeDocument/2006/relationships" xmlns:p="http://schemas.openxmlformats.org/presentationml/2006/main" type="vertTitleAndTx" preserve="1">
   <p:cSld name="Вертикальный заголовок и текст">
     <p:spTree>
       <p:nvGrpSpPr>
@@ -677,83 +530,7 @@
       </p:grpSpPr>
       <p:sp>
         <p:nvSpPr>
-          <p:cNvPr id="7" name="Rectangle 6"/>
-          <p:cNvSpPr/>
-          <p:nvPr/>
-        </p:nvSpPr>
-        <p:spPr>
-          <a:xfrm>
-            <a:off x="3175" y="6400800"/>
-            <a:ext cx="12188825" cy="457200"/>
-          </a:xfrm>
-          <a:prstGeom prst="rect">
-            <a:avLst/>
-          </a:prstGeom>
-          <a:solidFill>
-            <a:schemeClr val="accent2"/>
-          </a:solidFill>
-          <a:ln>
-            <a:noFill/>
-          </a:ln>
-        </p:spPr>
-        <p:style>
-          <a:lnRef idx="2">
-            <a:schemeClr val="accent1">
-              <a:shade val="50000"/>
-            </a:schemeClr>
-          </a:lnRef>
-          <a:fillRef idx="1">
-            <a:schemeClr val="accent1"/>
-          </a:fillRef>
-          <a:effectRef idx="0">
-            <a:schemeClr val="accent1"/>
-          </a:effectRef>
-          <a:fontRef idx="minor">
-            <a:schemeClr val="lt1"/>
-          </a:fontRef>
-        </p:style>
-      </p:sp>
-      <p:sp>
-        <p:nvSpPr>
-          <p:cNvPr id="8" name="Rectangle 7"/>
-          <p:cNvSpPr/>
-          <p:nvPr/>
-        </p:nvSpPr>
-        <p:spPr>
-          <a:xfrm>
-            <a:off x="15" y="6334316"/>
-            <a:ext cx="12188825" cy="64008"/>
-          </a:xfrm>
-          <a:prstGeom prst="rect">
-            <a:avLst/>
-          </a:prstGeom>
-          <a:solidFill>
-            <a:schemeClr val="accent1"/>
-          </a:solidFill>
-          <a:ln>
-            <a:noFill/>
-          </a:ln>
-        </p:spPr>
-        <p:style>
-          <a:lnRef idx="2">
-            <a:schemeClr val="accent1">
-              <a:shade val="50000"/>
-            </a:schemeClr>
-          </a:lnRef>
-          <a:fillRef idx="1">
-            <a:schemeClr val="accent1"/>
-          </a:fillRef>
-          <a:effectRef idx="0">
-            <a:schemeClr val="accent1"/>
-          </a:effectRef>
-          <a:fontRef idx="minor">
-            <a:schemeClr val="lt1"/>
-          </a:fontRef>
-        </p:style>
-      </p:sp>
-      <p:sp>
-        <p:nvSpPr>
-          <p:cNvPr id="2" name="Vertical Title 1"/>
+          <p:cNvPr id="2" name="Вертикальный заголовок 1"/>
           <p:cNvSpPr>
             <a:spLocks noGrp="1"/>
           </p:cNvSpPr>
@@ -763,8 +540,8 @@
         </p:nvSpPr>
         <p:spPr>
           <a:xfrm>
-            <a:off x="8724900" y="414778"/>
-            <a:ext cx="2628900" cy="5757421"/>
+            <a:off x="8724900" y="365125"/>
+            <a:ext cx="2628900" cy="5811838"/>
           </a:xfrm>
         </p:spPr>
         <p:txBody>
@@ -772,16 +549,16 @@
           <a:lstStyle/>
           <a:p>
             <a:r>
-              <a:rPr lang="ru-RU"/>
+              <a:rPr lang="ru-RU" smtClean="0"/>
               <a:t>Образец заголовка</a:t>
             </a:r>
-            <a:endParaRPr lang="en-US" dirty="0"/>
-          </a:p>
-        </p:txBody>
-      </p:sp>
-      <p:sp>
-        <p:nvSpPr>
-          <p:cNvPr id="3" name="Vertical Text Placeholder 2"/>
+            <a:endParaRPr lang="ru-RU"/>
+          </a:p>
+        </p:txBody>
+      </p:sp>
+      <p:sp>
+        <p:nvSpPr>
+          <p:cNvPr id="3" name="Вертикальный текст 2"/>
           <p:cNvSpPr>
             <a:spLocks noGrp="1"/>
           </p:cNvSpPr>
@@ -791,54 +568,54 @@
         </p:nvSpPr>
         <p:spPr>
           <a:xfrm>
-            <a:off x="838200" y="414778"/>
-            <a:ext cx="7734300" cy="5757422"/>
+            <a:off x="838200" y="365125"/>
+            <a:ext cx="7734300" cy="5811838"/>
           </a:xfrm>
         </p:spPr>
         <p:txBody>
-          <a:bodyPr vert="eaVert" lIns="45720" tIns="0" rIns="45720" bIns="0"/>
+          <a:bodyPr vert="eaVert"/>
           <a:lstStyle/>
           <a:p>
             <a:pPr lvl="0"/>
             <a:r>
-              <a:rPr lang="ru-RU"/>
+              <a:rPr lang="ru-RU" smtClean="0"/>
               <a:t>Образец текста</a:t>
             </a:r>
           </a:p>
           <a:p>
             <a:pPr lvl="1"/>
             <a:r>
-              <a:rPr lang="ru-RU"/>
+              <a:rPr lang="ru-RU" smtClean="0"/>
               <a:t>Второй уровень</a:t>
             </a:r>
           </a:p>
           <a:p>
             <a:pPr lvl="2"/>
             <a:r>
-              <a:rPr lang="ru-RU"/>
+              <a:rPr lang="ru-RU" smtClean="0"/>
               <a:t>Третий уровень</a:t>
             </a:r>
           </a:p>
           <a:p>
             <a:pPr lvl="3"/>
             <a:r>
-              <a:rPr lang="ru-RU"/>
+              <a:rPr lang="ru-RU" smtClean="0"/>
               <a:t>Четвертый уровень</a:t>
             </a:r>
           </a:p>
           <a:p>
             <a:pPr lvl="4"/>
             <a:r>
-              <a:rPr lang="ru-RU"/>
+              <a:rPr lang="ru-RU" smtClean="0"/>
               <a:t>Пятый уровень</a:t>
             </a:r>
-            <a:endParaRPr lang="en-US" dirty="0"/>
-          </a:p>
-        </p:txBody>
-      </p:sp>
-      <p:sp>
-        <p:nvSpPr>
-          <p:cNvPr id="4" name="Date Placeholder 3"/>
+            <a:endParaRPr lang="ru-RU"/>
+          </a:p>
+        </p:txBody>
+      </p:sp>
+      <p:sp>
+        <p:nvSpPr>
+          <p:cNvPr id="4" name="Дата 3"/>
           <p:cNvSpPr>
             <a:spLocks noGrp="1"/>
           </p:cNvSpPr>
@@ -853,7 +630,7 @@
           <a:p>
             <a:fld id="{BB72D5D3-D9D5-4A9C-867E-F13F5DA2FF7F}" type="datetimeFigureOut">
               <a:rPr lang="ru-RU" smtClean="0"/>
-              <a:t>09.02.2026</a:t>
+              <a:t>10.02.2026</a:t>
             </a:fld>
             <a:endParaRPr lang="ru-RU"/>
           </a:p>
@@ -861,7 +638,7 @@
       </p:sp>
       <p:sp>
         <p:nvSpPr>
-          <p:cNvPr id="5" name="Footer Placeholder 4"/>
+          <p:cNvPr id="5" name="Нижний колонтитул 4"/>
           <p:cNvSpPr>
             <a:spLocks noGrp="1"/>
           </p:cNvSpPr>
@@ -880,7 +657,7 @@
       </p:sp>
       <p:sp>
         <p:nvSpPr>
-          <p:cNvPr id="6" name="Slide Number Placeholder 5"/>
+          <p:cNvPr id="6" name="Номер слайда 5"/>
           <p:cNvSpPr>
             <a:spLocks noGrp="1"/>
           </p:cNvSpPr>
@@ -904,7 +681,7 @@
     </p:spTree>
     <p:extLst>
       <p:ext uri="{BB962C8B-B14F-4D97-AF65-F5344CB8AC3E}">
-        <p14:creationId xmlns:p14="http://schemas.microsoft.com/office/powerpoint/2010/main" val="2781706329"/>
+        <p14:creationId xmlns:p14="http://schemas.microsoft.com/office/powerpoint/2010/main" val="1889114908"/>
       </p:ext>
     </p:extLst>
   </p:cSld>
@@ -933,7 +710,7 @@
       </p:grpSpPr>
       <p:sp>
         <p:nvSpPr>
-          <p:cNvPr id="2" name="Title 1"/>
+          <p:cNvPr id="2" name="Заголовок 1"/>
           <p:cNvSpPr>
             <a:spLocks noGrp="1"/>
           </p:cNvSpPr>
@@ -944,23 +721,19 @@
         <p:spPr/>
         <p:txBody>
           <a:bodyPr/>
-          <a:lstStyle>
-            <a:lvl1pPr marL="0">
-              <a:defRPr/>
-            </a:lvl1pPr>
-          </a:lstStyle>
-          <a:p>
-            <a:r>
-              <a:rPr lang="ru-RU"/>
+          <a:lstStyle/>
+          <a:p>
+            <a:r>
+              <a:rPr lang="ru-RU" smtClean="0"/>
               <a:t>Образец заголовка</a:t>
             </a:r>
-            <a:endParaRPr lang="en-US" dirty="0"/>
-          </a:p>
-        </p:txBody>
-      </p:sp>
-      <p:sp>
-        <p:nvSpPr>
-          <p:cNvPr id="3" name="Content Placeholder 2"/>
+            <a:endParaRPr lang="ru-RU"/>
+          </a:p>
+        </p:txBody>
+      </p:sp>
+      <p:sp>
+        <p:nvSpPr>
+          <p:cNvPr id="3" name="Объект 2"/>
           <p:cNvSpPr>
             <a:spLocks noGrp="1"/>
           </p:cNvSpPr>
@@ -975,44 +748,44 @@
           <a:p>
             <a:pPr lvl="0"/>
             <a:r>
-              <a:rPr lang="ru-RU"/>
+              <a:rPr lang="ru-RU" smtClean="0"/>
               <a:t>Образец текста</a:t>
             </a:r>
           </a:p>
           <a:p>
             <a:pPr lvl="1"/>
             <a:r>
-              <a:rPr lang="ru-RU"/>
+              <a:rPr lang="ru-RU" smtClean="0"/>
               <a:t>Второй уровень</a:t>
             </a:r>
           </a:p>
           <a:p>
             <a:pPr lvl="2"/>
             <a:r>
-              <a:rPr lang="ru-RU"/>
+              <a:rPr lang="ru-RU" smtClean="0"/>
               <a:t>Третий уровень</a:t>
             </a:r>
           </a:p>
           <a:p>
             <a:pPr lvl="3"/>
             <a:r>
-              <a:rPr lang="ru-RU"/>
+              <a:rPr lang="ru-RU" smtClean="0"/>
               <a:t>Четвертый уровень</a:t>
             </a:r>
           </a:p>
           <a:p>
             <a:pPr lvl="4"/>
             <a:r>
-              <a:rPr lang="ru-RU"/>
+              <a:rPr lang="ru-RU" smtClean="0"/>
               <a:t>Пятый уровень</a:t>
             </a:r>
-            <a:endParaRPr lang="en-US" dirty="0"/>
-          </a:p>
-        </p:txBody>
-      </p:sp>
-      <p:sp>
-        <p:nvSpPr>
-          <p:cNvPr id="4" name="Date Placeholder 3"/>
+            <a:endParaRPr lang="ru-RU"/>
+          </a:p>
+        </p:txBody>
+      </p:sp>
+      <p:sp>
+        <p:nvSpPr>
+          <p:cNvPr id="4" name="Дата 3"/>
           <p:cNvSpPr>
             <a:spLocks noGrp="1"/>
           </p:cNvSpPr>
@@ -1027,7 +800,7 @@
           <a:p>
             <a:fld id="{BB72D5D3-D9D5-4A9C-867E-F13F5DA2FF7F}" type="datetimeFigureOut">
               <a:rPr lang="ru-RU" smtClean="0"/>
-              <a:t>09.02.2026</a:t>
+              <a:t>10.02.2026</a:t>
             </a:fld>
             <a:endParaRPr lang="ru-RU"/>
           </a:p>
@@ -1035,7 +808,7 @@
       </p:sp>
       <p:sp>
         <p:nvSpPr>
-          <p:cNvPr id="5" name="Footer Placeholder 4"/>
+          <p:cNvPr id="5" name="Нижний колонтитул 4"/>
           <p:cNvSpPr>
             <a:spLocks noGrp="1"/>
           </p:cNvSpPr>
@@ -1054,7 +827,7 @@
       </p:sp>
       <p:sp>
         <p:nvSpPr>
-          <p:cNvPr id="6" name="Slide Number Placeholder 5"/>
+          <p:cNvPr id="6" name="Номер слайда 5"/>
           <p:cNvSpPr>
             <a:spLocks noGrp="1"/>
           </p:cNvSpPr>
@@ -1078,7 +851,7 @@
     </p:spTree>
     <p:extLst>
       <p:ext uri="{BB962C8B-B14F-4D97-AF65-F5344CB8AC3E}">
-        <p14:creationId xmlns:p14="http://schemas.microsoft.com/office/powerpoint/2010/main" val="2381288858"/>
+        <p14:creationId xmlns:p14="http://schemas.microsoft.com/office/powerpoint/2010/main" val="4216451626"/>
       </p:ext>
     </p:extLst>
   </p:cSld>
@@ -1089,16 +862,8 @@
 </file>
 
 <file path=ppt/slideLayouts/slideLayout3.xml><?xml version="1.0" encoding="utf-8"?>
-<p:sldLayout xmlns:a="http://schemas.openxmlformats.org/drawingml/2006/main" xmlns:r="http://schemas.openxmlformats.org/officeDocument/2006/relationships" xmlns:p="http://schemas.openxmlformats.org/presentationml/2006/main" showMasterSp="0" type="secHead" preserve="1">
+<p:sldLayout xmlns:a="http://schemas.openxmlformats.org/drawingml/2006/main" xmlns:r="http://schemas.openxmlformats.org/officeDocument/2006/relationships" xmlns:p="http://schemas.openxmlformats.org/presentationml/2006/main" type="secHead" preserve="1">
   <p:cSld name="Заголовок раздела">
-    <p:bg>
-      <p:bgPr>
-        <a:solidFill>
-          <a:schemeClr val="bg1"/>
-        </a:solidFill>
-        <a:effectLst/>
-      </p:bgPr>
-    </p:bg>
     <p:spTree>
       <p:nvGrpSpPr>
         <p:cNvPr id="1" name=""/>
@@ -1115,83 +880,7 @@
       </p:grpSpPr>
       <p:sp>
         <p:nvSpPr>
-          <p:cNvPr id="7" name="Rectangle 6"/>
-          <p:cNvSpPr/>
-          <p:nvPr/>
-        </p:nvSpPr>
-        <p:spPr>
-          <a:xfrm>
-            <a:off x="3175" y="6400800"/>
-            <a:ext cx="12188825" cy="457200"/>
-          </a:xfrm>
-          <a:prstGeom prst="rect">
-            <a:avLst/>
-          </a:prstGeom>
-          <a:solidFill>
-            <a:schemeClr val="accent2"/>
-          </a:solidFill>
-          <a:ln>
-            <a:noFill/>
-          </a:ln>
-        </p:spPr>
-        <p:style>
-          <a:lnRef idx="2">
-            <a:schemeClr val="accent1">
-              <a:shade val="50000"/>
-            </a:schemeClr>
-          </a:lnRef>
-          <a:fillRef idx="1">
-            <a:schemeClr val="accent1"/>
-          </a:fillRef>
-          <a:effectRef idx="0">
-            <a:schemeClr val="accent1"/>
-          </a:effectRef>
-          <a:fontRef idx="minor">
-            <a:schemeClr val="lt1"/>
-          </a:fontRef>
-        </p:style>
-      </p:sp>
-      <p:sp>
-        <p:nvSpPr>
-          <p:cNvPr id="8" name="Rectangle 7"/>
-          <p:cNvSpPr/>
-          <p:nvPr/>
-        </p:nvSpPr>
-        <p:spPr>
-          <a:xfrm>
-            <a:off x="15" y="6334316"/>
-            <a:ext cx="12188825" cy="64008"/>
-          </a:xfrm>
-          <a:prstGeom prst="rect">
-            <a:avLst/>
-          </a:prstGeom>
-          <a:solidFill>
-            <a:schemeClr val="accent1"/>
-          </a:solidFill>
-          <a:ln>
-            <a:noFill/>
-          </a:ln>
-        </p:spPr>
-        <p:style>
-          <a:lnRef idx="2">
-            <a:schemeClr val="accent1">
-              <a:shade val="50000"/>
-            </a:schemeClr>
-          </a:lnRef>
-          <a:fillRef idx="1">
-            <a:schemeClr val="accent1"/>
-          </a:fillRef>
-          <a:effectRef idx="0">
-            <a:schemeClr val="accent1"/>
-          </a:effectRef>
-          <a:fontRef idx="minor">
-            <a:schemeClr val="lt1"/>
-          </a:fontRef>
-        </p:style>
-      </p:sp>
-      <p:sp>
-        <p:nvSpPr>
-          <p:cNvPr id="2" name="Title 1"/>
+          <p:cNvPr id="2" name="Заголовок 1"/>
           <p:cNvSpPr>
             <a:spLocks noGrp="1"/>
           </p:cNvSpPr>
@@ -1201,41 +890,29 @@
         </p:nvSpPr>
         <p:spPr>
           <a:xfrm>
-            <a:off x="1097280" y="758952"/>
-            <a:ext cx="10058400" cy="3566160"/>
+            <a:off x="831850" y="1709738"/>
+            <a:ext cx="10515600" cy="2852737"/>
           </a:xfrm>
         </p:spPr>
         <p:txBody>
-          <a:bodyPr anchor="b" anchorCtr="0">
-            <a:normAutofit/>
-          </a:bodyPr>
+          <a:bodyPr anchor="b"/>
           <a:lstStyle>
             <a:lvl1pPr>
-              <a:lnSpc>
-                <a:spcPct val="85000"/>
-              </a:lnSpc>
-              <a:defRPr sz="8000" b="0">
-                <a:solidFill>
-                  <a:schemeClr val="tx1">
-                    <a:lumMod val="85000"/>
-                    <a:lumOff val="15000"/>
-                  </a:schemeClr>
-                </a:solidFill>
-              </a:defRPr>
+              <a:defRPr sz="6000"/>
             </a:lvl1pPr>
           </a:lstStyle>
           <a:p>
             <a:r>
-              <a:rPr lang="ru-RU"/>
+              <a:rPr lang="ru-RU" smtClean="0"/>
               <a:t>Образец заголовка</a:t>
             </a:r>
-            <a:endParaRPr lang="en-US" dirty="0"/>
-          </a:p>
-        </p:txBody>
-      </p:sp>
-      <p:sp>
-        <p:nvSpPr>
-          <p:cNvPr id="3" name="Text Placeholder 2"/>
+            <a:endParaRPr lang="ru-RU"/>
+          </a:p>
+        </p:txBody>
+      </p:sp>
+      <p:sp>
+        <p:nvSpPr>
+          <p:cNvPr id="3" name="Текст 2"/>
           <p:cNvSpPr>
             <a:spLocks noGrp="1"/>
           </p:cNvSpPr>
@@ -1245,27 +922,26 @@
         </p:nvSpPr>
         <p:spPr>
           <a:xfrm>
-            <a:off x="1097280" y="4453128"/>
-            <a:ext cx="10058400" cy="1143000"/>
+            <a:off x="831850" y="4589463"/>
+            <a:ext cx="10515600" cy="1500187"/>
           </a:xfrm>
         </p:spPr>
         <p:txBody>
-          <a:bodyPr lIns="91440" rIns="91440" anchor="t" anchorCtr="0">
-            <a:normAutofit/>
-          </a:bodyPr>
+          <a:bodyPr/>
           <a:lstStyle>
             <a:lvl1pPr marL="0" indent="0">
               <a:buNone/>
-              <a:defRPr sz="2400" cap="all" spc="200" baseline="0">
+              <a:defRPr sz="2400">
                 <a:solidFill>
-                  <a:schemeClr val="tx2"/>
+                  <a:schemeClr val="tx1">
+                    <a:tint val="75000"/>
+                  </a:schemeClr>
                 </a:solidFill>
-                <a:latin typeface="+mj-lt"/>
               </a:defRPr>
             </a:lvl1pPr>
             <a:lvl2pPr marL="457200" indent="0">
               <a:buNone/>
-              <a:defRPr sz="1800">
+              <a:defRPr sz="2000">
                 <a:solidFill>
                   <a:schemeClr val="tx1">
                     <a:tint val="75000"/>
@@ -1275,7 +951,7 @@
             </a:lvl2pPr>
             <a:lvl3pPr marL="914400" indent="0">
               <a:buNone/>
-              <a:defRPr sz="1600">
+              <a:defRPr sz="1800">
                 <a:solidFill>
                   <a:schemeClr val="tx1">
                     <a:tint val="75000"/>
@@ -1285,7 +961,7 @@
             </a:lvl3pPr>
             <a:lvl4pPr marL="1371600" indent="0">
               <a:buNone/>
-              <a:defRPr sz="1400">
+              <a:defRPr sz="1600">
                 <a:solidFill>
                   <a:schemeClr val="tx1">
                     <a:tint val="75000"/>
@@ -1295,7 +971,7 @@
             </a:lvl4pPr>
             <a:lvl5pPr marL="1828800" indent="0">
               <a:buNone/>
-              <a:defRPr sz="1400">
+              <a:defRPr sz="1600">
                 <a:solidFill>
                   <a:schemeClr val="tx1">
                     <a:tint val="75000"/>
@@ -1305,7 +981,7 @@
             </a:lvl5pPr>
             <a:lvl6pPr marL="2286000" indent="0">
               <a:buNone/>
-              <a:defRPr sz="1400">
+              <a:defRPr sz="1600">
                 <a:solidFill>
                   <a:schemeClr val="tx1">
                     <a:tint val="75000"/>
@@ -1315,7 +991,7 @@
             </a:lvl6pPr>
             <a:lvl7pPr marL="2743200" indent="0">
               <a:buNone/>
-              <a:defRPr sz="1400">
+              <a:defRPr sz="1600">
                 <a:solidFill>
                   <a:schemeClr val="tx1">
                     <a:tint val="75000"/>
@@ -1325,7 +1001,7 @@
             </a:lvl7pPr>
             <a:lvl8pPr marL="3200400" indent="0">
               <a:buNone/>
-              <a:defRPr sz="1400">
+              <a:defRPr sz="1600">
                 <a:solidFill>
                   <a:schemeClr val="tx1">
                     <a:tint val="75000"/>
@@ -1335,7 +1011,7 @@
             </a:lvl8pPr>
             <a:lvl9pPr marL="3657600" indent="0">
               <a:buNone/>
-              <a:defRPr sz="1400">
+              <a:defRPr sz="1600">
                 <a:solidFill>
                   <a:schemeClr val="tx1">
                     <a:tint val="75000"/>
@@ -1347,7 +1023,7 @@
           <a:p>
             <a:pPr lvl="0"/>
             <a:r>
-              <a:rPr lang="ru-RU"/>
+              <a:rPr lang="ru-RU" smtClean="0"/>
               <a:t>Образец текста</a:t>
             </a:r>
           </a:p>
@@ -1355,7 +1031,7 @@
       </p:sp>
       <p:sp>
         <p:nvSpPr>
-          <p:cNvPr id="4" name="Date Placeholder 3"/>
+          <p:cNvPr id="4" name="Дата 3"/>
           <p:cNvSpPr>
             <a:spLocks noGrp="1"/>
           </p:cNvSpPr>
@@ -1370,7 +1046,7 @@
           <a:p>
             <a:fld id="{BB72D5D3-D9D5-4A9C-867E-F13F5DA2FF7F}" type="datetimeFigureOut">
               <a:rPr lang="ru-RU" smtClean="0"/>
-              <a:t>09.02.2026</a:t>
+              <a:t>10.02.2026</a:t>
             </a:fld>
             <a:endParaRPr lang="ru-RU"/>
           </a:p>
@@ -1378,7 +1054,7 @@
       </p:sp>
       <p:sp>
         <p:nvSpPr>
-          <p:cNvPr id="5" name="Footer Placeholder 4"/>
+          <p:cNvPr id="5" name="Нижний колонтитул 4"/>
           <p:cNvSpPr>
             <a:spLocks noGrp="1"/>
           </p:cNvSpPr>
@@ -1397,7 +1073,7 @@
       </p:sp>
       <p:sp>
         <p:nvSpPr>
-          <p:cNvPr id="6" name="Slide Number Placeholder 5"/>
+          <p:cNvPr id="6" name="Номер слайда 5"/>
           <p:cNvSpPr>
             <a:spLocks noGrp="1"/>
           </p:cNvSpPr>
@@ -1418,48 +1094,10 @@
           </a:p>
         </p:txBody>
       </p:sp>
-      <p:cxnSp>
-        <p:nvCxnSpPr>
-          <p:cNvPr id="9" name="Straight Connector 8"/>
-          <p:cNvCxnSpPr/>
-          <p:nvPr/>
-        </p:nvCxnSpPr>
-        <p:spPr>
-          <a:xfrm>
-            <a:off x="1207658" y="4343400"/>
-            <a:ext cx="9875520" cy="0"/>
-          </a:xfrm>
-          <a:prstGeom prst="line">
-            <a:avLst/>
-          </a:prstGeom>
-          <a:ln w="6350">
-            <a:solidFill>
-              <a:schemeClr val="tx1">
-                <a:lumMod val="50000"/>
-                <a:lumOff val="50000"/>
-              </a:schemeClr>
-            </a:solidFill>
-          </a:ln>
-        </p:spPr>
-        <p:style>
-          <a:lnRef idx="1">
-            <a:schemeClr val="accent1"/>
-          </a:lnRef>
-          <a:fillRef idx="0">
-            <a:schemeClr val="accent1"/>
-          </a:fillRef>
-          <a:effectRef idx="0">
-            <a:schemeClr val="accent1"/>
-          </a:effectRef>
-          <a:fontRef idx="minor">
-            <a:schemeClr val="tx1"/>
-          </a:fontRef>
-        </p:style>
-      </p:cxnSp>
     </p:spTree>
     <p:extLst>
       <p:ext uri="{BB962C8B-B14F-4D97-AF65-F5344CB8AC3E}">
-        <p14:creationId xmlns:p14="http://schemas.microsoft.com/office/powerpoint/2010/main" val="78866218"/>
+        <p14:creationId xmlns:p14="http://schemas.microsoft.com/office/powerpoint/2010/main" val="1098419303"/>
       </p:ext>
     </p:extLst>
   </p:cSld>
@@ -1488,7 +1126,7 @@
       </p:grpSpPr>
       <p:sp>
         <p:nvSpPr>
-          <p:cNvPr id="8" name="Title 7"/>
+          <p:cNvPr id="2" name="Заголовок 1"/>
           <p:cNvSpPr>
             <a:spLocks noGrp="1"/>
           </p:cNvSpPr>
@@ -1496,27 +1134,22 @@
             <p:ph type="title"/>
           </p:nvPr>
         </p:nvSpPr>
-        <p:spPr>
-          <a:xfrm>
-            <a:off x="1097280" y="286603"/>
-            <a:ext cx="10058400" cy="1450757"/>
-          </a:xfrm>
-        </p:spPr>
+        <p:spPr/>
         <p:txBody>
           <a:bodyPr/>
           <a:lstStyle/>
           <a:p>
             <a:r>
-              <a:rPr lang="ru-RU"/>
+              <a:rPr lang="ru-RU" smtClean="0"/>
               <a:t>Образец заголовка</a:t>
             </a:r>
-            <a:endParaRPr lang="en-US" dirty="0"/>
-          </a:p>
-        </p:txBody>
-      </p:sp>
-      <p:sp>
-        <p:nvSpPr>
-          <p:cNvPr id="3" name="Content Placeholder 2"/>
+            <a:endParaRPr lang="ru-RU"/>
+          </a:p>
+        </p:txBody>
+      </p:sp>
+      <p:sp>
+        <p:nvSpPr>
+          <p:cNvPr id="3" name="Объект 2"/>
           <p:cNvSpPr>
             <a:spLocks noGrp="1"/>
           </p:cNvSpPr>
@@ -1526,8 +1159,8 @@
         </p:nvSpPr>
         <p:spPr>
           <a:xfrm>
-            <a:off x="1097279" y="1845734"/>
-            <a:ext cx="4937760" cy="4023360"/>
+            <a:off x="838200" y="1825625"/>
+            <a:ext cx="5181600" cy="4351338"/>
           </a:xfrm>
         </p:spPr>
         <p:txBody>
@@ -1536,44 +1169,44 @@
           <a:p>
             <a:pPr lvl="0"/>
             <a:r>
-              <a:rPr lang="ru-RU"/>
+              <a:rPr lang="ru-RU" smtClean="0"/>
               <a:t>Образец текста</a:t>
             </a:r>
           </a:p>
           <a:p>
             <a:pPr lvl="1"/>
             <a:r>
-              <a:rPr lang="ru-RU"/>
+              <a:rPr lang="ru-RU" smtClean="0"/>
               <a:t>Второй уровень</a:t>
             </a:r>
           </a:p>
           <a:p>
             <a:pPr lvl="2"/>
             <a:r>
-              <a:rPr lang="ru-RU"/>
+              <a:rPr lang="ru-RU" smtClean="0"/>
               <a:t>Третий уровень</a:t>
             </a:r>
           </a:p>
           <a:p>
             <a:pPr lvl="3"/>
             <a:r>
-              <a:rPr lang="ru-RU"/>
+              <a:rPr lang="ru-RU" smtClean="0"/>
               <a:t>Четвертый уровень</a:t>
             </a:r>
           </a:p>
           <a:p>
             <a:pPr lvl="4"/>
             <a:r>
-              <a:rPr lang="ru-RU"/>
+              <a:rPr lang="ru-RU" smtClean="0"/>
               <a:t>Пятый уровень</a:t>
             </a:r>
-            <a:endParaRPr lang="en-US" dirty="0"/>
-          </a:p>
-        </p:txBody>
-      </p:sp>
-      <p:sp>
-        <p:nvSpPr>
-          <p:cNvPr id="4" name="Content Placeholder 3"/>
+            <a:endParaRPr lang="ru-RU"/>
+          </a:p>
+        </p:txBody>
+      </p:sp>
+      <p:sp>
+        <p:nvSpPr>
+          <p:cNvPr id="4" name="Объект 3"/>
           <p:cNvSpPr>
             <a:spLocks noGrp="1"/>
           </p:cNvSpPr>
@@ -1583,8 +1216,8 @@
         </p:nvSpPr>
         <p:spPr>
           <a:xfrm>
-            <a:off x="6217920" y="1845735"/>
-            <a:ext cx="4937760" cy="4023360"/>
+            <a:off x="6172200" y="1825625"/>
+            <a:ext cx="5181600" cy="4351338"/>
           </a:xfrm>
         </p:spPr>
         <p:txBody>
@@ -1593,44 +1226,44 @@
           <a:p>
             <a:pPr lvl="0"/>
             <a:r>
-              <a:rPr lang="ru-RU"/>
+              <a:rPr lang="ru-RU" smtClean="0"/>
               <a:t>Образец текста</a:t>
             </a:r>
           </a:p>
           <a:p>
             <a:pPr lvl="1"/>
             <a:r>
-              <a:rPr lang="ru-RU"/>
+              <a:rPr lang="ru-RU" smtClean="0"/>
               <a:t>Второй уровень</a:t>
             </a:r>
           </a:p>
           <a:p>
             <a:pPr lvl="2"/>
             <a:r>
-              <a:rPr lang="ru-RU"/>
+              <a:rPr lang="ru-RU" smtClean="0"/>
               <a:t>Третий уровень</a:t>
             </a:r>
           </a:p>
           <a:p>
             <a:pPr lvl="3"/>
             <a:r>
-              <a:rPr lang="ru-RU"/>
+              <a:rPr lang="ru-RU" smtClean="0"/>
               <a:t>Четвертый уровень</a:t>
             </a:r>
           </a:p>
           <a:p>
             <a:pPr lvl="4"/>
             <a:r>
-              <a:rPr lang="ru-RU"/>
+              <a:rPr lang="ru-RU" smtClean="0"/>
               <a:t>Пятый уровень</a:t>
             </a:r>
-            <a:endParaRPr lang="en-US" dirty="0"/>
-          </a:p>
-        </p:txBody>
-      </p:sp>
-      <p:sp>
-        <p:nvSpPr>
-          <p:cNvPr id="5" name="Date Placeholder 4"/>
+            <a:endParaRPr lang="ru-RU"/>
+          </a:p>
+        </p:txBody>
+      </p:sp>
+      <p:sp>
+        <p:nvSpPr>
+          <p:cNvPr id="5" name="Дата 4"/>
           <p:cNvSpPr>
             <a:spLocks noGrp="1"/>
           </p:cNvSpPr>
@@ -1645,7 +1278,7 @@
           <a:p>
             <a:fld id="{BB72D5D3-D9D5-4A9C-867E-F13F5DA2FF7F}" type="datetimeFigureOut">
               <a:rPr lang="ru-RU" smtClean="0"/>
-              <a:t>09.02.2026</a:t>
+              <a:t>10.02.2026</a:t>
             </a:fld>
             <a:endParaRPr lang="ru-RU"/>
           </a:p>
@@ -1653,7 +1286,7 @@
       </p:sp>
       <p:sp>
         <p:nvSpPr>
-          <p:cNvPr id="6" name="Footer Placeholder 5"/>
+          <p:cNvPr id="6" name="Нижний колонтитул 5"/>
           <p:cNvSpPr>
             <a:spLocks noGrp="1"/>
           </p:cNvSpPr>
@@ -1672,7 +1305,7 @@
       </p:sp>
       <p:sp>
         <p:nvSpPr>
-          <p:cNvPr id="7" name="Slide Number Placeholder 6"/>
+          <p:cNvPr id="7" name="Номер слайда 6"/>
           <p:cNvSpPr>
             <a:spLocks noGrp="1"/>
           </p:cNvSpPr>
@@ -1696,7 +1329,7 @@
     </p:spTree>
     <p:extLst>
       <p:ext uri="{BB962C8B-B14F-4D97-AF65-F5344CB8AC3E}">
-        <p14:creationId xmlns:p14="http://schemas.microsoft.com/office/powerpoint/2010/main" val="867991265"/>
+        <p14:creationId xmlns:p14="http://schemas.microsoft.com/office/powerpoint/2010/main" val="1293779063"/>
       </p:ext>
     </p:extLst>
   </p:cSld>
@@ -1725,7 +1358,7 @@
       </p:grpSpPr>
       <p:sp>
         <p:nvSpPr>
-          <p:cNvPr id="10" name="Title 9"/>
+          <p:cNvPr id="2" name="Заголовок 1"/>
           <p:cNvSpPr>
             <a:spLocks noGrp="1"/>
           </p:cNvSpPr>
@@ -1735,8 +1368,8 @@
         </p:nvSpPr>
         <p:spPr>
           <a:xfrm>
-            <a:off x="1097280" y="286603"/>
-            <a:ext cx="10058400" cy="1450757"/>
+            <a:off x="839788" y="365125"/>
+            <a:ext cx="10515600" cy="1325563"/>
           </a:xfrm>
         </p:spPr>
         <p:txBody>
@@ -1744,16 +1377,16 @@
           <a:lstStyle/>
           <a:p>
             <a:r>
-              <a:rPr lang="ru-RU"/>
+              <a:rPr lang="ru-RU" smtClean="0"/>
               <a:t>Образец заголовка</a:t>
             </a:r>
-            <a:endParaRPr lang="en-US" dirty="0"/>
-          </a:p>
-        </p:txBody>
-      </p:sp>
-      <p:sp>
-        <p:nvSpPr>
-          <p:cNvPr id="3" name="Text Placeholder 2"/>
+            <a:endParaRPr lang="ru-RU"/>
+          </a:p>
+        </p:txBody>
+      </p:sp>
+      <p:sp>
+        <p:nvSpPr>
+          <p:cNvPr id="3" name="Текст 2"/>
           <p:cNvSpPr>
             <a:spLocks noGrp="1"/>
           </p:cNvSpPr>
@@ -1763,22 +1396,16 @@
         </p:nvSpPr>
         <p:spPr>
           <a:xfrm>
-            <a:off x="1097280" y="1846052"/>
-            <a:ext cx="4937760" cy="736282"/>
+            <a:off x="839788" y="1681163"/>
+            <a:ext cx="5157787" cy="823912"/>
           </a:xfrm>
         </p:spPr>
         <p:txBody>
-          <a:bodyPr lIns="91440" rIns="91440" anchor="ctr">
-            <a:normAutofit/>
-          </a:bodyPr>
+          <a:bodyPr anchor="b"/>
           <a:lstStyle>
             <a:lvl1pPr marL="0" indent="0">
               <a:buNone/>
-              <a:defRPr sz="2000" b="0" cap="all" baseline="0">
-                <a:solidFill>
-                  <a:schemeClr val="tx2"/>
-                </a:solidFill>
-              </a:defRPr>
+              <a:defRPr sz="2400" b="1"/>
             </a:lvl1pPr>
             <a:lvl2pPr marL="457200" indent="0">
               <a:buNone/>
@@ -1816,7 +1443,7 @@
           <a:p>
             <a:pPr lvl="0"/>
             <a:r>
-              <a:rPr lang="ru-RU"/>
+              <a:rPr lang="ru-RU" smtClean="0"/>
               <a:t>Образец текста</a:t>
             </a:r>
           </a:p>
@@ -1824,7 +1451,7 @@
       </p:sp>
       <p:sp>
         <p:nvSpPr>
-          <p:cNvPr id="4" name="Content Placeholder 3"/>
+          <p:cNvPr id="4" name="Объект 3"/>
           <p:cNvSpPr>
             <a:spLocks noGrp="1"/>
           </p:cNvSpPr>
@@ -1834,8 +1461,8 @@
         </p:nvSpPr>
         <p:spPr>
           <a:xfrm>
-            <a:off x="1097280" y="2582334"/>
-            <a:ext cx="4937760" cy="3378200"/>
+            <a:off x="839788" y="2505075"/>
+            <a:ext cx="5157787" cy="3684588"/>
           </a:xfrm>
         </p:spPr>
         <p:txBody>
@@ -1844,44 +1471,44 @@
           <a:p>
             <a:pPr lvl="0"/>
             <a:r>
-              <a:rPr lang="ru-RU"/>
+              <a:rPr lang="ru-RU" smtClean="0"/>
               <a:t>Образец текста</a:t>
             </a:r>
           </a:p>
           <a:p>
             <a:pPr lvl="1"/>
             <a:r>
-              <a:rPr lang="ru-RU"/>
+              <a:rPr lang="ru-RU" smtClean="0"/>
               <a:t>Второй уровень</a:t>
             </a:r>
           </a:p>
           <a:p>
             <a:pPr lvl="2"/>
             <a:r>
-              <a:rPr lang="ru-RU"/>
+              <a:rPr lang="ru-RU" smtClean="0"/>
               <a:t>Третий уровень</a:t>
             </a:r>
           </a:p>
           <a:p>
             <a:pPr lvl="3"/>
             <a:r>
-              <a:rPr lang="ru-RU"/>
+              <a:rPr lang="ru-RU" smtClean="0"/>
               <a:t>Четвертый уровень</a:t>
             </a:r>
           </a:p>
           <a:p>
             <a:pPr lvl="4"/>
             <a:r>
-              <a:rPr lang="ru-RU"/>
+              <a:rPr lang="ru-RU" smtClean="0"/>
               <a:t>Пятый уровень</a:t>
             </a:r>
-            <a:endParaRPr lang="en-US" dirty="0"/>
-          </a:p>
-        </p:txBody>
-      </p:sp>
-      <p:sp>
-        <p:nvSpPr>
-          <p:cNvPr id="5" name="Text Placeholder 4"/>
+            <a:endParaRPr lang="ru-RU"/>
+          </a:p>
+        </p:txBody>
+      </p:sp>
+      <p:sp>
+        <p:nvSpPr>
+          <p:cNvPr id="5" name="Текст 4"/>
           <p:cNvSpPr>
             <a:spLocks noGrp="1"/>
           </p:cNvSpPr>
@@ -1891,22 +1518,16 @@
         </p:nvSpPr>
         <p:spPr>
           <a:xfrm>
-            <a:off x="6217920" y="1846052"/>
-            <a:ext cx="4937760" cy="736282"/>
+            <a:off x="6172200" y="1681163"/>
+            <a:ext cx="5183188" cy="823912"/>
           </a:xfrm>
         </p:spPr>
         <p:txBody>
-          <a:bodyPr lIns="91440" rIns="91440" anchor="ctr">
-            <a:normAutofit/>
-          </a:bodyPr>
+          <a:bodyPr anchor="b"/>
           <a:lstStyle>
             <a:lvl1pPr marL="0" indent="0">
               <a:buNone/>
-              <a:defRPr sz="2000" b="0" cap="all" baseline="0">
-                <a:solidFill>
-                  <a:schemeClr val="tx2"/>
-                </a:solidFill>
-              </a:defRPr>
+              <a:defRPr sz="2400" b="1"/>
             </a:lvl1pPr>
             <a:lvl2pPr marL="457200" indent="0">
               <a:buNone/>
@@ -1944,7 +1565,7 @@
           <a:p>
             <a:pPr lvl="0"/>
             <a:r>
-              <a:rPr lang="ru-RU"/>
+              <a:rPr lang="ru-RU" smtClean="0"/>
               <a:t>Образец текста</a:t>
             </a:r>
           </a:p>
@@ -1952,7 +1573,7 @@
       </p:sp>
       <p:sp>
         <p:nvSpPr>
-          <p:cNvPr id="6" name="Content Placeholder 5"/>
+          <p:cNvPr id="6" name="Объект 5"/>
           <p:cNvSpPr>
             <a:spLocks noGrp="1"/>
           </p:cNvSpPr>
@@ -1962,8 +1583,8 @@
         </p:nvSpPr>
         <p:spPr>
           <a:xfrm>
-            <a:off x="6217920" y="2582334"/>
-            <a:ext cx="4937760" cy="3378200"/>
+            <a:off x="6172200" y="2505075"/>
+            <a:ext cx="5183188" cy="3684588"/>
           </a:xfrm>
         </p:spPr>
         <p:txBody>
@@ -1972,44 +1593,44 @@
           <a:p>
             <a:pPr lvl="0"/>
             <a:r>
-              <a:rPr lang="ru-RU"/>
+              <a:rPr lang="ru-RU" smtClean="0"/>
               <a:t>Образец текста</a:t>
             </a:r>
           </a:p>
           <a:p>
             <a:pPr lvl="1"/>
             <a:r>
-              <a:rPr lang="ru-RU"/>
+              <a:rPr lang="ru-RU" smtClean="0"/>
               <a:t>Второй уровень</a:t>
             </a:r>
           </a:p>
           <a:p>
             <a:pPr lvl="2"/>
             <a:r>
-              <a:rPr lang="ru-RU"/>
+              <a:rPr lang="ru-RU" smtClean="0"/>
               <a:t>Третий уровень</a:t>
             </a:r>
           </a:p>
           <a:p>
             <a:pPr lvl="3"/>
             <a:r>
-              <a:rPr lang="ru-RU"/>
+              <a:rPr lang="ru-RU" smtClean="0"/>
               <a:t>Четвертый уровень</a:t>
             </a:r>
           </a:p>
           <a:p>
             <a:pPr lvl="4"/>
             <a:r>
-              <a:rPr lang="ru-RU"/>
+              <a:rPr lang="ru-RU" smtClean="0"/>
               <a:t>Пятый уровень</a:t>
             </a:r>
-            <a:endParaRPr lang="en-US" dirty="0"/>
-          </a:p>
-        </p:txBody>
-      </p:sp>
-      <p:sp>
-        <p:nvSpPr>
-          <p:cNvPr id="7" name="Date Placeholder 6"/>
+            <a:endParaRPr lang="ru-RU"/>
+          </a:p>
+        </p:txBody>
+      </p:sp>
+      <p:sp>
+        <p:nvSpPr>
+          <p:cNvPr id="7" name="Дата 6"/>
           <p:cNvSpPr>
             <a:spLocks noGrp="1"/>
           </p:cNvSpPr>
@@ -2024,7 +1645,7 @@
           <a:p>
             <a:fld id="{BB72D5D3-D9D5-4A9C-867E-F13F5DA2FF7F}" type="datetimeFigureOut">
               <a:rPr lang="ru-RU" smtClean="0"/>
-              <a:t>09.02.2026</a:t>
+              <a:t>10.02.2026</a:t>
             </a:fld>
             <a:endParaRPr lang="ru-RU"/>
           </a:p>
@@ -2032,7 +1653,7 @@
       </p:sp>
       <p:sp>
         <p:nvSpPr>
-          <p:cNvPr id="8" name="Footer Placeholder 7"/>
+          <p:cNvPr id="8" name="Нижний колонтитул 7"/>
           <p:cNvSpPr>
             <a:spLocks noGrp="1"/>
           </p:cNvSpPr>
@@ -2051,7 +1672,7 @@
       </p:sp>
       <p:sp>
         <p:nvSpPr>
-          <p:cNvPr id="9" name="Slide Number Placeholder 8"/>
+          <p:cNvPr id="9" name="Номер слайда 8"/>
           <p:cNvSpPr>
             <a:spLocks noGrp="1"/>
           </p:cNvSpPr>
@@ -2075,7 +1696,7 @@
     </p:spTree>
     <p:extLst>
       <p:ext uri="{BB962C8B-B14F-4D97-AF65-F5344CB8AC3E}">
-        <p14:creationId xmlns:p14="http://schemas.microsoft.com/office/powerpoint/2010/main" val="1911384581"/>
+        <p14:creationId xmlns:p14="http://schemas.microsoft.com/office/powerpoint/2010/main" val="2237465187"/>
       </p:ext>
     </p:extLst>
   </p:cSld>
@@ -2104,7 +1725,7 @@
       </p:grpSpPr>
       <p:sp>
         <p:nvSpPr>
-          <p:cNvPr id="2" name="Title 1"/>
+          <p:cNvPr id="2" name="Заголовок 1"/>
           <p:cNvSpPr>
             <a:spLocks noGrp="1"/>
           </p:cNvSpPr>
@@ -2118,16 +1739,16 @@
           <a:lstStyle/>
           <a:p>
             <a:r>
-              <a:rPr lang="ru-RU"/>
+              <a:rPr lang="ru-RU" smtClean="0"/>
               <a:t>Образец заголовка</a:t>
             </a:r>
-            <a:endParaRPr lang="en-US" dirty="0"/>
-          </a:p>
-        </p:txBody>
-      </p:sp>
-      <p:sp>
-        <p:nvSpPr>
-          <p:cNvPr id="3" name="Date Placeholder 2"/>
+            <a:endParaRPr lang="ru-RU"/>
+          </a:p>
+        </p:txBody>
+      </p:sp>
+      <p:sp>
+        <p:nvSpPr>
+          <p:cNvPr id="3" name="Дата 2"/>
           <p:cNvSpPr>
             <a:spLocks noGrp="1"/>
           </p:cNvSpPr>
@@ -2142,7 +1763,7 @@
           <a:p>
             <a:fld id="{BB72D5D3-D9D5-4A9C-867E-F13F5DA2FF7F}" type="datetimeFigureOut">
               <a:rPr lang="ru-RU" smtClean="0"/>
-              <a:t>09.02.2026</a:t>
+              <a:t>10.02.2026</a:t>
             </a:fld>
             <a:endParaRPr lang="ru-RU"/>
           </a:p>
@@ -2150,7 +1771,7 @@
       </p:sp>
       <p:sp>
         <p:nvSpPr>
-          <p:cNvPr id="4" name="Footer Placeholder 3"/>
+          <p:cNvPr id="4" name="Нижний колонтитул 3"/>
           <p:cNvSpPr>
             <a:spLocks noGrp="1"/>
           </p:cNvSpPr>
@@ -2169,7 +1790,7 @@
       </p:sp>
       <p:sp>
         <p:nvSpPr>
-          <p:cNvPr id="5" name="Slide Number Placeholder 4"/>
+          <p:cNvPr id="5" name="Номер слайда 4"/>
           <p:cNvSpPr>
             <a:spLocks noGrp="1"/>
           </p:cNvSpPr>
@@ -2193,7 +1814,7 @@
     </p:spTree>
     <p:extLst>
       <p:ext uri="{BB962C8B-B14F-4D97-AF65-F5344CB8AC3E}">
-        <p14:creationId xmlns:p14="http://schemas.microsoft.com/office/powerpoint/2010/main" val="3795851719"/>
+        <p14:creationId xmlns:p14="http://schemas.microsoft.com/office/powerpoint/2010/main" val="3266736758"/>
       </p:ext>
     </p:extLst>
   </p:cSld>
@@ -2204,7 +1825,7 @@
 </file>
 
 <file path=ppt/slideLayouts/slideLayout7.xml><?xml version="1.0" encoding="utf-8"?>
-<p:sldLayout xmlns:a="http://schemas.openxmlformats.org/drawingml/2006/main" xmlns:r="http://schemas.openxmlformats.org/officeDocument/2006/relationships" xmlns:p="http://schemas.openxmlformats.org/presentationml/2006/main" showMasterSp="0" type="blank" preserve="1">
+<p:sldLayout xmlns:a="http://schemas.openxmlformats.org/drawingml/2006/main" xmlns:r="http://schemas.openxmlformats.org/officeDocument/2006/relationships" xmlns:p="http://schemas.openxmlformats.org/presentationml/2006/main" type="blank" preserve="1">
   <p:cSld name="Пустой слайд">
     <p:spTree>
       <p:nvGrpSpPr>
@@ -2222,83 +1843,7 @@
       </p:grpSpPr>
       <p:sp>
         <p:nvSpPr>
-          <p:cNvPr id="5" name="Rectangle 4"/>
-          <p:cNvSpPr/>
-          <p:nvPr/>
-        </p:nvSpPr>
-        <p:spPr>
-          <a:xfrm>
-            <a:off x="3175" y="6400800"/>
-            <a:ext cx="12188825" cy="457200"/>
-          </a:xfrm>
-          <a:prstGeom prst="rect">
-            <a:avLst/>
-          </a:prstGeom>
-          <a:solidFill>
-            <a:schemeClr val="accent2"/>
-          </a:solidFill>
-          <a:ln>
-            <a:noFill/>
-          </a:ln>
-        </p:spPr>
-        <p:style>
-          <a:lnRef idx="2">
-            <a:schemeClr val="accent1">
-              <a:shade val="50000"/>
-            </a:schemeClr>
-          </a:lnRef>
-          <a:fillRef idx="1">
-            <a:schemeClr val="accent1"/>
-          </a:fillRef>
-          <a:effectRef idx="0">
-            <a:schemeClr val="accent1"/>
-          </a:effectRef>
-          <a:fontRef idx="minor">
-            <a:schemeClr val="lt1"/>
-          </a:fontRef>
-        </p:style>
-      </p:sp>
-      <p:sp>
-        <p:nvSpPr>
-          <p:cNvPr id="6" name="Rectangle 5"/>
-          <p:cNvSpPr/>
-          <p:nvPr/>
-        </p:nvSpPr>
-        <p:spPr>
-          <a:xfrm>
-            <a:off x="15" y="6334316"/>
-            <a:ext cx="12188825" cy="64008"/>
-          </a:xfrm>
-          <a:prstGeom prst="rect">
-            <a:avLst/>
-          </a:prstGeom>
-          <a:solidFill>
-            <a:schemeClr val="accent1"/>
-          </a:solidFill>
-          <a:ln>
-            <a:noFill/>
-          </a:ln>
-        </p:spPr>
-        <p:style>
-          <a:lnRef idx="2">
-            <a:schemeClr val="accent1">
-              <a:shade val="50000"/>
-            </a:schemeClr>
-          </a:lnRef>
-          <a:fillRef idx="1">
-            <a:schemeClr val="accent1"/>
-          </a:fillRef>
-          <a:effectRef idx="0">
-            <a:schemeClr val="accent1"/>
-          </a:effectRef>
-          <a:fontRef idx="minor">
-            <a:schemeClr val="lt1"/>
-          </a:fontRef>
-        </p:style>
-      </p:sp>
-      <p:sp>
-        <p:nvSpPr>
-          <p:cNvPr id="7" name="Date Placeholder 6"/>
+          <p:cNvPr id="2" name="Дата 1"/>
           <p:cNvSpPr>
             <a:spLocks noGrp="1"/>
           </p:cNvSpPr>
@@ -2313,7 +1858,7 @@
           <a:p>
             <a:fld id="{BB72D5D3-D9D5-4A9C-867E-F13F5DA2FF7F}" type="datetimeFigureOut">
               <a:rPr lang="ru-RU" smtClean="0"/>
-              <a:t>09.02.2026</a:t>
+              <a:t>10.02.2026</a:t>
             </a:fld>
             <a:endParaRPr lang="ru-RU"/>
           </a:p>
@@ -2321,7 +1866,7 @@
       </p:sp>
       <p:sp>
         <p:nvSpPr>
-          <p:cNvPr id="8" name="Footer Placeholder 7"/>
+          <p:cNvPr id="3" name="Нижний колонтитул 2"/>
           <p:cNvSpPr>
             <a:spLocks noGrp="1"/>
           </p:cNvSpPr>
@@ -2332,15 +1877,7 @@
         <p:spPr/>
         <p:txBody>
           <a:bodyPr/>
-          <a:lstStyle>
-            <a:lvl1pPr>
-              <a:defRPr>
-                <a:solidFill>
-                  <a:srgbClr val="FFFFFF"/>
-                </a:solidFill>
-              </a:defRPr>
-            </a:lvl1pPr>
-          </a:lstStyle>
+          <a:lstStyle/>
           <a:p>
             <a:endParaRPr lang="ru-RU"/>
           </a:p>
@@ -2348,7 +1885,7 @@
       </p:sp>
       <p:sp>
         <p:nvSpPr>
-          <p:cNvPr id="9" name="Slide Number Placeholder 8"/>
+          <p:cNvPr id="4" name="Номер слайда 3"/>
           <p:cNvSpPr>
             <a:spLocks noGrp="1"/>
           </p:cNvSpPr>
@@ -2372,7 +1909,7 @@
     </p:spTree>
     <p:extLst>
       <p:ext uri="{BB962C8B-B14F-4D97-AF65-F5344CB8AC3E}">
-        <p14:creationId xmlns:p14="http://schemas.microsoft.com/office/powerpoint/2010/main" val="2226518583"/>
+        <p14:creationId xmlns:p14="http://schemas.microsoft.com/office/powerpoint/2010/main" val="2362172517"/>
       </p:ext>
     </p:extLst>
   </p:cSld>
@@ -2383,7 +1920,7 @@
 </file>
 
 <file path=ppt/slideLayouts/slideLayout8.xml><?xml version="1.0" encoding="utf-8"?>
-<p:sldLayout xmlns:a="http://schemas.openxmlformats.org/drawingml/2006/main" xmlns:r="http://schemas.openxmlformats.org/officeDocument/2006/relationships" xmlns:p="http://schemas.openxmlformats.org/presentationml/2006/main" showMasterSp="0" type="objTx" preserve="1">
+<p:sldLayout xmlns:a="http://schemas.openxmlformats.org/drawingml/2006/main" xmlns:r="http://schemas.openxmlformats.org/officeDocument/2006/relationships" xmlns:p="http://schemas.openxmlformats.org/presentationml/2006/main" type="objTx" preserve="1">
   <p:cSld name="Объект с подписью">
     <p:spTree>
       <p:nvGrpSpPr>
@@ -2401,83 +1938,7 @@
       </p:grpSpPr>
       <p:sp>
         <p:nvSpPr>
-          <p:cNvPr id="8" name="Rectangle 7"/>
-          <p:cNvSpPr/>
-          <p:nvPr/>
-        </p:nvSpPr>
-        <p:spPr>
-          <a:xfrm>
-            <a:off x="16" y="0"/>
-            <a:ext cx="4050791" cy="6858000"/>
-          </a:xfrm>
-          <a:prstGeom prst="rect">
-            <a:avLst/>
-          </a:prstGeom>
-          <a:solidFill>
-            <a:schemeClr val="accent2"/>
-          </a:solidFill>
-          <a:ln>
-            <a:noFill/>
-          </a:ln>
-        </p:spPr>
-        <p:style>
-          <a:lnRef idx="2">
-            <a:schemeClr val="accent1">
-              <a:shade val="50000"/>
-            </a:schemeClr>
-          </a:lnRef>
-          <a:fillRef idx="1">
-            <a:schemeClr val="accent1"/>
-          </a:fillRef>
-          <a:effectRef idx="0">
-            <a:schemeClr val="accent1"/>
-          </a:effectRef>
-          <a:fontRef idx="minor">
-            <a:schemeClr val="lt1"/>
-          </a:fontRef>
-        </p:style>
-      </p:sp>
-      <p:sp>
-        <p:nvSpPr>
-          <p:cNvPr id="9" name="Rectangle 8"/>
-          <p:cNvSpPr/>
-          <p:nvPr/>
-        </p:nvSpPr>
-        <p:spPr>
-          <a:xfrm>
-            <a:off x="4040071" y="0"/>
-            <a:ext cx="64008" cy="6858000"/>
-          </a:xfrm>
-          <a:prstGeom prst="rect">
-            <a:avLst/>
-          </a:prstGeom>
-          <a:solidFill>
-            <a:schemeClr val="accent1"/>
-          </a:solidFill>
-          <a:ln>
-            <a:noFill/>
-          </a:ln>
-        </p:spPr>
-        <p:style>
-          <a:lnRef idx="2">
-            <a:schemeClr val="accent1">
-              <a:shade val="50000"/>
-            </a:schemeClr>
-          </a:lnRef>
-          <a:fillRef idx="1">
-            <a:schemeClr val="accent1"/>
-          </a:fillRef>
-          <a:effectRef idx="0">
-            <a:schemeClr val="accent1"/>
-          </a:effectRef>
-          <a:fontRef idx="minor">
-            <a:schemeClr val="lt1"/>
-          </a:fontRef>
-        </p:style>
-      </p:sp>
-      <p:sp>
-        <p:nvSpPr>
-          <p:cNvPr id="2" name="Title 1"/>
+          <p:cNvPr id="2" name="Заголовок 1"/>
           <p:cNvSpPr>
             <a:spLocks noGrp="1"/>
           </p:cNvSpPr>
@@ -2487,35 +1948,29 @@
         </p:nvSpPr>
         <p:spPr>
           <a:xfrm>
-            <a:off x="457200" y="594359"/>
-            <a:ext cx="3200400" cy="2286000"/>
+            <a:off x="839788" y="457200"/>
+            <a:ext cx="3932237" cy="1600200"/>
           </a:xfrm>
         </p:spPr>
         <p:txBody>
-          <a:bodyPr anchor="b">
-            <a:normAutofit/>
-          </a:bodyPr>
+          <a:bodyPr anchor="b"/>
           <a:lstStyle>
             <a:lvl1pPr>
-              <a:defRPr sz="3600" b="0">
-                <a:solidFill>
-                  <a:srgbClr val="FFFFFF"/>
-                </a:solidFill>
-              </a:defRPr>
+              <a:defRPr sz="3200"/>
             </a:lvl1pPr>
           </a:lstStyle>
           <a:p>
             <a:r>
-              <a:rPr lang="ru-RU"/>
+              <a:rPr lang="ru-RU" smtClean="0"/>
               <a:t>Образец заголовка</a:t>
             </a:r>
-            <a:endParaRPr lang="en-US" dirty="0"/>
-          </a:p>
-        </p:txBody>
-      </p:sp>
-      <p:sp>
-        <p:nvSpPr>
-          <p:cNvPr id="3" name="Content Placeholder 2"/>
+            <a:endParaRPr lang="ru-RU"/>
+          </a:p>
+        </p:txBody>
+      </p:sp>
+      <p:sp>
+        <p:nvSpPr>
+          <p:cNvPr id="3" name="Объект 2"/>
           <p:cNvSpPr>
             <a:spLocks noGrp="1"/>
           </p:cNvSpPr>
@@ -2525,54 +1980,82 @@
         </p:nvSpPr>
         <p:spPr>
           <a:xfrm>
-            <a:off x="4800600" y="731520"/>
-            <a:ext cx="6492240" cy="5257800"/>
+            <a:off x="5183188" y="987425"/>
+            <a:ext cx="6172200" cy="4873625"/>
           </a:xfrm>
         </p:spPr>
         <p:txBody>
           <a:bodyPr/>
-          <a:lstStyle/>
+          <a:lstStyle>
+            <a:lvl1pPr>
+              <a:defRPr sz="3200"/>
+            </a:lvl1pPr>
+            <a:lvl2pPr>
+              <a:defRPr sz="2800"/>
+            </a:lvl2pPr>
+            <a:lvl3pPr>
+              <a:defRPr sz="2400"/>
+            </a:lvl3pPr>
+            <a:lvl4pPr>
+              <a:defRPr sz="2000"/>
+            </a:lvl4pPr>
+            <a:lvl5pPr>
+              <a:defRPr sz="2000"/>
+            </a:lvl5pPr>
+            <a:lvl6pPr>
+              <a:defRPr sz="2000"/>
+            </a:lvl6pPr>
+            <a:lvl7pPr>
+              <a:defRPr sz="2000"/>
+            </a:lvl7pPr>
+            <a:lvl8pPr>
+              <a:defRPr sz="2000"/>
+            </a:lvl8pPr>
+            <a:lvl9pPr>
+              <a:defRPr sz="2000"/>
+            </a:lvl9pPr>
+          </a:lstStyle>
           <a:p>
             <a:pPr lvl="0"/>
             <a:r>
-              <a:rPr lang="ru-RU"/>
+              <a:rPr lang="ru-RU" smtClean="0"/>
               <a:t>Образец текста</a:t>
             </a:r>
           </a:p>
           <a:p>
             <a:pPr lvl="1"/>
             <a:r>
-              <a:rPr lang="ru-RU"/>
+              <a:rPr lang="ru-RU" smtClean="0"/>
               <a:t>Второй уровень</a:t>
             </a:r>
           </a:p>
           <a:p>
             <a:pPr lvl="2"/>
             <a:r>
-              <a:rPr lang="ru-RU"/>
+              <a:rPr lang="ru-RU" smtClean="0"/>
               <a:t>Третий уровень</a:t>
             </a:r>
           </a:p>
           <a:p>
             <a:pPr lvl="3"/>
             <a:r>
-              <a:rPr lang="ru-RU"/>
+              <a:rPr lang="ru-RU" smtClean="0"/>
               <a:t>Четвертый уровень</a:t>
             </a:r>
           </a:p>
           <a:p>
             <a:pPr lvl="4"/>
             <a:r>
-              <a:rPr lang="ru-RU"/>
+              <a:rPr lang="ru-RU" smtClean="0"/>
               <a:t>Пятый уровень</a:t>
             </a:r>
-            <a:endParaRPr lang="en-US" dirty="0"/>
-          </a:p>
-        </p:txBody>
-      </p:sp>
-      <p:sp>
-        <p:nvSpPr>
-          <p:cNvPr id="4" name="Text Placeholder 3"/>
+            <a:endParaRPr lang="ru-RU"/>
+          </a:p>
+        </p:txBody>
+      </p:sp>
+      <p:sp>
+        <p:nvSpPr>
+          <p:cNvPr id="4" name="Текст 3"/>
           <p:cNvSpPr>
             <a:spLocks noGrp="1"/>
           </p:cNvSpPr>
@@ -2582,60 +2065,54 @@
         </p:nvSpPr>
         <p:spPr>
           <a:xfrm>
-            <a:off x="457200" y="2926080"/>
-            <a:ext cx="3200400" cy="3379124"/>
+            <a:off x="839788" y="2057400"/>
+            <a:ext cx="3932237" cy="3811588"/>
           </a:xfrm>
         </p:spPr>
         <p:txBody>
-          <a:bodyPr lIns="91440" rIns="91440">
-            <a:normAutofit/>
-          </a:bodyPr>
+          <a:bodyPr/>
           <a:lstStyle>
             <a:lvl1pPr marL="0" indent="0">
               <a:buNone/>
-              <a:defRPr sz="1500">
-                <a:solidFill>
-                  <a:srgbClr val="FFFFFF"/>
-                </a:solidFill>
-              </a:defRPr>
+              <a:defRPr sz="1600"/>
             </a:lvl1pPr>
             <a:lvl2pPr marL="457200" indent="0">
               <a:buNone/>
-              <a:defRPr sz="1200"/>
+              <a:defRPr sz="1400"/>
             </a:lvl2pPr>
             <a:lvl3pPr marL="914400" indent="0">
               <a:buNone/>
-              <a:defRPr sz="1000"/>
+              <a:defRPr sz="1200"/>
             </a:lvl3pPr>
             <a:lvl4pPr marL="1371600" indent="0">
               <a:buNone/>
-              <a:defRPr sz="900"/>
+              <a:defRPr sz="1000"/>
             </a:lvl4pPr>
             <a:lvl5pPr marL="1828800" indent="0">
               <a:buNone/>
-              <a:defRPr sz="900"/>
+              <a:defRPr sz="1000"/>
             </a:lvl5pPr>
             <a:lvl6pPr marL="2286000" indent="0">
               <a:buNone/>
-              <a:defRPr sz="900"/>
+              <a:defRPr sz="1000"/>
             </a:lvl6pPr>
             <a:lvl7pPr marL="2743200" indent="0">
               <a:buNone/>
-              <a:defRPr sz="900"/>
+              <a:defRPr sz="1000"/>
             </a:lvl7pPr>
             <a:lvl8pPr marL="3200400" indent="0">
               <a:buNone/>
-              <a:defRPr sz="900"/>
+              <a:defRPr sz="1000"/>
             </a:lvl8pPr>
             <a:lvl9pPr marL="3657600" indent="0">
               <a:buNone/>
-              <a:defRPr sz="900"/>
+              <a:defRPr sz="1000"/>
             </a:lvl9pPr>
           </a:lstStyle>
           <a:p>
             <a:pPr lvl="0"/>
             <a:r>
-              <a:rPr lang="ru-RU"/>
+              <a:rPr lang="ru-RU" smtClean="0"/>
               <a:t>Образец текста</a:t>
             </a:r>
           </a:p>
@@ -2643,7 +2120,7 @@
       </p:sp>
       <p:sp>
         <p:nvSpPr>
-          <p:cNvPr id="5" name="Date Placeholder 4"/>
+          <p:cNvPr id="5" name="Дата 4"/>
           <p:cNvSpPr>
             <a:spLocks noGrp="1"/>
           </p:cNvSpPr>
@@ -2651,23 +2128,14 @@
             <p:ph type="dt" sz="half" idx="10"/>
           </p:nvPr>
         </p:nvSpPr>
-        <p:spPr>
-          <a:xfrm>
-            <a:off x="465512" y="6459785"/>
-            <a:ext cx="2618510" cy="365125"/>
-          </a:xfrm>
-        </p:spPr>
+        <p:spPr/>
         <p:txBody>
           <a:bodyPr/>
-          <a:lstStyle>
-            <a:lvl1pPr algn="l">
-              <a:defRPr/>
-            </a:lvl1pPr>
-          </a:lstStyle>
+          <a:lstStyle/>
           <a:p>
             <a:fld id="{BB72D5D3-D9D5-4A9C-867E-F13F5DA2FF7F}" type="datetimeFigureOut">
               <a:rPr lang="ru-RU" smtClean="0"/>
-              <a:t>09.02.2026</a:t>
+              <a:t>10.02.2026</a:t>
             </a:fld>
             <a:endParaRPr lang="ru-RU"/>
           </a:p>
@@ -2675,7 +2143,7 @@
       </p:sp>
       <p:sp>
         <p:nvSpPr>
-          <p:cNvPr id="6" name="Footer Placeholder 5"/>
+          <p:cNvPr id="6" name="Нижний колонтитул 5"/>
           <p:cNvSpPr>
             <a:spLocks noGrp="1"/>
           </p:cNvSpPr>
@@ -2683,23 +2151,10 @@
             <p:ph type="ftr" sz="quarter" idx="11"/>
           </p:nvPr>
         </p:nvSpPr>
-        <p:spPr>
-          <a:xfrm>
-            <a:off x="4800600" y="6459785"/>
-            <a:ext cx="4648200" cy="365125"/>
-          </a:xfrm>
-        </p:spPr>
+        <p:spPr/>
         <p:txBody>
           <a:bodyPr/>
-          <a:lstStyle>
-            <a:lvl1pPr algn="l">
-              <a:defRPr>
-                <a:solidFill>
-                  <a:schemeClr val="tx2"/>
-                </a:solidFill>
-              </a:defRPr>
-            </a:lvl1pPr>
-          </a:lstStyle>
+          <a:lstStyle/>
           <a:p>
             <a:endParaRPr lang="ru-RU"/>
           </a:p>
@@ -2707,7 +2162,7 @@
       </p:sp>
       <p:sp>
         <p:nvSpPr>
-          <p:cNvPr id="7" name="Slide Number Placeholder 6"/>
+          <p:cNvPr id="7" name="Номер слайда 6"/>
           <p:cNvSpPr>
             <a:spLocks noGrp="1"/>
           </p:cNvSpPr>
@@ -2718,15 +2173,7 @@
         <p:spPr/>
         <p:txBody>
           <a:bodyPr/>
-          <a:lstStyle>
-            <a:lvl1pPr>
-              <a:defRPr>
-                <a:solidFill>
-                  <a:schemeClr val="tx2"/>
-                </a:solidFill>
-              </a:defRPr>
-            </a:lvl1pPr>
-          </a:lstStyle>
+          <a:lstStyle/>
           <a:p>
             <a:fld id="{3422EAA5-9F4C-404F-A3E0-557344B71894}" type="slidenum">
               <a:rPr lang="ru-RU" smtClean="0"/>
@@ -2739,7 +2186,7 @@
     </p:spTree>
     <p:extLst>
       <p:ext uri="{BB962C8B-B14F-4D97-AF65-F5344CB8AC3E}">
-        <p14:creationId xmlns:p14="http://schemas.microsoft.com/office/powerpoint/2010/main" val="2794051868"/>
+        <p14:creationId xmlns:p14="http://schemas.microsoft.com/office/powerpoint/2010/main" val="1999783115"/>
       </p:ext>
     </p:extLst>
   </p:cSld>
@@ -2750,7 +2197,7 @@
 </file>
 
 <file path=ppt/slideLayouts/slideLayout9.xml><?xml version="1.0" encoding="utf-8"?>
-<p:sldLayout xmlns:a="http://schemas.openxmlformats.org/drawingml/2006/main" xmlns:r="http://schemas.openxmlformats.org/officeDocument/2006/relationships" xmlns:p="http://schemas.openxmlformats.org/presentationml/2006/main" showMasterSp="0" type="picTx" preserve="1">
+<p:sldLayout xmlns:a="http://schemas.openxmlformats.org/drawingml/2006/main" xmlns:r="http://schemas.openxmlformats.org/officeDocument/2006/relationships" xmlns:p="http://schemas.openxmlformats.org/presentationml/2006/main" type="picTx" preserve="1">
   <p:cSld name="Рисунок с подписью">
     <p:spTree>
       <p:nvGrpSpPr>
@@ -2768,83 +2215,7 @@
       </p:grpSpPr>
       <p:sp>
         <p:nvSpPr>
-          <p:cNvPr id="8" name="Rectangle 7"/>
-          <p:cNvSpPr/>
-          <p:nvPr/>
-        </p:nvSpPr>
-        <p:spPr>
-          <a:xfrm>
-            <a:off x="0" y="4953000"/>
-            <a:ext cx="12188825" cy="1905000"/>
-          </a:xfrm>
-          <a:prstGeom prst="rect">
-            <a:avLst/>
-          </a:prstGeom>
-          <a:solidFill>
-            <a:schemeClr val="accent2"/>
-          </a:solidFill>
-          <a:ln>
-            <a:noFill/>
-          </a:ln>
-        </p:spPr>
-        <p:style>
-          <a:lnRef idx="2">
-            <a:schemeClr val="accent1">
-              <a:shade val="50000"/>
-            </a:schemeClr>
-          </a:lnRef>
-          <a:fillRef idx="1">
-            <a:schemeClr val="accent1"/>
-          </a:fillRef>
-          <a:effectRef idx="0">
-            <a:schemeClr val="accent1"/>
-          </a:effectRef>
-          <a:fontRef idx="minor">
-            <a:schemeClr val="lt1"/>
-          </a:fontRef>
-        </p:style>
-      </p:sp>
-      <p:sp>
-        <p:nvSpPr>
-          <p:cNvPr id="9" name="Rectangle 8"/>
-          <p:cNvSpPr/>
-          <p:nvPr/>
-        </p:nvSpPr>
-        <p:spPr>
-          <a:xfrm>
-            <a:off x="15" y="4915076"/>
-            <a:ext cx="12188825" cy="64008"/>
-          </a:xfrm>
-          <a:prstGeom prst="rect">
-            <a:avLst/>
-          </a:prstGeom>
-          <a:solidFill>
-            <a:schemeClr val="accent1"/>
-          </a:solidFill>
-          <a:ln>
-            <a:noFill/>
-          </a:ln>
-        </p:spPr>
-        <p:style>
-          <a:lnRef idx="2">
-            <a:schemeClr val="accent1">
-              <a:shade val="50000"/>
-            </a:schemeClr>
-          </a:lnRef>
-          <a:fillRef idx="1">
-            <a:schemeClr val="accent1"/>
-          </a:fillRef>
-          <a:effectRef idx="0">
-            <a:schemeClr val="accent1"/>
-          </a:effectRef>
-          <a:fontRef idx="minor">
-            <a:schemeClr val="lt1"/>
-          </a:fontRef>
-        </p:style>
-      </p:sp>
-      <p:sp>
-        <p:nvSpPr>
-          <p:cNvPr id="2" name="Title 1"/>
+          <p:cNvPr id="2" name="Заголовок 1"/>
           <p:cNvSpPr>
             <a:spLocks noGrp="1"/>
           </p:cNvSpPr>
@@ -2854,37 +2225,31 @@
         </p:nvSpPr>
         <p:spPr>
           <a:xfrm>
-            <a:off x="1097280" y="5074920"/>
-            <a:ext cx="10113264" cy="822960"/>
+            <a:off x="839788" y="457200"/>
+            <a:ext cx="3932237" cy="1600200"/>
           </a:xfrm>
         </p:spPr>
         <p:txBody>
-          <a:bodyPr lIns="91440" tIns="0" rIns="91440" bIns="0" anchor="b">
-            <a:noAutofit/>
-          </a:bodyPr>
+          <a:bodyPr anchor="b"/>
           <a:lstStyle>
             <a:lvl1pPr>
-              <a:defRPr sz="3600" b="0">
-                <a:solidFill>
-                  <a:srgbClr val="FFFFFF"/>
-                </a:solidFill>
-              </a:defRPr>
+              <a:defRPr sz="3200"/>
             </a:lvl1pPr>
           </a:lstStyle>
           <a:p>
             <a:r>
-              <a:rPr lang="ru-RU"/>
+              <a:rPr lang="ru-RU" smtClean="0"/>
               <a:t>Образец заголовка</a:t>
             </a:r>
-            <a:endParaRPr lang="en-US" dirty="0"/>
-          </a:p>
-        </p:txBody>
-      </p:sp>
-      <p:sp>
-        <p:nvSpPr>
-          <p:cNvPr id="3" name="Picture Placeholder 2"/>
+            <a:endParaRPr lang="ru-RU"/>
+          </a:p>
+        </p:txBody>
+      </p:sp>
+      <p:sp>
+        <p:nvSpPr>
+          <p:cNvPr id="3" name="Рисунок 2"/>
           <p:cNvSpPr>
-            <a:spLocks noGrp="1" noChangeAspect="1"/>
+            <a:spLocks noGrp="1"/>
           </p:cNvSpPr>
           <p:nvPr>
             <p:ph type="pic" idx="1"/>
@@ -2892,26 +2257,16 @@
         </p:nvSpPr>
         <p:spPr>
           <a:xfrm>
-            <a:off x="15" y="0"/>
-            <a:ext cx="12191985" cy="4915076"/>
+            <a:off x="5183188" y="987425"/>
+            <a:ext cx="6172200" cy="4873625"/>
           </a:xfrm>
-          <a:blipFill>
-            <a:blip r:embed="rId2"/>
-            <a:stretch>
-              <a:fillRect/>
-            </a:stretch>
-          </a:blipFill>
         </p:spPr>
         <p:txBody>
-          <a:bodyPr lIns="457200" tIns="457200" anchor="t"/>
+          <a:bodyPr/>
           <a:lstStyle>
             <a:lvl1pPr marL="0" indent="0">
               <a:buNone/>
-              <a:defRPr sz="3200">
-                <a:solidFill>
-                  <a:schemeClr val="bg1"/>
-                </a:solidFill>
-              </a:defRPr>
+              <a:defRPr sz="3200"/>
             </a:lvl1pPr>
             <a:lvl2pPr marL="457200" indent="0">
               <a:buNone/>
@@ -2947,17 +2302,13 @@
             </a:lvl9pPr>
           </a:lstStyle>
           <a:p>
-            <a:r>
-              <a:rPr lang="ru-RU"/>
-              <a:t>Вставка рисунка</a:t>
-            </a:r>
-            <a:endParaRPr lang="en-US" dirty="0"/>
-          </a:p>
-        </p:txBody>
-      </p:sp>
-      <p:sp>
-        <p:nvSpPr>
-          <p:cNvPr id="4" name="Text Placeholder 3"/>
+            <a:endParaRPr lang="ru-RU"/>
+          </a:p>
+        </p:txBody>
+      </p:sp>
+      <p:sp>
+        <p:nvSpPr>
+          <p:cNvPr id="4" name="Текст 3"/>
           <p:cNvSpPr>
             <a:spLocks noGrp="1"/>
           </p:cNvSpPr>
@@ -2967,66 +2318,54 @@
         </p:nvSpPr>
         <p:spPr>
           <a:xfrm>
-            <a:off x="1097280" y="5907023"/>
-            <a:ext cx="10113264" cy="594360"/>
+            <a:off x="839788" y="2057400"/>
+            <a:ext cx="3932237" cy="3811588"/>
           </a:xfrm>
         </p:spPr>
         <p:txBody>
-          <a:bodyPr lIns="91440" tIns="0" rIns="91440" bIns="0">
-            <a:normAutofit/>
-          </a:bodyPr>
+          <a:bodyPr/>
           <a:lstStyle>
             <a:lvl1pPr marL="0" indent="0">
-              <a:spcBef>
-                <a:spcPts val="0"/>
-              </a:spcBef>
-              <a:spcAft>
-                <a:spcPts val="600"/>
-              </a:spcAft>
               <a:buNone/>
-              <a:defRPr sz="1500">
-                <a:solidFill>
-                  <a:srgbClr val="FFFFFF"/>
-                </a:solidFill>
-              </a:defRPr>
+              <a:defRPr sz="1600"/>
             </a:lvl1pPr>
             <a:lvl2pPr marL="457200" indent="0">
               <a:buNone/>
-              <a:defRPr sz="1200"/>
+              <a:defRPr sz="1400"/>
             </a:lvl2pPr>
             <a:lvl3pPr marL="914400" indent="0">
               <a:buNone/>
-              <a:defRPr sz="1000"/>
+              <a:defRPr sz="1200"/>
             </a:lvl3pPr>
             <a:lvl4pPr marL="1371600" indent="0">
               <a:buNone/>
-              <a:defRPr sz="900"/>
+              <a:defRPr sz="1000"/>
             </a:lvl4pPr>
             <a:lvl5pPr marL="1828800" indent="0">
               <a:buNone/>
-              <a:defRPr sz="900"/>
+              <a:defRPr sz="1000"/>
             </a:lvl5pPr>
             <a:lvl6pPr marL="2286000" indent="0">
               <a:buNone/>
-              <a:defRPr sz="900"/>
+              <a:defRPr sz="1000"/>
             </a:lvl6pPr>
             <a:lvl7pPr marL="2743200" indent="0">
               <a:buNone/>
-              <a:defRPr sz="900"/>
+              <a:defRPr sz="1000"/>
             </a:lvl7pPr>
             <a:lvl8pPr marL="3200400" indent="0">
               <a:buNone/>
-              <a:defRPr sz="900"/>
+              <a:defRPr sz="1000"/>
             </a:lvl8pPr>
             <a:lvl9pPr marL="3657600" indent="0">
               <a:buNone/>
-              <a:defRPr sz="900"/>
+              <a:defRPr sz="1000"/>
             </a:lvl9pPr>
           </a:lstStyle>
           <a:p>
             <a:pPr lvl="0"/>
             <a:r>
-              <a:rPr lang="ru-RU"/>
+              <a:rPr lang="ru-RU" smtClean="0"/>
               <a:t>Образец текста</a:t>
             </a:r>
           </a:p>
@@ -3034,7 +2373,7 @@
       </p:sp>
       <p:sp>
         <p:nvSpPr>
-          <p:cNvPr id="5" name="Date Placeholder 4"/>
+          <p:cNvPr id="5" name="Дата 4"/>
           <p:cNvSpPr>
             <a:spLocks noGrp="1"/>
           </p:cNvSpPr>
@@ -3049,7 +2388,7 @@
           <a:p>
             <a:fld id="{BB72D5D3-D9D5-4A9C-867E-F13F5DA2FF7F}" type="datetimeFigureOut">
               <a:rPr lang="ru-RU" smtClean="0"/>
-              <a:t>09.02.2026</a:t>
+              <a:t>10.02.2026</a:t>
             </a:fld>
             <a:endParaRPr lang="ru-RU"/>
           </a:p>
@@ -3057,7 +2396,7 @@
       </p:sp>
       <p:sp>
         <p:nvSpPr>
-          <p:cNvPr id="6" name="Footer Placeholder 5"/>
+          <p:cNvPr id="6" name="Нижний колонтитул 5"/>
           <p:cNvSpPr>
             <a:spLocks noGrp="1"/>
           </p:cNvSpPr>
@@ -3076,7 +2415,7 @@
       </p:sp>
       <p:sp>
         <p:nvSpPr>
-          <p:cNvPr id="7" name="Slide Number Placeholder 6"/>
+          <p:cNvPr id="7" name="Номер слайда 6"/>
           <p:cNvSpPr>
             <a:spLocks noGrp="1"/>
           </p:cNvSpPr>
@@ -3100,7 +2439,7 @@
     </p:spTree>
     <p:extLst>
       <p:ext uri="{BB962C8B-B14F-4D97-AF65-F5344CB8AC3E}">
-        <p14:creationId xmlns:p14="http://schemas.microsoft.com/office/powerpoint/2010/main" val="986761407"/>
+        <p14:creationId xmlns:p14="http://schemas.microsoft.com/office/powerpoint/2010/main" val="2493774395"/>
       </p:ext>
     </p:extLst>
   </p:cSld>
@@ -3134,83 +2473,7 @@
       </p:grpSpPr>
       <p:sp>
         <p:nvSpPr>
-          <p:cNvPr id="7" name="Rectangle 6"/>
-          <p:cNvSpPr/>
-          <p:nvPr/>
-        </p:nvSpPr>
-        <p:spPr>
-          <a:xfrm>
-            <a:off x="1" y="6400800"/>
-            <a:ext cx="12192000" cy="457200"/>
-          </a:xfrm>
-          <a:prstGeom prst="rect">
-            <a:avLst/>
-          </a:prstGeom>
-          <a:solidFill>
-            <a:schemeClr val="accent2"/>
-          </a:solidFill>
-          <a:ln>
-            <a:noFill/>
-          </a:ln>
-        </p:spPr>
-        <p:style>
-          <a:lnRef idx="2">
-            <a:schemeClr val="accent1">
-              <a:shade val="50000"/>
-            </a:schemeClr>
-          </a:lnRef>
-          <a:fillRef idx="1">
-            <a:schemeClr val="accent1"/>
-          </a:fillRef>
-          <a:effectRef idx="0">
-            <a:schemeClr val="accent1"/>
-          </a:effectRef>
-          <a:fontRef idx="minor">
-            <a:schemeClr val="lt1"/>
-          </a:fontRef>
-        </p:style>
-      </p:sp>
-      <p:sp>
-        <p:nvSpPr>
-          <p:cNvPr id="9" name="Rectangle 8"/>
-          <p:cNvSpPr/>
-          <p:nvPr/>
-        </p:nvSpPr>
-        <p:spPr>
-          <a:xfrm>
-            <a:off x="0" y="6334316"/>
-            <a:ext cx="12192001" cy="65998"/>
-          </a:xfrm>
-          <a:prstGeom prst="rect">
-            <a:avLst/>
-          </a:prstGeom>
-          <a:solidFill>
-            <a:schemeClr val="accent1"/>
-          </a:solidFill>
-          <a:ln>
-            <a:noFill/>
-          </a:ln>
-        </p:spPr>
-        <p:style>
-          <a:lnRef idx="2">
-            <a:schemeClr val="accent1">
-              <a:shade val="50000"/>
-            </a:schemeClr>
-          </a:lnRef>
-          <a:fillRef idx="1">
-            <a:schemeClr val="accent1"/>
-          </a:fillRef>
-          <a:effectRef idx="0">
-            <a:schemeClr val="accent1"/>
-          </a:effectRef>
-          <a:fontRef idx="minor">
-            <a:schemeClr val="lt1"/>
-          </a:fontRef>
-        </p:style>
-      </p:sp>
-      <p:sp>
-        <p:nvSpPr>
-          <p:cNvPr id="2" name="Title Placeholder 1"/>
+          <p:cNvPr id="2" name="Заголовок 1"/>
           <p:cNvSpPr>
             <a:spLocks noGrp="1"/>
           </p:cNvSpPr>
@@ -3220,30 +2483,30 @@
         </p:nvSpPr>
         <p:spPr>
           <a:xfrm>
-            <a:off x="1097280" y="286603"/>
-            <a:ext cx="10058400" cy="1450757"/>
+            <a:off x="838200" y="365125"/>
+            <a:ext cx="10515600" cy="1325563"/>
           </a:xfrm>
           <a:prstGeom prst="rect">
             <a:avLst/>
           </a:prstGeom>
         </p:spPr>
         <p:txBody>
-          <a:bodyPr vert="horz" lIns="91440" tIns="45720" rIns="91440" bIns="45720" rtlCol="0" anchor="b">
+          <a:bodyPr vert="horz" lIns="91440" tIns="45720" rIns="91440" bIns="45720" rtlCol="0" anchor="ctr">
             <a:normAutofit/>
           </a:bodyPr>
           <a:lstStyle/>
           <a:p>
             <a:r>
-              <a:rPr lang="ru-RU"/>
+              <a:rPr lang="ru-RU" smtClean="0"/>
               <a:t>Образец заголовка</a:t>
             </a:r>
-            <a:endParaRPr lang="en-US" dirty="0"/>
-          </a:p>
-        </p:txBody>
-      </p:sp>
-      <p:sp>
-        <p:nvSpPr>
-          <p:cNvPr id="3" name="Text Placeholder 2"/>
+            <a:endParaRPr lang="ru-RU"/>
+          </a:p>
+        </p:txBody>
+      </p:sp>
+      <p:sp>
+        <p:nvSpPr>
+          <p:cNvPr id="3" name="Текст 2"/>
           <p:cNvSpPr>
             <a:spLocks noGrp="1"/>
           </p:cNvSpPr>
@@ -3253,59 +2516,59 @@
         </p:nvSpPr>
         <p:spPr>
           <a:xfrm>
-            <a:off x="1097280" y="1845734"/>
-            <a:ext cx="10058400" cy="4023360"/>
+            <a:off x="838200" y="1825625"/>
+            <a:ext cx="10515600" cy="4351338"/>
           </a:xfrm>
           <a:prstGeom prst="rect">
             <a:avLst/>
           </a:prstGeom>
         </p:spPr>
         <p:txBody>
-          <a:bodyPr vert="horz" lIns="0" tIns="45720" rIns="0" bIns="45720" rtlCol="0">
+          <a:bodyPr vert="horz" lIns="91440" tIns="45720" rIns="91440" bIns="45720" rtlCol="0">
             <a:normAutofit/>
           </a:bodyPr>
           <a:lstStyle/>
           <a:p>
             <a:pPr lvl="0"/>
             <a:r>
-              <a:rPr lang="ru-RU"/>
+              <a:rPr lang="ru-RU" smtClean="0"/>
               <a:t>Образец текста</a:t>
             </a:r>
           </a:p>
           <a:p>
             <a:pPr lvl="1"/>
             <a:r>
-              <a:rPr lang="ru-RU"/>
+              <a:rPr lang="ru-RU" smtClean="0"/>
               <a:t>Второй уровень</a:t>
             </a:r>
           </a:p>
           <a:p>
             <a:pPr lvl="2"/>
             <a:r>
-              <a:rPr lang="ru-RU"/>
+              <a:rPr lang="ru-RU" smtClean="0"/>
               <a:t>Третий уровень</a:t>
             </a:r>
           </a:p>
           <a:p>
             <a:pPr lvl="3"/>
             <a:r>
-              <a:rPr lang="ru-RU"/>
+              <a:rPr lang="ru-RU" smtClean="0"/>
               <a:t>Четвертый уровень</a:t>
             </a:r>
           </a:p>
           <a:p>
             <a:pPr lvl="4"/>
             <a:r>
-              <a:rPr lang="ru-RU"/>
+              <a:rPr lang="ru-RU" smtClean="0"/>
               <a:t>Пятый уровень</a:t>
             </a:r>
-            <a:endParaRPr lang="en-US" dirty="0"/>
-          </a:p>
-        </p:txBody>
-      </p:sp>
-      <p:sp>
-        <p:nvSpPr>
-          <p:cNvPr id="4" name="Date Placeholder 3"/>
+            <a:endParaRPr lang="ru-RU"/>
+          </a:p>
+        </p:txBody>
+      </p:sp>
+      <p:sp>
+        <p:nvSpPr>
+          <p:cNvPr id="4" name="Дата 3"/>
           <p:cNvSpPr>
             <a:spLocks noGrp="1"/>
           </p:cNvSpPr>
@@ -3315,8 +2578,8 @@
         </p:nvSpPr>
         <p:spPr>
           <a:xfrm>
-            <a:off x="1097280" y="6459785"/>
-            <a:ext cx="2472271" cy="365125"/>
+            <a:off x="838200" y="6356350"/>
+            <a:ext cx="2743200" cy="365125"/>
           </a:xfrm>
           <a:prstGeom prst="rect">
             <a:avLst/>
@@ -3326,9 +2589,11 @@
           <a:bodyPr vert="horz" lIns="91440" tIns="45720" rIns="91440" bIns="45720" rtlCol="0" anchor="ctr"/>
           <a:lstStyle>
             <a:lvl1pPr algn="l">
-              <a:defRPr sz="900">
+              <a:defRPr sz="1200">
                 <a:solidFill>
-                  <a:srgbClr val="FFFFFF"/>
+                  <a:schemeClr val="tx1">
+                    <a:tint val="75000"/>
+                  </a:schemeClr>
                 </a:solidFill>
               </a:defRPr>
             </a:lvl1pPr>
@@ -3336,7 +2601,7 @@
           <a:p>
             <a:fld id="{BB72D5D3-D9D5-4A9C-867E-F13F5DA2FF7F}" type="datetimeFigureOut">
               <a:rPr lang="ru-RU" smtClean="0"/>
-              <a:t>09.02.2026</a:t>
+              <a:t>10.02.2026</a:t>
             </a:fld>
             <a:endParaRPr lang="ru-RU"/>
           </a:p>
@@ -3344,7 +2609,7 @@
       </p:sp>
       <p:sp>
         <p:nvSpPr>
-          <p:cNvPr id="5" name="Footer Placeholder 4"/>
+          <p:cNvPr id="5" name="Нижний колонтитул 4"/>
           <p:cNvSpPr>
             <a:spLocks noGrp="1"/>
           </p:cNvSpPr>
@@ -3354,8 +2619,8 @@
         </p:nvSpPr>
         <p:spPr>
           <a:xfrm>
-            <a:off x="3686185" y="6459785"/>
-            <a:ext cx="4822804" cy="365125"/>
+            <a:off x="4038600" y="6356350"/>
+            <a:ext cx="4114800" cy="365125"/>
           </a:xfrm>
           <a:prstGeom prst="rect">
             <a:avLst/>
@@ -3365,9 +2630,11 @@
           <a:bodyPr vert="horz" lIns="91440" tIns="45720" rIns="91440" bIns="45720" rtlCol="0" anchor="ctr"/>
           <a:lstStyle>
             <a:lvl1pPr algn="ctr">
-              <a:defRPr sz="900" cap="all" baseline="0">
+              <a:defRPr sz="1200">
                 <a:solidFill>
-                  <a:srgbClr val="FFFFFF"/>
+                  <a:schemeClr val="tx1">
+                    <a:tint val="75000"/>
+                  </a:schemeClr>
                 </a:solidFill>
               </a:defRPr>
             </a:lvl1pPr>
@@ -3379,7 +2646,7 @@
       </p:sp>
       <p:sp>
         <p:nvSpPr>
-          <p:cNvPr id="6" name="Slide Number Placeholder 5"/>
+          <p:cNvPr id="6" name="Номер слайда 5"/>
           <p:cNvSpPr>
             <a:spLocks noGrp="1"/>
           </p:cNvSpPr>
@@ -3389,8 +2656,8 @@
         </p:nvSpPr>
         <p:spPr>
           <a:xfrm>
-            <a:off x="9900458" y="6459785"/>
-            <a:ext cx="1312025" cy="365125"/>
+            <a:off x="8610600" y="6356350"/>
+            <a:ext cx="2743200" cy="365125"/>
           </a:xfrm>
           <a:prstGeom prst="rect">
             <a:avLst/>
@@ -3400,9 +2667,11 @@
           <a:bodyPr vert="horz" lIns="91440" tIns="45720" rIns="91440" bIns="45720" rtlCol="0" anchor="ctr"/>
           <a:lstStyle>
             <a:lvl1pPr algn="r">
-              <a:defRPr sz="1050">
+              <a:defRPr sz="1200">
                 <a:solidFill>
-                  <a:srgbClr val="FFFFFF"/>
+                  <a:schemeClr val="tx1">
+                    <a:tint val="75000"/>
+                  </a:schemeClr>
                 </a:solidFill>
               </a:defRPr>
             </a:lvl1pPr>
@@ -3416,81 +2685,40 @@
           </a:p>
         </p:txBody>
       </p:sp>
-      <p:cxnSp>
-        <p:nvCxnSpPr>
-          <p:cNvPr id="10" name="Straight Connector 9"/>
-          <p:cNvCxnSpPr/>
-          <p:nvPr/>
-        </p:nvCxnSpPr>
-        <p:spPr>
-          <a:xfrm>
-            <a:off x="1193532" y="1737845"/>
-            <a:ext cx="9966960" cy="0"/>
-          </a:xfrm>
-          <a:prstGeom prst="line">
-            <a:avLst/>
-          </a:prstGeom>
-          <a:ln w="6350">
-            <a:solidFill>
-              <a:schemeClr val="tx1">
-                <a:lumMod val="50000"/>
-                <a:lumOff val="50000"/>
-              </a:schemeClr>
-            </a:solidFill>
-          </a:ln>
-        </p:spPr>
-        <p:style>
-          <a:lnRef idx="1">
-            <a:schemeClr val="accent1"/>
-          </a:lnRef>
-          <a:fillRef idx="0">
-            <a:schemeClr val="accent1"/>
-          </a:fillRef>
-          <a:effectRef idx="0">
-            <a:schemeClr val="accent1"/>
-          </a:effectRef>
-          <a:fontRef idx="minor">
-            <a:schemeClr val="tx1"/>
-          </a:fontRef>
-        </p:style>
-      </p:cxnSp>
     </p:spTree>
     <p:extLst>
       <p:ext uri="{BB962C8B-B14F-4D97-AF65-F5344CB8AC3E}">
-        <p14:creationId xmlns:p14="http://schemas.microsoft.com/office/powerpoint/2010/main" val="3519590708"/>
+        <p14:creationId xmlns:p14="http://schemas.microsoft.com/office/powerpoint/2010/main" val="2534982179"/>
       </p:ext>
     </p:extLst>
   </p:cSld>
   <p:clrMap bg1="lt1" tx1="dk1" bg2="lt2" tx2="dk2" accent1="accent1" accent2="accent2" accent3="accent3" accent4="accent4" accent5="accent5" accent6="accent6" hlink="hlink" folHlink="folHlink"/>
   <p:sldLayoutIdLst>
-    <p:sldLayoutId id="2147483661" r:id="rId1"/>
-    <p:sldLayoutId id="2147483662" r:id="rId2"/>
-    <p:sldLayoutId id="2147483663" r:id="rId3"/>
-    <p:sldLayoutId id="2147483664" r:id="rId4"/>
-    <p:sldLayoutId id="2147483665" r:id="rId5"/>
-    <p:sldLayoutId id="2147483666" r:id="rId6"/>
-    <p:sldLayoutId id="2147483667" r:id="rId7"/>
-    <p:sldLayoutId id="2147483668" r:id="rId8"/>
-    <p:sldLayoutId id="2147483669" r:id="rId9"/>
-    <p:sldLayoutId id="2147483670" r:id="rId10"/>
-    <p:sldLayoutId id="2147483671" r:id="rId11"/>
+    <p:sldLayoutId id="2147483673" r:id="rId1"/>
+    <p:sldLayoutId id="2147483674" r:id="rId2"/>
+    <p:sldLayoutId id="2147483675" r:id="rId3"/>
+    <p:sldLayoutId id="2147483676" r:id="rId4"/>
+    <p:sldLayoutId id="2147483677" r:id="rId5"/>
+    <p:sldLayoutId id="2147483678" r:id="rId6"/>
+    <p:sldLayoutId id="2147483679" r:id="rId7"/>
+    <p:sldLayoutId id="2147483680" r:id="rId8"/>
+    <p:sldLayoutId id="2147483681" r:id="rId9"/>
+    <p:sldLayoutId id="2147483682" r:id="rId10"/>
+    <p:sldLayoutId id="2147483683" r:id="rId11"/>
   </p:sldLayoutIdLst>
   <p:txStyles>
     <p:titleStyle>
       <a:lvl1pPr algn="l" defTabSz="914400" rtl="0" eaLnBrk="1" latinLnBrk="0" hangingPunct="1">
         <a:lnSpc>
-          <a:spcPct val="85000"/>
+          <a:spcPct val="90000"/>
         </a:lnSpc>
         <a:spcBef>
           <a:spcPct val="0"/>
         </a:spcBef>
         <a:buNone/>
-        <a:defRPr sz="4800" kern="1200" spc="-50" baseline="0">
+        <a:defRPr sz="4400" kern="1200">
           <a:solidFill>
-            <a:schemeClr val="tx1">
-              <a:lumMod val="75000"/>
-              <a:lumOff val="25000"/>
-            </a:schemeClr>
+            <a:schemeClr val="tx1"/>
           </a:solidFill>
           <a:latin typeface="+mj-lt"/>
           <a:ea typeface="+mj-ea"/>
@@ -3499,244 +2727,162 @@
       </a:lvl1pPr>
     </p:titleStyle>
     <p:bodyStyle>
-      <a:lvl1pPr marL="91440" indent="-91440" algn="l" defTabSz="914400" rtl="0" eaLnBrk="1" latinLnBrk="0" hangingPunct="1">
+      <a:lvl1pPr marL="228600" indent="-228600" algn="l" defTabSz="914400" rtl="0" eaLnBrk="1" latinLnBrk="0" hangingPunct="1">
         <a:lnSpc>
           <a:spcPct val="90000"/>
         </a:lnSpc>
         <a:spcBef>
-          <a:spcPts val="1200"/>
+          <a:spcPts val="1000"/>
         </a:spcBef>
-        <a:spcAft>
-          <a:spcPts val="200"/>
-        </a:spcAft>
-        <a:buClr>
-          <a:schemeClr val="accent1"/>
-        </a:buClr>
-        <a:buSzPct val="100000"/>
-        <a:buFont typeface="Calibri" panose="020F0502020204030204" pitchFamily="34" charset="0"/>
-        <a:buChar char=" "/>
-        <a:defRPr sz="2000" kern="1200">
+        <a:buFont typeface="Arial" panose="020B0604020202020204" pitchFamily="34" charset="0"/>
+        <a:buChar char="•"/>
+        <a:defRPr sz="2800" kern="1200">
           <a:solidFill>
-            <a:schemeClr val="tx1">
-              <a:lumMod val="75000"/>
-              <a:lumOff val="25000"/>
-            </a:schemeClr>
+            <a:schemeClr val="tx1"/>
           </a:solidFill>
           <a:latin typeface="+mn-lt"/>
           <a:ea typeface="+mn-ea"/>
           <a:cs typeface="+mn-cs"/>
         </a:defRPr>
       </a:lvl1pPr>
-      <a:lvl2pPr marL="384048" indent="-182880" algn="l" defTabSz="914400" rtl="0" eaLnBrk="1" latinLnBrk="0" hangingPunct="1">
+      <a:lvl2pPr marL="685800" indent="-228600" algn="l" defTabSz="914400" rtl="0" eaLnBrk="1" latinLnBrk="0" hangingPunct="1">
         <a:lnSpc>
           <a:spcPct val="90000"/>
         </a:lnSpc>
         <a:spcBef>
-          <a:spcPts val="200"/>
+          <a:spcPts val="500"/>
         </a:spcBef>
-        <a:spcAft>
-          <a:spcPts val="400"/>
-        </a:spcAft>
-        <a:buClr>
-          <a:schemeClr val="accent1"/>
-        </a:buClr>
-        <a:buFont typeface="Calibri" pitchFamily="34" charset="0"/>
-        <a:buChar char="◦"/>
-        <a:defRPr sz="1800" kern="1200">
+        <a:buFont typeface="Arial" panose="020B0604020202020204" pitchFamily="34" charset="0"/>
+        <a:buChar char="•"/>
+        <a:defRPr sz="2400" kern="1200">
           <a:solidFill>
-            <a:schemeClr val="tx1">
-              <a:lumMod val="75000"/>
-              <a:lumOff val="25000"/>
-            </a:schemeClr>
+            <a:schemeClr val="tx1"/>
           </a:solidFill>
           <a:latin typeface="+mn-lt"/>
           <a:ea typeface="+mn-ea"/>
           <a:cs typeface="+mn-cs"/>
         </a:defRPr>
       </a:lvl2pPr>
-      <a:lvl3pPr marL="566928" indent="-182880" algn="l" defTabSz="914400" rtl="0" eaLnBrk="1" latinLnBrk="0" hangingPunct="1">
+      <a:lvl3pPr marL="1143000" indent="-228600" algn="l" defTabSz="914400" rtl="0" eaLnBrk="1" latinLnBrk="0" hangingPunct="1">
         <a:lnSpc>
           <a:spcPct val="90000"/>
         </a:lnSpc>
         <a:spcBef>
-          <a:spcPts val="200"/>
+          <a:spcPts val="500"/>
         </a:spcBef>
-        <a:spcAft>
-          <a:spcPts val="400"/>
-        </a:spcAft>
-        <a:buClr>
-          <a:schemeClr val="accent1"/>
-        </a:buClr>
-        <a:buFont typeface="Calibri" pitchFamily="34" charset="0"/>
-        <a:buChar char="◦"/>
-        <a:defRPr sz="1400" kern="1200">
+        <a:buFont typeface="Arial" panose="020B0604020202020204" pitchFamily="34" charset="0"/>
+        <a:buChar char="•"/>
+        <a:defRPr sz="2000" kern="1200">
           <a:solidFill>
-            <a:schemeClr val="tx1">
-              <a:lumMod val="75000"/>
-              <a:lumOff val="25000"/>
-            </a:schemeClr>
+            <a:schemeClr val="tx1"/>
           </a:solidFill>
           <a:latin typeface="+mn-lt"/>
           <a:ea typeface="+mn-ea"/>
           <a:cs typeface="+mn-cs"/>
         </a:defRPr>
       </a:lvl3pPr>
-      <a:lvl4pPr marL="749808" indent="-182880" algn="l" defTabSz="914400" rtl="0" eaLnBrk="1" latinLnBrk="0" hangingPunct="1">
+      <a:lvl4pPr marL="1600200" indent="-228600" algn="l" defTabSz="914400" rtl="0" eaLnBrk="1" latinLnBrk="0" hangingPunct="1">
         <a:lnSpc>
           <a:spcPct val="90000"/>
         </a:lnSpc>
         <a:spcBef>
-          <a:spcPts val="200"/>
+          <a:spcPts val="500"/>
         </a:spcBef>
-        <a:spcAft>
-          <a:spcPts val="400"/>
-        </a:spcAft>
-        <a:buClr>
-          <a:schemeClr val="accent1"/>
-        </a:buClr>
-        <a:buFont typeface="Calibri" pitchFamily="34" charset="0"/>
-        <a:buChar char="◦"/>
-        <a:defRPr sz="1400" kern="1200">
+        <a:buFont typeface="Arial" panose="020B0604020202020204" pitchFamily="34" charset="0"/>
+        <a:buChar char="•"/>
+        <a:defRPr sz="1800" kern="1200">
           <a:solidFill>
-            <a:schemeClr val="tx1">
-              <a:lumMod val="75000"/>
-              <a:lumOff val="25000"/>
-            </a:schemeClr>
+            <a:schemeClr val="tx1"/>
           </a:solidFill>
           <a:latin typeface="+mn-lt"/>
           <a:ea typeface="+mn-ea"/>
           <a:cs typeface="+mn-cs"/>
         </a:defRPr>
       </a:lvl4pPr>
-      <a:lvl5pPr marL="932688" indent="-182880" algn="l" defTabSz="914400" rtl="0" eaLnBrk="1" latinLnBrk="0" hangingPunct="1">
+      <a:lvl5pPr marL="2057400" indent="-228600" algn="l" defTabSz="914400" rtl="0" eaLnBrk="1" latinLnBrk="0" hangingPunct="1">
         <a:lnSpc>
           <a:spcPct val="90000"/>
         </a:lnSpc>
         <a:spcBef>
-          <a:spcPts val="200"/>
+          <a:spcPts val="500"/>
         </a:spcBef>
-        <a:spcAft>
-          <a:spcPts val="400"/>
-        </a:spcAft>
-        <a:buClr>
-          <a:schemeClr val="accent1"/>
-        </a:buClr>
-        <a:buFont typeface="Calibri" pitchFamily="34" charset="0"/>
-        <a:buChar char="◦"/>
-        <a:defRPr sz="1400" kern="1200">
+        <a:buFont typeface="Arial" panose="020B0604020202020204" pitchFamily="34" charset="0"/>
+        <a:buChar char="•"/>
+        <a:defRPr sz="1800" kern="1200">
           <a:solidFill>
-            <a:schemeClr val="tx1">
-              <a:lumMod val="75000"/>
-              <a:lumOff val="25000"/>
-            </a:schemeClr>
+            <a:schemeClr val="tx1"/>
           </a:solidFill>
           <a:latin typeface="+mn-lt"/>
           <a:ea typeface="+mn-ea"/>
           <a:cs typeface="+mn-cs"/>
         </a:defRPr>
       </a:lvl5pPr>
-      <a:lvl6pPr marL="1100000" indent="-228600" algn="l" defTabSz="914400" rtl="0" eaLnBrk="1" latinLnBrk="0" hangingPunct="1">
+      <a:lvl6pPr marL="2514600" indent="-228600" algn="l" defTabSz="914400" rtl="0" eaLnBrk="1" latinLnBrk="0" hangingPunct="1">
         <a:lnSpc>
           <a:spcPct val="90000"/>
         </a:lnSpc>
         <a:spcBef>
-          <a:spcPts val="200"/>
+          <a:spcPts val="500"/>
         </a:spcBef>
-        <a:spcAft>
-          <a:spcPts val="400"/>
-        </a:spcAft>
-        <a:buClr>
-          <a:schemeClr val="accent1"/>
-        </a:buClr>
-        <a:buFont typeface="Calibri" pitchFamily="34" charset="0"/>
-        <a:buChar char="◦"/>
-        <a:defRPr sz="1400" kern="1200">
+        <a:buFont typeface="Arial" panose="020B0604020202020204" pitchFamily="34" charset="0"/>
+        <a:buChar char="•"/>
+        <a:defRPr sz="1800" kern="1200">
           <a:solidFill>
-            <a:schemeClr val="tx1">
-              <a:lumMod val="75000"/>
-              <a:lumOff val="25000"/>
-            </a:schemeClr>
+            <a:schemeClr val="tx1"/>
           </a:solidFill>
           <a:latin typeface="+mn-lt"/>
           <a:ea typeface="+mn-ea"/>
           <a:cs typeface="+mn-cs"/>
         </a:defRPr>
       </a:lvl6pPr>
-      <a:lvl7pPr marL="1300000" indent="-228600" algn="l" defTabSz="914400" rtl="0" eaLnBrk="1" latinLnBrk="0" hangingPunct="1">
+      <a:lvl7pPr marL="2971800" indent="-228600" algn="l" defTabSz="914400" rtl="0" eaLnBrk="1" latinLnBrk="0" hangingPunct="1">
         <a:lnSpc>
           <a:spcPct val="90000"/>
         </a:lnSpc>
         <a:spcBef>
-          <a:spcPts val="200"/>
+          <a:spcPts val="500"/>
         </a:spcBef>
-        <a:spcAft>
-          <a:spcPts val="400"/>
-        </a:spcAft>
-        <a:buClr>
-          <a:schemeClr val="accent1"/>
-        </a:buClr>
-        <a:buFont typeface="Calibri" pitchFamily="34" charset="0"/>
-        <a:buChar char="◦"/>
-        <a:defRPr sz="1400" kern="1200">
+        <a:buFont typeface="Arial" panose="020B0604020202020204" pitchFamily="34" charset="0"/>
+        <a:buChar char="•"/>
+        <a:defRPr sz="1800" kern="1200">
           <a:solidFill>
-            <a:schemeClr val="tx1">
-              <a:lumMod val="75000"/>
-              <a:lumOff val="25000"/>
-            </a:schemeClr>
+            <a:schemeClr val="tx1"/>
           </a:solidFill>
           <a:latin typeface="+mn-lt"/>
           <a:ea typeface="+mn-ea"/>
           <a:cs typeface="+mn-cs"/>
         </a:defRPr>
       </a:lvl7pPr>
-      <a:lvl8pPr marL="1500000" indent="-228600" algn="l" defTabSz="914400" rtl="0" eaLnBrk="1" latinLnBrk="0" hangingPunct="1">
+      <a:lvl8pPr marL="3429000" indent="-228600" algn="l" defTabSz="914400" rtl="0" eaLnBrk="1" latinLnBrk="0" hangingPunct="1">
         <a:lnSpc>
           <a:spcPct val="90000"/>
         </a:lnSpc>
         <a:spcBef>
-          <a:spcPts val="200"/>
+          <a:spcPts val="500"/>
         </a:spcBef>
-        <a:spcAft>
-          <a:spcPts val="400"/>
-        </a:spcAft>
-        <a:buClr>
-          <a:schemeClr val="accent1"/>
-        </a:buClr>
-        <a:buFont typeface="Calibri" pitchFamily="34" charset="0"/>
-        <a:buChar char="◦"/>
-        <a:defRPr sz="1400" kern="1200">
+        <a:buFont typeface="Arial" panose="020B0604020202020204" pitchFamily="34" charset="0"/>
+        <a:buChar char="•"/>
+        <a:defRPr sz="1800" kern="1200">
           <a:solidFill>
-            <a:schemeClr val="tx1">
-              <a:lumMod val="75000"/>
-              <a:lumOff val="25000"/>
-            </a:schemeClr>
+            <a:schemeClr val="tx1"/>
           </a:solidFill>
           <a:latin typeface="+mn-lt"/>
           <a:ea typeface="+mn-ea"/>
           <a:cs typeface="+mn-cs"/>
         </a:defRPr>
       </a:lvl8pPr>
-      <a:lvl9pPr marL="1700000" indent="-228600" algn="l" defTabSz="914400" rtl="0" eaLnBrk="1" latinLnBrk="0" hangingPunct="1">
+      <a:lvl9pPr marL="3886200" indent="-228600" algn="l" defTabSz="914400" rtl="0" eaLnBrk="1" latinLnBrk="0" hangingPunct="1">
         <a:lnSpc>
           <a:spcPct val="90000"/>
         </a:lnSpc>
         <a:spcBef>
-          <a:spcPts val="200"/>
+          <a:spcPts val="500"/>
         </a:spcBef>
-        <a:spcAft>
-          <a:spcPts val="400"/>
-        </a:spcAft>
-        <a:buClr>
-          <a:schemeClr val="accent1"/>
-        </a:buClr>
-        <a:buFont typeface="Calibri" pitchFamily="34" charset="0"/>
-        <a:buChar char="◦"/>
-        <a:defRPr sz="1400" kern="1200">
+        <a:buFont typeface="Arial" panose="020B0604020202020204" pitchFamily="34" charset="0"/>
+        <a:buChar char="•"/>
+        <a:defRPr sz="1800" kern="1200">
           <a:solidFill>
-            <a:schemeClr val="tx1">
-              <a:lumMod val="75000"/>
-              <a:lumOff val="25000"/>
-            </a:schemeClr>
+            <a:schemeClr val="tx1"/>
           </a:solidFill>
           <a:latin typeface="+mn-lt"/>
           <a:ea typeface="+mn-ea"/>
@@ -3746,7 +2892,7 @@
     </p:bodyStyle>
     <p:otherStyle>
       <a:defPPr>
-        <a:defRPr lang="en-US"/>
+        <a:defRPr lang="ru-RU"/>
       </a:defPPr>
       <a:lvl1pPr marL="0" algn="l" defTabSz="914400" rtl="0" eaLnBrk="1" latinLnBrk="0" hangingPunct="1">
         <a:defRPr sz="1800" kern="1200">
@@ -3952,20 +3098,20 @@
           <a:p>
             <a:r>
               <a:rPr lang="ru-RU" sz="2000" dirty="0">
-                <a:latin typeface="Bookman Old Style" panose="02050604050505020204" pitchFamily="18" charset="0"/>
+                <a:latin typeface="Bahnschrift SemiLight" panose="020B0502040204020203" pitchFamily="34" charset="0"/>
                 <a:cs typeface="Arial" pitchFamily="34" charset="0"/>
               </a:rPr>
               <a:t>Государственное бюджетное общеобразовательное учреждение </a:t>
             </a:r>
             <a:endParaRPr lang="en-US" sz="2000" dirty="0">
-              <a:latin typeface="Bookman Old Style" panose="02050604050505020204" pitchFamily="18" charset="0"/>
+              <a:latin typeface="Bahnschrift SemiLight" panose="020B0502040204020203" pitchFamily="34" charset="0"/>
               <a:cs typeface="Arial" pitchFamily="34" charset="0"/>
             </a:endParaRPr>
           </a:p>
           <a:p>
             <a:r>
               <a:rPr lang="ru-RU" sz="2000" dirty="0">
-                <a:latin typeface="Bookman Old Style" panose="02050604050505020204" pitchFamily="18" charset="0"/>
+                <a:latin typeface="Bahnschrift SemiLight" panose="020B0502040204020203" pitchFamily="34" charset="0"/>
                 <a:cs typeface="Arial" pitchFamily="34" charset="0"/>
               </a:rPr>
               <a:t>города Москвы «Школа № 1103 имени Героя Российской Федерации А.В. Соломатина»</a:t>
@@ -4155,7 +3301,7 @@
                 <a:solidFill>
                   <a:schemeClr val="tx1"/>
                 </a:solidFill>
-                <a:latin typeface="Bookman Old Style" panose="02050604050505020204" pitchFamily="18" charset="0"/>
+                <a:latin typeface="Bahnschrift SemiLight" panose="020B0502040204020203" pitchFamily="34" charset="0"/>
                 <a:cs typeface="Arial" pitchFamily="34" charset="0"/>
               </a:rPr>
               <a:t>Манипулятор для людей с ограниченной моторикой рук</a:t>
@@ -4163,13 +3309,13 @@
           </a:p>
           <a:p>
             <a:endParaRPr lang="ru-RU" sz="6600" dirty="0">
-              <a:latin typeface="Bookman Old Style" panose="02050604050505020204" pitchFamily="18" charset="0"/>
+              <a:latin typeface="Bahnschrift SemiLight" panose="020B0502040204020203" pitchFamily="34" charset="0"/>
               <a:cs typeface="Times New Roman" panose="02020603050405020304" pitchFamily="18" charset="0"/>
             </a:endParaRPr>
           </a:p>
           <a:p>
             <a:endParaRPr lang="ru-RU" dirty="0">
-              <a:latin typeface="Bookman Old Style" panose="02050604050505020204" pitchFamily="18" charset="0"/>
+              <a:latin typeface="Bahnschrift SemiLight" panose="020B0502040204020203" pitchFamily="34" charset="0"/>
             </a:endParaRPr>
           </a:p>
         </p:txBody>
@@ -4183,7 +3329,7 @@
         <p:spPr>
           <a:xfrm>
             <a:off x="7790829" y="3023278"/>
-            <a:ext cx="4401171" cy="3271793"/>
+            <a:ext cx="4401171" cy="2862322"/>
           </a:xfrm>
           <a:prstGeom prst="rect">
             <a:avLst/>
@@ -4203,20 +3349,20 @@
             </a:pPr>
             <a:r>
               <a:rPr lang="ru-RU" sz="2000" dirty="0">
-                <a:latin typeface="Bookman Old Style" panose="02050604050505020204" pitchFamily="18" charset="0"/>
+                <a:latin typeface="Bahnschrift SemiLight" panose="020B0502040204020203" pitchFamily="34" charset="0"/>
                 <a:cs typeface="Arial" pitchFamily="34" charset="0"/>
               </a:rPr>
               <a:t>Участник</a:t>
             </a:r>
             <a:r>
               <a:rPr lang="en-US" sz="2000" dirty="0">
-                <a:latin typeface="Bookman Old Style" panose="02050604050505020204" pitchFamily="18" charset="0"/>
+                <a:latin typeface="Bahnschrift SemiLight" panose="020B0502040204020203" pitchFamily="34" charset="0"/>
                 <a:cs typeface="Arial" pitchFamily="34" charset="0"/>
               </a:rPr>
               <a:t>:</a:t>
             </a:r>
             <a:endParaRPr lang="ru-RU" sz="2000" dirty="0">
-              <a:latin typeface="Bookman Old Style" panose="02050604050505020204" pitchFamily="18" charset="0"/>
+              <a:latin typeface="Bahnschrift SemiLight" panose="020B0502040204020203" pitchFamily="34" charset="0"/>
               <a:cs typeface="Arial" pitchFamily="34" charset="0"/>
             </a:endParaRPr>
           </a:p>
@@ -4228,7 +3374,7 @@
             </a:pPr>
             <a:r>
               <a:rPr lang="ru-RU" sz="2000" dirty="0">
-                <a:latin typeface="Bookman Old Style" panose="02050604050505020204" pitchFamily="18" charset="0"/>
+                <a:latin typeface="Bahnschrift SemiLight" panose="020B0502040204020203" pitchFamily="34" charset="0"/>
                 <a:cs typeface="Arial" pitchFamily="34" charset="0"/>
               </a:rPr>
               <a:t>ученик 9 «И» класса ГБОУ </a:t>
@@ -4242,7 +3388,7 @@
             </a:pPr>
             <a:r>
               <a:rPr lang="ru-RU" sz="2000" dirty="0">
-                <a:latin typeface="Bookman Old Style" panose="02050604050505020204" pitchFamily="18" charset="0"/>
+                <a:latin typeface="Bahnschrift SemiLight" panose="020B0502040204020203" pitchFamily="34" charset="0"/>
                 <a:cs typeface="Arial" pitchFamily="34" charset="0"/>
               </a:rPr>
               <a:t>Школа № 1103  Пивоваров Андрей</a:t>
@@ -4256,20 +3402,20 @@
             </a:pPr>
             <a:r>
               <a:rPr lang="ru-RU" sz="2000" dirty="0">
-                <a:latin typeface="Bookman Old Style" panose="02050604050505020204" pitchFamily="18" charset="0"/>
+                <a:latin typeface="Bahnschrift SemiLight" panose="020B0502040204020203" pitchFamily="34" charset="0"/>
                 <a:cs typeface="Arial" pitchFamily="34" charset="0"/>
               </a:rPr>
               <a:t>Руководитель</a:t>
             </a:r>
             <a:r>
               <a:rPr lang="en-US" sz="2000" dirty="0">
-                <a:latin typeface="Bookman Old Style" panose="02050604050505020204" pitchFamily="18" charset="0"/>
+                <a:latin typeface="Bahnschrift SemiLight" panose="020B0502040204020203" pitchFamily="34" charset="0"/>
                 <a:cs typeface="Arial" pitchFamily="34" charset="0"/>
               </a:rPr>
               <a:t>: </a:t>
             </a:r>
             <a:endParaRPr lang="ru-RU" sz="2000" dirty="0">
-              <a:latin typeface="Bookman Old Style" panose="02050604050505020204" pitchFamily="18" charset="0"/>
+              <a:latin typeface="Bahnschrift SemiLight" panose="020B0502040204020203" pitchFamily="34" charset="0"/>
               <a:cs typeface="Arial" pitchFamily="34" charset="0"/>
             </a:endParaRPr>
           </a:p>
@@ -4281,7 +3427,7 @@
             </a:pPr>
             <a:r>
               <a:rPr lang="ru-RU" sz="2000" dirty="0">
-                <a:latin typeface="Bookman Old Style" panose="02050604050505020204" pitchFamily="18" charset="0"/>
+                <a:latin typeface="Bahnschrift SemiLight" panose="020B0502040204020203" pitchFamily="34" charset="0"/>
                 <a:cs typeface="Arial" pitchFamily="34" charset="0"/>
               </a:rPr>
               <a:t>учитель ГБОУ Школа № 1103 </a:t>
@@ -4295,7 +3441,7 @@
             </a:pPr>
             <a:r>
               <a:rPr lang="ru-RU" sz="2000" dirty="0">
-                <a:latin typeface="Bookman Old Style" panose="02050604050505020204" pitchFamily="18" charset="0"/>
+                <a:latin typeface="Bahnschrift SemiLight" panose="020B0502040204020203" pitchFamily="34" charset="0"/>
                 <a:cs typeface="Arial" pitchFamily="34" charset="0"/>
               </a:rPr>
               <a:t>Сокур Мария Евгеньевна</a:t>
@@ -4353,6 +3499,13 @@
   <p:clrMapOvr>
     <a:masterClrMapping/>
   </p:clrMapOvr>
+  <p:timing>
+    <p:tnLst>
+      <p:par>
+        <p:cTn id="1" dur="indefinite" restart="never" nodeType="tmRoot"/>
+      </p:par>
+    </p:tnLst>
+  </p:timing>
 </p:sld>
 </file>
 
@@ -4375,112 +3528,6 @@
       </p:grpSpPr>
       <p:sp>
         <p:nvSpPr>
-          <p:cNvPr id="10" name="Прямоугольник 9">
-            <a:extLst>
-              <a:ext uri="{FF2B5EF4-FFF2-40B4-BE49-F238E27FC236}">
-                <a16:creationId xmlns:a16="http://schemas.microsoft.com/office/drawing/2014/main" id="{C073F2AC-1D3E-65DE-AB0A-C212A6265137}"/>
-              </a:ext>
-            </a:extLst>
-          </p:cNvPr>
-          <p:cNvSpPr/>
-          <p:nvPr/>
-        </p:nvSpPr>
-        <p:spPr>
-          <a:xfrm>
-            <a:off x="1124712" y="1682496"/>
-            <a:ext cx="10113264" cy="130549"/>
-          </a:xfrm>
-          <a:prstGeom prst="rect">
-            <a:avLst/>
-          </a:prstGeom>
-          <a:solidFill>
-            <a:schemeClr val="bg1"/>
-          </a:solidFill>
-          <a:ln>
-            <a:noFill/>
-          </a:ln>
-        </p:spPr>
-        <p:style>
-          <a:lnRef idx="2">
-            <a:schemeClr val="accent1">
-              <a:shade val="15000"/>
-            </a:schemeClr>
-          </a:lnRef>
-          <a:fillRef idx="1">
-            <a:schemeClr val="accent1"/>
-          </a:fillRef>
-          <a:effectRef idx="0">
-            <a:schemeClr val="accent1"/>
-          </a:effectRef>
-          <a:fontRef idx="minor">
-            <a:schemeClr val="lt1"/>
-          </a:fontRef>
-        </p:style>
-        <p:txBody>
-          <a:bodyPr rtlCol="0" anchor="ctr"/>
-          <a:lstStyle/>
-          <a:p>
-            <a:pPr algn="ctr"/>
-            <a:endParaRPr lang="ru-RU"/>
-          </a:p>
-        </p:txBody>
-      </p:sp>
-      <p:sp>
-        <p:nvSpPr>
-          <p:cNvPr id="14" name="Прямоугольник 13">
-            <a:extLst>
-              <a:ext uri="{FF2B5EF4-FFF2-40B4-BE49-F238E27FC236}">
-                <a16:creationId xmlns:a16="http://schemas.microsoft.com/office/drawing/2014/main" id="{BCAFEF3F-4705-EBBF-BBFE-4A46FC6D3C7C}"/>
-              </a:ext>
-            </a:extLst>
-          </p:cNvPr>
-          <p:cNvSpPr/>
-          <p:nvPr/>
-        </p:nvSpPr>
-        <p:spPr>
-          <a:xfrm rot="242104">
-            <a:off x="-267851" y="-599084"/>
-            <a:ext cx="4523020" cy="7668347"/>
-          </a:xfrm>
-          <a:prstGeom prst="rect">
-            <a:avLst/>
-          </a:prstGeom>
-          <a:solidFill>
-            <a:srgbClr val="BD582C"/>
-          </a:solidFill>
-          <a:ln w="57150">
-            <a:solidFill>
-              <a:srgbClr val="E48312"/>
-            </a:solidFill>
-          </a:ln>
-        </p:spPr>
-        <p:style>
-          <a:lnRef idx="2">
-            <a:schemeClr val="accent1">
-              <a:shade val="15000"/>
-            </a:schemeClr>
-          </a:lnRef>
-          <a:fillRef idx="1">
-            <a:schemeClr val="accent1"/>
-          </a:fillRef>
-          <a:effectRef idx="0">
-            <a:schemeClr val="accent1"/>
-          </a:effectRef>
-          <a:fontRef idx="minor">
-            <a:schemeClr val="lt1"/>
-          </a:fontRef>
-        </p:style>
-        <p:txBody>
-          <a:bodyPr rtlCol="0" anchor="ctr"/>
-          <a:lstStyle/>
-          <a:p>
-            <a:pPr algn="ctr"/>
-            <a:endParaRPr lang="ru-RU"/>
-          </a:p>
-        </p:txBody>
-      </p:sp>
-      <p:sp>
-        <p:nvSpPr>
           <p:cNvPr id="2" name="Заголовок 1">
             <a:extLst>
               <a:ext uri="{FF2B5EF4-FFF2-40B4-BE49-F238E27FC236}">
@@ -4497,7 +3544,7 @@
         </p:nvSpPr>
         <p:spPr>
           <a:xfrm>
-            <a:off x="109726" y="-819821"/>
+            <a:off x="0" y="-441831"/>
             <a:ext cx="10012682" cy="1386750"/>
           </a:xfrm>
         </p:spPr>
@@ -4508,105 +3555,10 @@
           <a:lstStyle/>
           <a:p>
             <a:r>
-              <a:rPr lang="ru-RU" sz="2000" dirty="0">
-                <a:solidFill>
-                  <a:schemeClr val="bg1"/>
-                </a:solidFill>
-                <a:latin typeface="Bookman Old Style" panose="02050604050505020204" pitchFamily="18" charset="0"/>
+              <a:rPr lang="ru-RU" sz="2000" i="1" dirty="0">
+                <a:latin typeface="Bahnschrift SemiLight" panose="020B0502040204020203" pitchFamily="34" charset="0"/>
               </a:rPr>
               <a:t>Причины создания проекта</a:t>
-            </a:r>
-          </a:p>
-        </p:txBody>
-      </p:sp>
-      <p:sp>
-        <p:nvSpPr>
-          <p:cNvPr id="4" name="Прямоугольник 3">
-            <a:extLst>
-              <a:ext uri="{FF2B5EF4-FFF2-40B4-BE49-F238E27FC236}">
-                <a16:creationId xmlns:a16="http://schemas.microsoft.com/office/drawing/2014/main" id="{D744B027-C67A-3043-F81B-6FE3D0413332}"/>
-              </a:ext>
-            </a:extLst>
-          </p:cNvPr>
-          <p:cNvSpPr/>
-          <p:nvPr/>
-        </p:nvSpPr>
-        <p:spPr>
-          <a:xfrm>
-            <a:off x="3730752" y="-819821"/>
-            <a:ext cx="45719" cy="1450757"/>
-          </a:xfrm>
-          <a:prstGeom prst="rect">
-            <a:avLst/>
-          </a:prstGeom>
-          <a:noFill/>
-          <a:ln>
-            <a:solidFill>
-              <a:srgbClr val="E48312"/>
-            </a:solidFill>
-          </a:ln>
-        </p:spPr>
-        <p:style>
-          <a:lnRef idx="2">
-            <a:schemeClr val="accent1">
-              <a:shade val="15000"/>
-            </a:schemeClr>
-          </a:lnRef>
-          <a:fillRef idx="1">
-            <a:schemeClr val="accent1"/>
-          </a:fillRef>
-          <a:effectRef idx="0">
-            <a:schemeClr val="accent1"/>
-          </a:effectRef>
-          <a:fontRef idx="minor">
-            <a:schemeClr val="lt1"/>
-          </a:fontRef>
-        </p:style>
-        <p:txBody>
-          <a:bodyPr rtlCol="0" anchor="ctr"/>
-          <a:lstStyle/>
-          <a:p>
-            <a:pPr algn="ctr"/>
-            <a:endParaRPr lang="ru-RU"/>
-          </a:p>
-        </p:txBody>
-      </p:sp>
-      <p:sp>
-        <p:nvSpPr>
-          <p:cNvPr id="5" name="TextBox 4">
-            <a:extLst>
-              <a:ext uri="{FF2B5EF4-FFF2-40B4-BE49-F238E27FC236}">
-                <a16:creationId xmlns:a16="http://schemas.microsoft.com/office/drawing/2014/main" id="{D0DB092F-18C6-58A7-64AA-417BF4857BD2}"/>
-              </a:ext>
-            </a:extLst>
-          </p:cNvPr>
-          <p:cNvSpPr txBox="1"/>
-          <p:nvPr/>
-        </p:nvSpPr>
-        <p:spPr>
-          <a:xfrm>
-            <a:off x="3826763" y="186716"/>
-            <a:ext cx="2081784" cy="400110"/>
-          </a:xfrm>
-          <a:prstGeom prst="rect">
-            <a:avLst/>
-          </a:prstGeom>
-          <a:noFill/>
-        </p:spPr>
-        <p:txBody>
-          <a:bodyPr wrap="square" rtlCol="0">
-            <a:spAutoFit/>
-          </a:bodyPr>
-          <a:lstStyle/>
-          <a:p>
-            <a:r>
-              <a:rPr lang="ru-RU" sz="2000" dirty="0">
-                <a:solidFill>
-                  <a:schemeClr val="bg1"/>
-                </a:solidFill>
-                <a:latin typeface="Bookman Old Style" panose="02050604050505020204" pitchFamily="18" charset="0"/>
-              </a:rPr>
-              <a:t>2</a:t>
             </a:r>
           </a:p>
         </p:txBody>
@@ -4641,8 +3593,8 @@
         </p:blipFill>
         <p:spPr>
           <a:xfrm>
-            <a:off x="292736" y="1187319"/>
-            <a:ext cx="3569232" cy="2376174"/>
+            <a:off x="8028018" y="352971"/>
+            <a:ext cx="3721212" cy="2477353"/>
           </a:xfrm>
           <a:prstGeom prst="rect">
             <a:avLst/>
@@ -4677,8 +3629,8 @@
         </p:blipFill>
         <p:spPr>
           <a:xfrm>
-            <a:off x="296834" y="3774482"/>
-            <a:ext cx="3565134" cy="2376174"/>
+            <a:off x="8028018" y="3154664"/>
+            <a:ext cx="3767231" cy="2510872"/>
           </a:xfrm>
           <a:prstGeom prst="rect">
             <a:avLst/>
@@ -4699,8 +3651,8 @@
         </p:nvSpPr>
         <p:spPr>
           <a:xfrm>
-            <a:off x="4693944" y="197597"/>
-            <a:ext cx="7325511" cy="6041782"/>
+            <a:off x="-87209" y="437087"/>
+            <a:ext cx="7647709" cy="1015663"/>
           </a:xfrm>
           <a:prstGeom prst="rect">
             <a:avLst/>
@@ -4713,84 +3665,115 @@
           </a:bodyPr>
           <a:lstStyle/>
           <a:p>
-            <a:pPr algn="just">
+            <a:pPr lvl="1" algn="just">
               <a:lnSpc>
                 <a:spcPct val="150000"/>
               </a:lnSpc>
             </a:pPr>
             <a:r>
-              <a:rPr lang="ru-RU" sz="2000" dirty="0">
-                <a:latin typeface="Bookman Old Style" panose="02050604050505020204" pitchFamily="18" charset="0"/>
-              </a:rPr>
-              <a:t>Множество людей в современном мире страдают от проблем с мелкой моторикой, и все они часто имеют трудности при коммуникации с цифровой средой, которая в наше время отвечает за поток информации, учебу, работу и многое другое. Для таких людей обыкновенные средства ввода часто становятся непреодолимым барьером.</a:t>
-            </a:r>
-          </a:p>
-          <a:p>
-            <a:pPr algn="just">
-              <a:lnSpc>
-                <a:spcPct val="150000"/>
-              </a:lnSpc>
-            </a:pPr>
-            <a:r>
-              <a:rPr lang="ru-RU" sz="2000" dirty="0">
-                <a:latin typeface="Bookman Old Style" panose="02050604050505020204" pitchFamily="18" charset="0"/>
-              </a:rPr>
-              <a:t>Высокая стоимость от 5 тыс. рублей, сложность настройки, необходимость в специальной подготовке пользователя, а также часто минимальная эффективность при треморе делает аналоги на рынке неподходящими для пожилых людей или людей с ограниченными возможностями.</a:t>
-            </a:r>
-          </a:p>
-        </p:txBody>
-      </p:sp>
-      <p:sp>
-        <p:nvSpPr>
-          <p:cNvPr id="22" name="Прямоугольник 21">
-            <a:extLst>
-              <a:ext uri="{FF2B5EF4-FFF2-40B4-BE49-F238E27FC236}">
-                <a16:creationId xmlns:a16="http://schemas.microsoft.com/office/drawing/2014/main" id="{ACA20AE0-8EF3-C3FF-FCB9-288D5E19BCF6}"/>
-              </a:ext>
-            </a:extLst>
-          </p:cNvPr>
-          <p:cNvSpPr/>
+              <a:rPr lang="ru-RU" sz="2000" dirty="0" smtClean="0">
+                <a:latin typeface="Bahnschrift SemiLight" panose="020B0502040204020203" pitchFamily="34" charset="0"/>
+              </a:rPr>
+              <a:t>Цифровая среда недоступна для людей с ограниченной моторикой, ведь существующие решения имеют:</a:t>
+            </a:r>
+            <a:endParaRPr lang="ru-RU" sz="2000" dirty="0">
+              <a:latin typeface="Bahnschrift SemiLight" panose="020B0502040204020203" pitchFamily="34" charset="0"/>
+            </a:endParaRPr>
+          </a:p>
+        </p:txBody>
+      </p:sp>
+      <p:sp>
+        <p:nvSpPr>
+          <p:cNvPr id="3" name="TextBox 2"/>
+          <p:cNvSpPr txBox="1"/>
           <p:nvPr/>
         </p:nvSpPr>
         <p:spPr>
           <a:xfrm>
-            <a:off x="3657599" y="6407945"/>
-            <a:ext cx="960121" cy="450056"/>
+            <a:off x="1067337" y="1498909"/>
+            <a:ext cx="5338618" cy="1876411"/>
           </a:xfrm>
           <a:prstGeom prst="rect">
             <a:avLst/>
           </a:prstGeom>
-          <a:solidFill>
-            <a:srgbClr val="BD582C"/>
-          </a:solidFill>
-          <a:ln>
-            <a:solidFill>
-              <a:srgbClr val="BD582C"/>
-            </a:solidFill>
-          </a:ln>
+          <a:noFill/>
         </p:spPr>
-        <p:style>
-          <a:lnRef idx="2">
-            <a:schemeClr val="accent1">
-              <a:shade val="15000"/>
-            </a:schemeClr>
-          </a:lnRef>
-          <a:fillRef idx="1">
-            <a:schemeClr val="accent1"/>
-          </a:fillRef>
-          <a:effectRef idx="0">
-            <a:schemeClr val="accent1"/>
-          </a:effectRef>
-          <a:fontRef idx="minor">
-            <a:schemeClr val="lt1"/>
-          </a:fontRef>
-        </p:style>
-        <p:txBody>
-          <a:bodyPr rtlCol="0" anchor="ctr"/>
+        <p:txBody>
+          <a:bodyPr wrap="square" rtlCol="0">
+            <a:spAutoFit/>
+          </a:bodyPr>
           <a:lstStyle/>
           <a:p>
-            <a:pPr algn="ctr"/>
-            <a:endParaRPr lang="ru-RU"/>
+            <a:pPr marL="285750" indent="-285750">
+              <a:lnSpc>
+                <a:spcPct val="150000"/>
+              </a:lnSpc>
+              <a:buFont typeface="Arial" panose="020B0604020202020204" pitchFamily="34" charset="0"/>
+              <a:buChar char="•"/>
+            </a:pPr>
+            <a:r>
+              <a:rPr lang="ru-RU" sz="2000" dirty="0" smtClean="0">
+                <a:latin typeface="Bahnschrift SemiLight" panose="020B0502040204020203" pitchFamily="34" charset="0"/>
+              </a:rPr>
+              <a:t>Высоку</a:t>
+            </a:r>
+            <a:r>
+              <a:rPr lang="ru-RU" sz="2000" dirty="0">
+                <a:latin typeface="Bahnschrift SemiLight" panose="020B0502040204020203" pitchFamily="34" charset="0"/>
+              </a:rPr>
+              <a:t>ю</a:t>
+            </a:r>
+            <a:r>
+              <a:rPr lang="ru-RU" sz="2000" dirty="0" smtClean="0">
+                <a:latin typeface="Bahnschrift SemiLight" panose="020B0502040204020203" pitchFamily="34" charset="0"/>
+              </a:rPr>
+              <a:t> стоимость(от 5 тыс. рублей)</a:t>
+            </a:r>
+          </a:p>
+          <a:p>
+            <a:pPr marL="285750" indent="-285750">
+              <a:lnSpc>
+                <a:spcPct val="150000"/>
+              </a:lnSpc>
+              <a:buFont typeface="Arial" panose="020B0604020202020204" pitchFamily="34" charset="0"/>
+              <a:buChar char="•"/>
+            </a:pPr>
+            <a:r>
+              <a:rPr lang="ru-RU" sz="2000" dirty="0" smtClean="0">
+                <a:latin typeface="Bahnschrift SemiLight" panose="020B0502040204020203" pitchFamily="34" charset="0"/>
+              </a:rPr>
+              <a:t>Сложну</a:t>
+            </a:r>
+            <a:r>
+              <a:rPr lang="ru-RU" sz="2000" dirty="0">
+                <a:latin typeface="Bahnschrift SemiLight" panose="020B0502040204020203" pitchFamily="34" charset="0"/>
+              </a:rPr>
+              <a:t>ю</a:t>
+            </a:r>
+            <a:r>
+              <a:rPr lang="ru-RU" sz="2000" dirty="0" smtClean="0">
+                <a:latin typeface="Bahnschrift SemiLight" panose="020B0502040204020203" pitchFamily="34" charset="0"/>
+              </a:rPr>
+              <a:t> настройку</a:t>
+            </a:r>
+          </a:p>
+          <a:p>
+            <a:pPr marL="285750" indent="-285750">
+              <a:lnSpc>
+                <a:spcPct val="150000"/>
+              </a:lnSpc>
+              <a:buFont typeface="Arial" panose="020B0604020202020204" pitchFamily="34" charset="0"/>
+              <a:buChar char="•"/>
+            </a:pPr>
+            <a:r>
+              <a:rPr lang="ru-RU" sz="2000" dirty="0" smtClean="0">
+                <a:latin typeface="Bahnschrift SemiLight" panose="020B0502040204020203" pitchFamily="34" charset="0"/>
+              </a:rPr>
+              <a:t>Минимальную эффективность при треморе</a:t>
+            </a:r>
+            <a:endParaRPr lang="ru-RU" sz="2000" dirty="0">
+              <a:latin typeface="Bahnschrift SemiLight" panose="020B0502040204020203" pitchFamily="34" charset="0"/>
+            </a:endParaRPr>
           </a:p>
         </p:txBody>
       </p:sp>
@@ -4804,6 +3787,13 @@
   <p:clrMapOvr>
     <a:masterClrMapping/>
   </p:clrMapOvr>
+  <p:timing>
+    <p:tnLst>
+      <p:par>
+        <p:cTn id="1" dur="indefinite" restart="never" nodeType="tmRoot"/>
+      </p:par>
+    </p:tnLst>
+  </p:timing>
 </p:sld>
 </file>
 
@@ -4884,60 +3874,6 @@
       </p:sp>
       <p:sp>
         <p:nvSpPr>
-          <p:cNvPr id="14" name="Прямоугольник 13">
-            <a:extLst>
-              <a:ext uri="{FF2B5EF4-FFF2-40B4-BE49-F238E27FC236}">
-                <a16:creationId xmlns:a16="http://schemas.microsoft.com/office/drawing/2014/main" id="{66CC642A-1BAD-F187-0319-90BEBA77461E}"/>
-              </a:ext>
-            </a:extLst>
-          </p:cNvPr>
-          <p:cNvSpPr/>
-          <p:nvPr/>
-        </p:nvSpPr>
-        <p:spPr>
-          <a:xfrm rot="16200000">
-            <a:off x="4240595" y="-893004"/>
-            <a:ext cx="3710809" cy="12362691"/>
-          </a:xfrm>
-          <a:prstGeom prst="rect">
-            <a:avLst/>
-          </a:prstGeom>
-          <a:solidFill>
-            <a:srgbClr val="BD582C"/>
-          </a:solidFill>
-          <a:ln w="57150">
-            <a:solidFill>
-              <a:srgbClr val="E48312"/>
-            </a:solidFill>
-          </a:ln>
-        </p:spPr>
-        <p:style>
-          <a:lnRef idx="2">
-            <a:schemeClr val="accent1">
-              <a:shade val="15000"/>
-            </a:schemeClr>
-          </a:lnRef>
-          <a:fillRef idx="1">
-            <a:schemeClr val="accent1"/>
-          </a:fillRef>
-          <a:effectRef idx="0">
-            <a:schemeClr val="accent1"/>
-          </a:effectRef>
-          <a:fontRef idx="minor">
-            <a:schemeClr val="lt1"/>
-          </a:fontRef>
-        </p:style>
-        <p:txBody>
-          <a:bodyPr rtlCol="0" anchor="ctr"/>
-          <a:lstStyle/>
-          <a:p>
-            <a:pPr algn="ctr"/>
-            <a:endParaRPr lang="ru-RU" dirty="0"/>
-          </a:p>
-        </p:txBody>
-      </p:sp>
-      <p:sp>
-        <p:nvSpPr>
           <p:cNvPr id="2" name="Заголовок 1">
             <a:extLst>
               <a:ext uri="{FF2B5EF4-FFF2-40B4-BE49-F238E27FC236}">
@@ -4954,7 +3890,7 @@
         </p:nvSpPr>
         <p:spPr>
           <a:xfrm>
-            <a:off x="109726" y="-819821"/>
+            <a:off x="39119" y="-409547"/>
             <a:ext cx="10012682" cy="1386750"/>
           </a:xfrm>
         </p:spPr>
@@ -4965,157 +3901,14 @@
           <a:lstStyle/>
           <a:p>
             <a:r>
-              <a:rPr lang="ru-RU" sz="2000" dirty="0">
+              <a:rPr lang="ru-RU" sz="2000" i="1" dirty="0">
                 <a:solidFill>
                   <a:schemeClr val="tx1"/>
                 </a:solidFill>
-                <a:latin typeface="Bookman Old Style" panose="02050604050505020204" pitchFamily="18" charset="0"/>
+                <a:latin typeface="Bahnschrift SemiLight" panose="020B0502040204020203" pitchFamily="34" charset="0"/>
               </a:rPr>
               <a:t>Анализ аналогов</a:t>
             </a:r>
-          </a:p>
-        </p:txBody>
-      </p:sp>
-      <p:sp>
-        <p:nvSpPr>
-          <p:cNvPr id="4" name="Прямоугольник 3">
-            <a:extLst>
-              <a:ext uri="{FF2B5EF4-FFF2-40B4-BE49-F238E27FC236}">
-                <a16:creationId xmlns:a16="http://schemas.microsoft.com/office/drawing/2014/main" id="{EB633C90-DCB0-83B2-1834-E27909E87AD0}"/>
-              </a:ext>
-            </a:extLst>
-          </p:cNvPr>
-          <p:cNvSpPr/>
-          <p:nvPr/>
-        </p:nvSpPr>
-        <p:spPr>
-          <a:xfrm>
-            <a:off x="2395728" y="-819821"/>
-            <a:ext cx="45719" cy="1450757"/>
-          </a:xfrm>
-          <a:prstGeom prst="rect">
-            <a:avLst/>
-          </a:prstGeom>
-          <a:noFill/>
-          <a:ln>
-            <a:solidFill>
-              <a:srgbClr val="E48312"/>
-            </a:solidFill>
-          </a:ln>
-        </p:spPr>
-        <p:style>
-          <a:lnRef idx="2">
-            <a:schemeClr val="accent1">
-              <a:shade val="15000"/>
-            </a:schemeClr>
-          </a:lnRef>
-          <a:fillRef idx="1">
-            <a:schemeClr val="accent1"/>
-          </a:fillRef>
-          <a:effectRef idx="0">
-            <a:schemeClr val="accent1"/>
-          </a:effectRef>
-          <a:fontRef idx="minor">
-            <a:schemeClr val="lt1"/>
-          </a:fontRef>
-        </p:style>
-        <p:txBody>
-          <a:bodyPr rtlCol="0" anchor="ctr"/>
-          <a:lstStyle/>
-          <a:p>
-            <a:pPr algn="ctr"/>
-            <a:endParaRPr lang="ru-RU"/>
-          </a:p>
-        </p:txBody>
-      </p:sp>
-      <p:sp>
-        <p:nvSpPr>
-          <p:cNvPr id="5" name="TextBox 4">
-            <a:extLst>
-              <a:ext uri="{FF2B5EF4-FFF2-40B4-BE49-F238E27FC236}">
-                <a16:creationId xmlns:a16="http://schemas.microsoft.com/office/drawing/2014/main" id="{3876C620-90DC-AACF-5250-754AC97750F5}"/>
-              </a:ext>
-            </a:extLst>
-          </p:cNvPr>
-          <p:cNvSpPr txBox="1"/>
-          <p:nvPr/>
-        </p:nvSpPr>
-        <p:spPr>
-          <a:xfrm>
-            <a:off x="2474557" y="159002"/>
-            <a:ext cx="2081784" cy="400110"/>
-          </a:xfrm>
-          <a:prstGeom prst="rect">
-            <a:avLst/>
-          </a:prstGeom>
-          <a:noFill/>
-        </p:spPr>
-        <p:txBody>
-          <a:bodyPr wrap="square" rtlCol="0">
-            <a:spAutoFit/>
-          </a:bodyPr>
-          <a:lstStyle/>
-          <a:p>
-            <a:r>
-              <a:rPr lang="ru-RU" sz="2000" dirty="0">
-                <a:latin typeface="Bookman Old Style" panose="02050604050505020204" pitchFamily="18" charset="0"/>
-              </a:rPr>
-              <a:t>3</a:t>
-            </a:r>
-          </a:p>
-        </p:txBody>
-      </p:sp>
-      <p:sp>
-        <p:nvSpPr>
-          <p:cNvPr id="22" name="Прямоугольник 21">
-            <a:extLst>
-              <a:ext uri="{FF2B5EF4-FFF2-40B4-BE49-F238E27FC236}">
-                <a16:creationId xmlns:a16="http://schemas.microsoft.com/office/drawing/2014/main" id="{F4045203-6221-1B1E-6C6C-E1EE0B032D31}"/>
-              </a:ext>
-            </a:extLst>
-          </p:cNvPr>
-          <p:cNvSpPr/>
-          <p:nvPr/>
-        </p:nvSpPr>
-        <p:spPr>
-          <a:xfrm>
-            <a:off x="3657599" y="6407945"/>
-            <a:ext cx="960121" cy="450056"/>
-          </a:xfrm>
-          <a:prstGeom prst="rect">
-            <a:avLst/>
-          </a:prstGeom>
-          <a:solidFill>
-            <a:srgbClr val="BD582C"/>
-          </a:solidFill>
-          <a:ln>
-            <a:solidFill>
-              <a:srgbClr val="BD582C"/>
-            </a:solidFill>
-          </a:ln>
-        </p:spPr>
-        <p:style>
-          <a:lnRef idx="2">
-            <a:schemeClr val="accent1">
-              <a:shade val="15000"/>
-            </a:schemeClr>
-          </a:lnRef>
-          <a:fillRef idx="1">
-            <a:schemeClr val="accent1"/>
-          </a:fillRef>
-          <a:effectRef idx="0">
-            <a:schemeClr val="accent1"/>
-          </a:effectRef>
-          <a:fontRef idx="minor">
-            <a:schemeClr val="lt1"/>
-          </a:fontRef>
-        </p:style>
-        <p:txBody>
-          <a:bodyPr rtlCol="0" anchor="ctr"/>
-          <a:lstStyle/>
-          <a:p>
-            <a:pPr algn="ctr"/>
-            <a:endParaRPr lang="ru-RU"/>
           </a:p>
         </p:txBody>
       </p:sp>
@@ -5133,17 +3926,15 @@
           </p:cNvPicPr>
           <p:nvPr/>
         </p:nvPicPr>
-        <p:blipFill>
+        <p:blipFill rotWithShape="1">
           <a:blip r:embed="rId2"/>
-          <a:srcRect l="7762" t="3256" r="9392" b="6779"/>
-          <a:stretch>
-            <a:fillRect/>
-          </a:stretch>
+          <a:srcRect l="7762" t="3256" r="27794" b="6779"/>
+          <a:stretch/>
         </p:blipFill>
         <p:spPr>
           <a:xfrm>
-            <a:off x="723902" y="746261"/>
-            <a:ext cx="3034281" cy="2452122"/>
+            <a:off x="10153700" y="466437"/>
+            <a:ext cx="1918227" cy="1992847"/>
           </a:xfrm>
           <a:prstGeom prst="rect">
             <a:avLst/>
@@ -5165,7 +3956,7 @@
           <p:nvPr/>
         </p:nvPicPr>
         <p:blipFill>
-          <a:blip r:embed="rId3">
+          <a:blip r:embed="rId3" cstate="hqprint">
             <a:extLst>
               <a:ext uri="{BEBA8EAE-BF5A-486C-A8C5-ECC9F3942E4B}">
                 <a14:imgProps xmlns:a14="http://schemas.microsoft.com/office/drawing/2010/main">
@@ -5188,8 +3979,8 @@
         </p:blipFill>
         <p:spPr bwMode="auto">
           <a:xfrm>
-            <a:off x="8572920" y="862879"/>
-            <a:ext cx="2573616" cy="2071890"/>
+            <a:off x="10051801" y="4959095"/>
+            <a:ext cx="2011991" cy="1619754"/>
           </a:xfrm>
           <a:prstGeom prst="rect">
             <a:avLst/>
@@ -5234,311 +4025,657 @@
         </p:blipFill>
         <p:spPr>
           <a:xfrm>
-            <a:off x="4527044" y="320485"/>
-            <a:ext cx="3034281" cy="3034281"/>
+            <a:off x="10051801" y="2518338"/>
+            <a:ext cx="2116888" cy="2116888"/>
           </a:xfrm>
           <a:prstGeom prst="rect">
             <a:avLst/>
           </a:prstGeom>
         </p:spPr>
       </p:pic>
-      <p:sp>
-        <p:nvSpPr>
-          <p:cNvPr id="21" name="TextBox 20">
-            <a:extLst>
-              <a:ext uri="{FF2B5EF4-FFF2-40B4-BE49-F238E27FC236}">
-                <a16:creationId xmlns:a16="http://schemas.microsoft.com/office/drawing/2014/main" id="{FE70A8C6-8A43-E305-795D-80B804D6CEB5}"/>
-              </a:ext>
-            </a:extLst>
-          </p:cNvPr>
-          <p:cNvSpPr txBox="1"/>
-          <p:nvPr/>
-        </p:nvSpPr>
-        <p:spPr>
-          <a:xfrm>
-            <a:off x="10795" y="3486459"/>
-            <a:ext cx="4230429" cy="2246769"/>
-          </a:xfrm>
-          <a:prstGeom prst="rect">
-            <a:avLst/>
-          </a:prstGeom>
-          <a:noFill/>
-        </p:spPr>
-        <p:txBody>
-          <a:bodyPr wrap="square" rtlCol="0">
-            <a:spAutoFit/>
-          </a:bodyPr>
-          <a:lstStyle/>
-          <a:p>
-            <a:pPr algn="ctr"/>
-            <a:r>
-              <a:rPr lang="ru-RU" sz="2000" dirty="0">
-                <a:solidFill>
-                  <a:schemeClr val="bg1"/>
-                </a:solidFill>
-                <a:latin typeface="Bookman Old Style" panose="02050604050505020204" pitchFamily="18" charset="0"/>
-              </a:rPr>
-              <a:t>Головной указатель «</a:t>
-            </a:r>
-            <a:r>
-              <a:rPr lang="en-US" sz="2000" dirty="0">
-                <a:solidFill>
-                  <a:schemeClr val="bg1"/>
-                </a:solidFill>
-                <a:latin typeface="Bookman Old Style" panose="02050604050505020204" pitchFamily="18" charset="0"/>
-              </a:rPr>
-              <a:t>Eye Gaze</a:t>
-            </a:r>
-            <a:r>
-              <a:rPr lang="ru-RU" sz="2000" dirty="0">
-                <a:solidFill>
-                  <a:schemeClr val="bg1"/>
-                </a:solidFill>
-                <a:latin typeface="Bookman Old Style" panose="02050604050505020204" pitchFamily="18" charset="0"/>
-              </a:rPr>
-              <a:t>»</a:t>
-            </a:r>
-            <a:br>
-              <a:rPr lang="ru-RU" sz="2000" dirty="0">
-                <a:solidFill>
-                  <a:schemeClr val="bg1"/>
-                </a:solidFill>
-                <a:latin typeface="Bookman Old Style" panose="02050604050505020204" pitchFamily="18" charset="0"/>
-              </a:rPr>
-            </a:br>
-            <a:r>
-              <a:rPr lang="ru-RU" sz="2000" dirty="0">
-                <a:solidFill>
-                  <a:schemeClr val="bg1"/>
-                </a:solidFill>
-                <a:latin typeface="Bookman Old Style" panose="02050604050505020204" pitchFamily="18" charset="0"/>
-              </a:rPr>
-              <a:t>Следит за движением глаз, не задействует руки, однако имеет сложную калибровку, высокую стоимость и сильные неточности при недостатке света.</a:t>
-            </a:r>
-          </a:p>
-        </p:txBody>
-      </p:sp>
-      <p:sp>
-        <p:nvSpPr>
-          <p:cNvPr id="23" name="TextBox 22">
-            <a:extLst>
-              <a:ext uri="{FF2B5EF4-FFF2-40B4-BE49-F238E27FC236}">
-                <a16:creationId xmlns:a16="http://schemas.microsoft.com/office/drawing/2014/main" id="{A3DE38CE-892F-CE29-37E0-DB0CB6EBEDBB}"/>
-              </a:ext>
-            </a:extLst>
-          </p:cNvPr>
-          <p:cNvSpPr txBox="1"/>
-          <p:nvPr/>
-        </p:nvSpPr>
-        <p:spPr>
-          <a:xfrm>
-            <a:off x="4146648" y="3481873"/>
-            <a:ext cx="4550223" cy="2246769"/>
-          </a:xfrm>
-          <a:prstGeom prst="rect">
-            <a:avLst/>
-          </a:prstGeom>
-          <a:noFill/>
-        </p:spPr>
-        <p:txBody>
-          <a:bodyPr wrap="square" rtlCol="0">
-            <a:spAutoFit/>
-          </a:bodyPr>
-          <a:lstStyle/>
-          <a:p>
-            <a:pPr algn="ctr"/>
-            <a:r>
-              <a:rPr lang="ru-RU" sz="2000" dirty="0">
-                <a:solidFill>
-                  <a:schemeClr val="bg1"/>
-                </a:solidFill>
-                <a:latin typeface="Bookman Old Style" panose="02050604050505020204" pitchFamily="18" charset="0"/>
-              </a:rPr>
-              <a:t>Голосовой указатель</a:t>
-            </a:r>
-            <a:br>
-              <a:rPr lang="ru-RU" sz="2000" dirty="0">
-                <a:solidFill>
-                  <a:schemeClr val="bg1"/>
-                </a:solidFill>
-                <a:latin typeface="Bookman Old Style" panose="02050604050505020204" pitchFamily="18" charset="0"/>
-              </a:rPr>
-            </a:br>
-            <a:r>
-              <a:rPr lang="ru-RU" sz="2000" dirty="0">
-                <a:solidFill>
-                  <a:schemeClr val="bg1"/>
-                </a:solidFill>
-                <a:latin typeface="Bookman Old Style" panose="02050604050505020204" pitchFamily="18" charset="0"/>
-              </a:rPr>
-              <a:t>«</a:t>
-            </a:r>
-            <a:r>
-              <a:rPr lang="en-US" sz="2000" dirty="0">
-                <a:solidFill>
-                  <a:schemeClr val="bg1"/>
-                </a:solidFill>
-                <a:latin typeface="Bookman Old Style" panose="02050604050505020204" pitchFamily="18" charset="0"/>
-              </a:rPr>
-              <a:t>Dragon Naturally Speaking</a:t>
-            </a:r>
-            <a:r>
-              <a:rPr lang="ru-RU" sz="2000" dirty="0">
-                <a:solidFill>
-                  <a:schemeClr val="bg1"/>
-                </a:solidFill>
-                <a:latin typeface="Bookman Old Style" panose="02050604050505020204" pitchFamily="18" charset="0"/>
-              </a:rPr>
-              <a:t>»</a:t>
-            </a:r>
-            <a:endParaRPr lang="en-US" sz="2000" dirty="0">
-              <a:solidFill>
-                <a:schemeClr val="bg1"/>
-              </a:solidFill>
-              <a:latin typeface="Bookman Old Style" panose="02050604050505020204" pitchFamily="18" charset="0"/>
-            </a:endParaRPr>
-          </a:p>
-          <a:p>
-            <a:pPr algn="ctr"/>
-            <a:r>
-              <a:rPr lang="ru-RU" sz="2000" dirty="0">
-                <a:solidFill>
-                  <a:schemeClr val="bg1"/>
-                </a:solidFill>
-                <a:latin typeface="Bookman Old Style" panose="02050604050505020204" pitchFamily="18" charset="0"/>
-              </a:rPr>
-              <a:t>Так же не задействует рук, но  нестабилен в шумной среде, имеет высокую стоимость и не подходит людям испытывающим проблемы с речью.</a:t>
-            </a:r>
-            <a:endParaRPr lang="en-US" sz="2000" dirty="0">
-              <a:solidFill>
-                <a:schemeClr val="bg1"/>
-              </a:solidFill>
-              <a:latin typeface="Bookman Old Style" panose="02050604050505020204" pitchFamily="18" charset="0"/>
-            </a:endParaRPr>
-          </a:p>
-        </p:txBody>
-      </p:sp>
-      <p:sp>
-        <p:nvSpPr>
-          <p:cNvPr id="25" name="TextBox 24">
-            <a:extLst>
-              <a:ext uri="{FF2B5EF4-FFF2-40B4-BE49-F238E27FC236}">
-                <a16:creationId xmlns:a16="http://schemas.microsoft.com/office/drawing/2014/main" id="{6BFA5C41-551D-B803-6288-5D747657F30F}"/>
-              </a:ext>
-            </a:extLst>
-          </p:cNvPr>
-          <p:cNvSpPr txBox="1"/>
-          <p:nvPr/>
-        </p:nvSpPr>
-        <p:spPr>
-          <a:xfrm>
-            <a:off x="8686076" y="3554007"/>
-            <a:ext cx="3495129" cy="2246769"/>
-          </a:xfrm>
-          <a:prstGeom prst="rect">
-            <a:avLst/>
-          </a:prstGeom>
-          <a:noFill/>
-        </p:spPr>
-        <p:txBody>
-          <a:bodyPr wrap="square">
-            <a:spAutoFit/>
-          </a:bodyPr>
-          <a:lstStyle/>
-          <a:p>
-            <a:pPr algn="ctr"/>
-            <a:r>
-              <a:rPr lang="en-US" sz="2000" dirty="0">
-                <a:solidFill>
-                  <a:schemeClr val="bg1"/>
-                </a:solidFill>
-                <a:latin typeface="Bookman Old Style" panose="02050604050505020204" pitchFamily="18" charset="0"/>
-              </a:rPr>
-              <a:t>Trackball </a:t>
-            </a:r>
-            <a:r>
-              <a:rPr lang="ru-RU" sz="2000" dirty="0">
-                <a:solidFill>
-                  <a:schemeClr val="bg1"/>
-                </a:solidFill>
-                <a:latin typeface="Bookman Old Style" panose="02050604050505020204" pitchFamily="18" charset="0"/>
-              </a:rPr>
-              <a:t>«</a:t>
-            </a:r>
-            <a:r>
-              <a:rPr lang="en-US" sz="2000" dirty="0">
-                <a:solidFill>
-                  <a:schemeClr val="bg1"/>
-                </a:solidFill>
-                <a:latin typeface="Bookman Old Style" panose="02050604050505020204" pitchFamily="18" charset="0"/>
-              </a:rPr>
-              <a:t>Logitech Marble</a:t>
-            </a:r>
-            <a:r>
-              <a:rPr lang="ru-RU" sz="2000" dirty="0">
-                <a:solidFill>
-                  <a:schemeClr val="bg1"/>
-                </a:solidFill>
-                <a:latin typeface="Bookman Old Style" panose="02050604050505020204" pitchFamily="18" charset="0"/>
-              </a:rPr>
-              <a:t>»</a:t>
-            </a:r>
-          </a:p>
-          <a:p>
-            <a:pPr algn="ctr"/>
-            <a:r>
-              <a:rPr lang="ru-RU" sz="2000" dirty="0">
-                <a:solidFill>
-                  <a:schemeClr val="bg1"/>
-                </a:solidFill>
-                <a:latin typeface="Bookman Old Style" panose="02050604050505020204" pitchFamily="18" charset="0"/>
-              </a:rPr>
-              <a:t>Не задействует всю руку, однако требует точной мелкой моторики, что очень редко наблюдается у людей с тремором рук.</a:t>
-            </a:r>
-          </a:p>
-        </p:txBody>
-      </p:sp>
-      <p:sp>
-        <p:nvSpPr>
-          <p:cNvPr id="26" name="TextBox 25">
-            <a:extLst>
-              <a:ext uri="{FF2B5EF4-FFF2-40B4-BE49-F238E27FC236}">
-                <a16:creationId xmlns:a16="http://schemas.microsoft.com/office/drawing/2014/main" id="{51C1815B-F396-BA02-D269-6D3991EDF780}"/>
-              </a:ext>
-            </a:extLst>
-          </p:cNvPr>
-          <p:cNvSpPr txBox="1"/>
-          <p:nvPr/>
-        </p:nvSpPr>
-        <p:spPr>
-          <a:xfrm>
-            <a:off x="297180" y="5800776"/>
-            <a:ext cx="11894820" cy="1015663"/>
-          </a:xfrm>
-          <a:prstGeom prst="rect">
-            <a:avLst/>
-          </a:prstGeom>
-          <a:noFill/>
-        </p:spPr>
-        <p:txBody>
-          <a:bodyPr wrap="square" rtlCol="0">
-            <a:spAutoFit/>
-          </a:bodyPr>
-          <a:lstStyle/>
-          <a:p>
-            <a:pPr algn="ctr"/>
-            <a:r>
-              <a:rPr lang="ru-RU" sz="2000" dirty="0">
-                <a:solidFill>
-                  <a:schemeClr val="bg1"/>
-                </a:solidFill>
-                <a:latin typeface="Bookman Old Style" panose="02050604050505020204" pitchFamily="18" charset="0"/>
-              </a:rPr>
-              <a:t>Анализ показал, что ни один из существующих аналогов не решает ключевую проблему: физическая стабилизация движения руки при сохранении интуитивного, привычного интерфейса.</a:t>
-            </a:r>
-          </a:p>
-        </p:txBody>
-      </p:sp>
+      <p:graphicFrame>
+        <p:nvGraphicFramePr>
+          <p:cNvPr id="6" name="Таблица 5"/>
+          <p:cNvGraphicFramePr>
+            <a:graphicFrameLocks noGrp="1"/>
+          </p:cNvGraphicFramePr>
+          <p:nvPr>
+            <p:extLst>
+              <p:ext uri="{D42A27DB-BD31-4B8C-83A1-F6EECF244321}">
+                <p14:modId xmlns:p14="http://schemas.microsoft.com/office/powerpoint/2010/main" val="3350560952"/>
+              </p:ext>
+            </p:extLst>
+          </p:nvPr>
+        </p:nvGraphicFramePr>
+        <p:xfrm>
+          <a:off x="141018" y="466437"/>
+          <a:ext cx="9492508" cy="6220691"/>
+        </p:xfrm>
+        <a:graphic>
+          <a:graphicData uri="http://schemas.openxmlformats.org/drawingml/2006/table">
+            <a:tbl>
+              <a:tblPr firstRow="1" firstCol="1" bandRow="1">
+                <a:tableStyleId>{5940675A-B579-460E-94D1-54222C63F5DA}</a:tableStyleId>
+              </a:tblPr>
+              <a:tblGrid>
+                <a:gridCol w="2395410">
+                  <a:extLst>
+                    <a:ext uri="{9D8B030D-6E8A-4147-A177-3AD203B41FA5}">
+                      <a16:colId xmlns:a16="http://schemas.microsoft.com/office/drawing/2014/main" val="3178555124"/>
+                    </a:ext>
+                  </a:extLst>
+                </a:gridCol>
+                <a:gridCol w="2131693">
+                  <a:extLst>
+                    <a:ext uri="{9D8B030D-6E8A-4147-A177-3AD203B41FA5}">
+                      <a16:colId xmlns:a16="http://schemas.microsoft.com/office/drawing/2014/main" val="898857642"/>
+                    </a:ext>
+                  </a:extLst>
+                </a:gridCol>
+                <a:gridCol w="1533213">
+                  <a:extLst>
+                    <a:ext uri="{9D8B030D-6E8A-4147-A177-3AD203B41FA5}">
+                      <a16:colId xmlns:a16="http://schemas.microsoft.com/office/drawing/2014/main" val="1655662424"/>
+                    </a:ext>
+                  </a:extLst>
+                </a:gridCol>
+                <a:gridCol w="3432192">
+                  <a:extLst>
+                    <a:ext uri="{9D8B030D-6E8A-4147-A177-3AD203B41FA5}">
+                      <a16:colId xmlns:a16="http://schemas.microsoft.com/office/drawing/2014/main" val="3602813863"/>
+                    </a:ext>
+                  </a:extLst>
+                </a:gridCol>
+              </a:tblGrid>
+              <a:tr h="983482">
+                <a:tc>
+                  <a:txBody>
+                    <a:bodyPr/>
+                    <a:lstStyle/>
+                    <a:p>
+                      <a:pPr indent="0" algn="ctr">
+                        <a:lnSpc>
+                          <a:spcPct val="150000"/>
+                        </a:lnSpc>
+                        <a:spcAft>
+                          <a:spcPts val="0"/>
+                        </a:spcAft>
+                      </a:pPr>
+                      <a:r>
+                        <a:rPr lang="ru-RU" sz="2000" kern="100" dirty="0">
+                          <a:effectLst/>
+                          <a:latin typeface="Bahnschrift SemiLight" panose="020B0502040204020203" pitchFamily="34" charset="0"/>
+                        </a:rPr>
+                        <a:t>Наименование устройства</a:t>
+                      </a:r>
+                      <a:endParaRPr lang="ru-RU" sz="2000" b="0" kern="100" dirty="0">
+                        <a:effectLst/>
+                        <a:latin typeface="Bahnschrift SemiLight" panose="020B0502040204020203" pitchFamily="34" charset="0"/>
+                        <a:ea typeface="Calibri" panose="020F0502020204030204" pitchFamily="34" charset="0"/>
+                        <a:cs typeface="Times New Roman" panose="02020603050405020304" pitchFamily="18" charset="0"/>
+                      </a:endParaRPr>
+                    </a:p>
+                  </a:txBody>
+                  <a:tcPr marL="51802" marR="51802" marT="0" marB="0" anchor="ctr"/>
+                </a:tc>
+                <a:tc>
+                  <a:txBody>
+                    <a:bodyPr/>
+                    <a:lstStyle/>
+                    <a:p>
+                      <a:pPr indent="0" algn="l">
+                        <a:lnSpc>
+                          <a:spcPct val="150000"/>
+                        </a:lnSpc>
+                        <a:spcAft>
+                          <a:spcPts val="0"/>
+                        </a:spcAft>
+                      </a:pPr>
+                      <a:r>
+                        <a:rPr lang="ru-RU" sz="2000" kern="100" dirty="0">
+                          <a:effectLst/>
+                          <a:latin typeface="Bahnschrift SemiLight" panose="020B0502040204020203" pitchFamily="34" charset="0"/>
+                        </a:rPr>
+                        <a:t>Принцип работы</a:t>
+                      </a:r>
+                      <a:endParaRPr lang="ru-RU" sz="2000" b="0" kern="100" dirty="0">
+                        <a:effectLst/>
+                        <a:latin typeface="Bahnschrift SemiLight" panose="020B0502040204020203" pitchFamily="34" charset="0"/>
+                        <a:ea typeface="Calibri" panose="020F0502020204030204" pitchFamily="34" charset="0"/>
+                        <a:cs typeface="Times New Roman" panose="02020603050405020304" pitchFamily="18" charset="0"/>
+                      </a:endParaRPr>
+                    </a:p>
+                  </a:txBody>
+                  <a:tcPr marL="51802" marR="51802" marT="0" marB="0" anchor="ctr"/>
+                </a:tc>
+                <a:tc>
+                  <a:txBody>
+                    <a:bodyPr/>
+                    <a:lstStyle/>
+                    <a:p>
+                      <a:pPr indent="0" algn="l">
+                        <a:lnSpc>
+                          <a:spcPct val="150000"/>
+                        </a:lnSpc>
+                        <a:spcAft>
+                          <a:spcPts val="0"/>
+                        </a:spcAft>
+                      </a:pPr>
+                      <a:r>
+                        <a:rPr lang="ru-RU" sz="2000" kern="100" dirty="0">
+                          <a:effectLst/>
+                          <a:latin typeface="Bahnschrift SemiLight" panose="020B0502040204020203" pitchFamily="34" charset="0"/>
+                        </a:rPr>
+                        <a:t>Преимущества</a:t>
+                      </a:r>
+                      <a:endParaRPr lang="ru-RU" sz="2000" b="0" kern="100" dirty="0">
+                        <a:effectLst/>
+                        <a:latin typeface="Bahnschrift SemiLight" panose="020B0502040204020203" pitchFamily="34" charset="0"/>
+                        <a:ea typeface="Calibri" panose="020F0502020204030204" pitchFamily="34" charset="0"/>
+                        <a:cs typeface="Times New Roman" panose="02020603050405020304" pitchFamily="18" charset="0"/>
+                      </a:endParaRPr>
+                    </a:p>
+                  </a:txBody>
+                  <a:tcPr marL="51802" marR="51802" marT="0" marB="0" anchor="ctr"/>
+                </a:tc>
+                <a:tc>
+                  <a:txBody>
+                    <a:bodyPr/>
+                    <a:lstStyle/>
+                    <a:p>
+                      <a:pPr indent="0" algn="l">
+                        <a:lnSpc>
+                          <a:spcPct val="150000"/>
+                        </a:lnSpc>
+                        <a:spcAft>
+                          <a:spcPts val="0"/>
+                        </a:spcAft>
+                      </a:pPr>
+                      <a:r>
+                        <a:rPr lang="ru-RU" sz="2000" kern="100" dirty="0">
+                          <a:effectLst/>
+                          <a:latin typeface="Bahnschrift SemiLight" panose="020B0502040204020203" pitchFamily="34" charset="0"/>
+                        </a:rPr>
+                        <a:t>Недостатки</a:t>
+                      </a:r>
+                      <a:endParaRPr lang="ru-RU" sz="2000" b="0" kern="100" dirty="0">
+                        <a:effectLst/>
+                        <a:latin typeface="Bahnschrift SemiLight" panose="020B0502040204020203" pitchFamily="34" charset="0"/>
+                        <a:ea typeface="Calibri" panose="020F0502020204030204" pitchFamily="34" charset="0"/>
+                        <a:cs typeface="Times New Roman" panose="02020603050405020304" pitchFamily="18" charset="0"/>
+                      </a:endParaRPr>
+                    </a:p>
+                  </a:txBody>
+                  <a:tcPr marL="51802" marR="51802" marT="0" marB="0" anchor="ctr"/>
+                </a:tc>
+                <a:extLst>
+                  <a:ext uri="{0D108BD9-81ED-4DB2-BD59-A6C34878D82A}">
+                    <a16:rowId xmlns:a16="http://schemas.microsoft.com/office/drawing/2014/main" val="3761474004"/>
+                  </a:ext>
+                </a:extLst>
+              </a:tr>
+              <a:tr h="1966963">
+                <a:tc>
+                  <a:txBody>
+                    <a:bodyPr/>
+                    <a:lstStyle/>
+                    <a:p>
+                      <a:pPr indent="0" algn="ctr">
+                        <a:lnSpc>
+                          <a:spcPct val="150000"/>
+                        </a:lnSpc>
+                        <a:spcAft>
+                          <a:spcPts val="0"/>
+                        </a:spcAft>
+                      </a:pPr>
+                      <a:r>
+                        <a:rPr lang="ru-RU" sz="2000" kern="100" dirty="0" smtClean="0">
+                          <a:effectLst/>
+                          <a:latin typeface="Bahnschrift SemiLight" panose="020B0502040204020203" pitchFamily="34" charset="0"/>
+                        </a:rPr>
+                        <a:t>Головной </a:t>
+                      </a:r>
+                      <a:r>
+                        <a:rPr lang="ru-RU" sz="2000" kern="100" dirty="0">
+                          <a:effectLst/>
+                          <a:latin typeface="Bahnschrift SemiLight" panose="020B0502040204020203" pitchFamily="34" charset="0"/>
+                        </a:rPr>
+                        <a:t>указатель (</a:t>
+                      </a:r>
+                      <a:r>
+                        <a:rPr lang="ru-RU" sz="2000" kern="100" dirty="0" err="1">
+                          <a:effectLst/>
+                          <a:latin typeface="Bahnschrift SemiLight" panose="020B0502040204020203" pitchFamily="34" charset="0"/>
+                        </a:rPr>
+                        <a:t>EyeGaze</a:t>
+                      </a:r>
+                      <a:r>
+                        <a:rPr lang="ru-RU" sz="2000" kern="100" dirty="0">
+                          <a:effectLst/>
+                          <a:latin typeface="Bahnschrift SemiLight" panose="020B0502040204020203" pitchFamily="34" charset="0"/>
+                        </a:rPr>
+                        <a:t>)</a:t>
+                      </a:r>
+                      <a:endParaRPr lang="ru-RU" sz="2000" b="0" kern="100" dirty="0">
+                        <a:effectLst/>
+                        <a:latin typeface="Bahnschrift SemiLight" panose="020B0502040204020203" pitchFamily="34" charset="0"/>
+                        <a:ea typeface="Calibri" panose="020F0502020204030204" pitchFamily="34" charset="0"/>
+                        <a:cs typeface="Times New Roman" panose="02020603050405020304" pitchFamily="18" charset="0"/>
+                      </a:endParaRPr>
+                    </a:p>
+                  </a:txBody>
+                  <a:tcPr marL="51802" marR="51802" marT="0" marB="0" anchor="ctr"/>
+                </a:tc>
+                <a:tc>
+                  <a:txBody>
+                    <a:bodyPr/>
+                    <a:lstStyle/>
+                    <a:p>
+                      <a:pPr indent="0" algn="l">
+                        <a:lnSpc>
+                          <a:spcPct val="150000"/>
+                        </a:lnSpc>
+                        <a:spcAft>
+                          <a:spcPts val="0"/>
+                        </a:spcAft>
+                      </a:pPr>
+                      <a:r>
+                        <a:rPr lang="ru-RU" sz="2000" kern="100" dirty="0">
+                          <a:effectLst/>
+                          <a:latin typeface="Bahnschrift SemiLight" panose="020B0502040204020203" pitchFamily="34" charset="0"/>
+                        </a:rPr>
+                        <a:t>Следит за движением глаз</a:t>
+                      </a:r>
+                      <a:endParaRPr lang="ru-RU" sz="2000" kern="100" dirty="0">
+                        <a:effectLst/>
+                        <a:latin typeface="Bahnschrift SemiLight" panose="020B0502040204020203" pitchFamily="34" charset="0"/>
+                        <a:ea typeface="Calibri" panose="020F0502020204030204" pitchFamily="34" charset="0"/>
+                        <a:cs typeface="Times New Roman" panose="02020603050405020304" pitchFamily="18" charset="0"/>
+                      </a:endParaRPr>
+                    </a:p>
+                  </a:txBody>
+                  <a:tcPr marL="51802" marR="51802" marT="0" marB="0" anchor="ctr"/>
+                </a:tc>
+                <a:tc>
+                  <a:txBody>
+                    <a:bodyPr/>
+                    <a:lstStyle/>
+                    <a:p>
+                      <a:pPr indent="0" algn="l">
+                        <a:lnSpc>
+                          <a:spcPct val="150000"/>
+                        </a:lnSpc>
+                        <a:spcAft>
+                          <a:spcPts val="0"/>
+                        </a:spcAft>
+                      </a:pPr>
+                      <a:r>
+                        <a:rPr lang="ru-RU" sz="2000" kern="100" dirty="0">
+                          <a:effectLst/>
+                          <a:latin typeface="Bahnschrift SemiLight" panose="020B0502040204020203" pitchFamily="34" charset="0"/>
+                        </a:rPr>
+                        <a:t>Не задействует руки</a:t>
+                      </a:r>
+                      <a:endParaRPr lang="ru-RU" sz="2000" kern="100" dirty="0">
+                        <a:effectLst/>
+                        <a:latin typeface="Bahnschrift SemiLight" panose="020B0502040204020203" pitchFamily="34" charset="0"/>
+                        <a:ea typeface="Calibri" panose="020F0502020204030204" pitchFamily="34" charset="0"/>
+                        <a:cs typeface="Times New Roman" panose="02020603050405020304" pitchFamily="18" charset="0"/>
+                      </a:endParaRPr>
+                    </a:p>
+                  </a:txBody>
+                  <a:tcPr marL="51802" marR="51802" marT="0" marB="0" anchor="ctr"/>
+                </a:tc>
+                <a:tc>
+                  <a:txBody>
+                    <a:bodyPr/>
+                    <a:lstStyle/>
+                    <a:p>
+                      <a:pPr indent="0" algn="l">
+                        <a:lnSpc>
+                          <a:spcPct val="150000"/>
+                        </a:lnSpc>
+                        <a:spcAft>
+                          <a:spcPts val="0"/>
+                        </a:spcAft>
+                      </a:pPr>
+                      <a:r>
+                        <a:rPr lang="ru-RU" sz="2000" kern="100" dirty="0">
+                          <a:effectLst/>
+                          <a:latin typeface="Bahnschrift SemiLight" panose="020B0502040204020203" pitchFamily="34" charset="0"/>
+                        </a:rPr>
+                        <a:t>Нестабилен при плохом освещении, требует калибровки, сильно выматывает глаза</a:t>
+                      </a:r>
+                      <a:endParaRPr lang="ru-RU" sz="2000" kern="100" dirty="0">
+                        <a:effectLst/>
+                        <a:latin typeface="Bahnschrift SemiLight" panose="020B0502040204020203" pitchFamily="34" charset="0"/>
+                        <a:ea typeface="Calibri" panose="020F0502020204030204" pitchFamily="34" charset="0"/>
+                        <a:cs typeface="Times New Roman" panose="02020603050405020304" pitchFamily="18" charset="0"/>
+                      </a:endParaRPr>
+                    </a:p>
+                  </a:txBody>
+                  <a:tcPr marL="51802" marR="51802" marT="0" marB="0" anchor="ctr"/>
+                </a:tc>
+                <a:extLst>
+                  <a:ext uri="{0D108BD9-81ED-4DB2-BD59-A6C34878D82A}">
+                    <a16:rowId xmlns:a16="http://schemas.microsoft.com/office/drawing/2014/main" val="1616761322"/>
+                  </a:ext>
+                </a:extLst>
+              </a:tr>
+              <a:tr h="1795023">
+                <a:tc>
+                  <a:txBody>
+                    <a:bodyPr/>
+                    <a:lstStyle/>
+                    <a:p>
+                      <a:pPr indent="0" algn="ctr">
+                        <a:lnSpc>
+                          <a:spcPct val="150000"/>
+                        </a:lnSpc>
+                        <a:spcAft>
+                          <a:spcPts val="0"/>
+                        </a:spcAft>
+                      </a:pPr>
+                      <a:r>
+                        <a:rPr lang="ru-RU" sz="2000" kern="100" dirty="0">
+                          <a:effectLst/>
+                          <a:latin typeface="Bahnschrift SemiLight" panose="020B0502040204020203" pitchFamily="34" charset="0"/>
+                        </a:rPr>
+                        <a:t>Голосовое управление (</a:t>
+                      </a:r>
+                      <a:r>
+                        <a:rPr lang="ru-RU" sz="2000" kern="100" dirty="0" err="1">
+                          <a:effectLst/>
+                          <a:latin typeface="Bahnschrift SemiLight" panose="020B0502040204020203" pitchFamily="34" charset="0"/>
+                        </a:rPr>
+                        <a:t>Dragon</a:t>
+                      </a:r>
+                      <a:r>
+                        <a:rPr lang="ru-RU" sz="2000" kern="100" dirty="0">
+                          <a:effectLst/>
+                          <a:latin typeface="Bahnschrift SemiLight" panose="020B0502040204020203" pitchFamily="34" charset="0"/>
+                        </a:rPr>
+                        <a:t> </a:t>
+                      </a:r>
+                      <a:r>
+                        <a:rPr lang="ru-RU" sz="2000" kern="100" dirty="0" err="1">
+                          <a:effectLst/>
+                          <a:latin typeface="Bahnschrift SemiLight" panose="020B0502040204020203" pitchFamily="34" charset="0"/>
+                        </a:rPr>
+                        <a:t>NaturallySpeaking</a:t>
+                      </a:r>
+                      <a:r>
+                        <a:rPr lang="ru-RU" sz="2000" kern="100" dirty="0">
+                          <a:effectLst/>
+                          <a:latin typeface="Bahnschrift SemiLight" panose="020B0502040204020203" pitchFamily="34" charset="0"/>
+                        </a:rPr>
+                        <a:t>)</a:t>
+                      </a:r>
+                      <a:endParaRPr lang="ru-RU" sz="2000" b="0" kern="100" dirty="0">
+                        <a:effectLst/>
+                        <a:latin typeface="Bahnschrift SemiLight" panose="020B0502040204020203" pitchFamily="34" charset="0"/>
+                        <a:ea typeface="Calibri" panose="020F0502020204030204" pitchFamily="34" charset="0"/>
+                        <a:cs typeface="Times New Roman" panose="02020603050405020304" pitchFamily="18" charset="0"/>
+                      </a:endParaRPr>
+                    </a:p>
+                  </a:txBody>
+                  <a:tcPr marL="51802" marR="51802" marT="0" marB="0" anchor="ctr"/>
+                </a:tc>
+                <a:tc>
+                  <a:txBody>
+                    <a:bodyPr/>
+                    <a:lstStyle/>
+                    <a:p>
+                      <a:pPr indent="0" algn="l">
+                        <a:lnSpc>
+                          <a:spcPct val="150000"/>
+                        </a:lnSpc>
+                        <a:spcAft>
+                          <a:spcPts val="0"/>
+                        </a:spcAft>
+                      </a:pPr>
+                      <a:r>
+                        <a:rPr lang="ru-RU" sz="2000" kern="100" dirty="0">
+                          <a:effectLst/>
+                          <a:latin typeface="Bahnschrift SemiLight" panose="020B0502040204020203" pitchFamily="34" charset="0"/>
+                        </a:rPr>
+                        <a:t>Распознавание речи</a:t>
+                      </a:r>
+                      <a:endParaRPr lang="ru-RU" sz="2000" kern="100" dirty="0">
+                        <a:effectLst/>
+                        <a:latin typeface="Bahnschrift SemiLight" panose="020B0502040204020203" pitchFamily="34" charset="0"/>
+                        <a:ea typeface="Calibri" panose="020F0502020204030204" pitchFamily="34" charset="0"/>
+                        <a:cs typeface="Times New Roman" panose="02020603050405020304" pitchFamily="18" charset="0"/>
+                      </a:endParaRPr>
+                    </a:p>
+                  </a:txBody>
+                  <a:tcPr marL="51802" marR="51802" marT="0" marB="0" anchor="ctr"/>
+                </a:tc>
+                <a:tc>
+                  <a:txBody>
+                    <a:bodyPr/>
+                    <a:lstStyle/>
+                    <a:p>
+                      <a:pPr indent="0" algn="l">
+                        <a:lnSpc>
+                          <a:spcPct val="150000"/>
+                        </a:lnSpc>
+                        <a:spcAft>
+                          <a:spcPts val="0"/>
+                        </a:spcAft>
+                      </a:pPr>
+                      <a:r>
+                        <a:rPr lang="ru-RU" sz="2000" kern="100" dirty="0">
+                          <a:effectLst/>
+                          <a:latin typeface="Bahnschrift SemiLight" panose="020B0502040204020203" pitchFamily="34" charset="0"/>
+                        </a:rPr>
+                        <a:t>Не задействует руки</a:t>
+                      </a:r>
+                      <a:endParaRPr lang="ru-RU" sz="2000" kern="100" dirty="0">
+                        <a:effectLst/>
+                        <a:latin typeface="Bahnschrift SemiLight" panose="020B0502040204020203" pitchFamily="34" charset="0"/>
+                        <a:ea typeface="Calibri" panose="020F0502020204030204" pitchFamily="34" charset="0"/>
+                        <a:cs typeface="Times New Roman" panose="02020603050405020304" pitchFamily="18" charset="0"/>
+                      </a:endParaRPr>
+                    </a:p>
+                  </a:txBody>
+                  <a:tcPr marL="51802" marR="51802" marT="0" marB="0" anchor="ctr"/>
+                </a:tc>
+                <a:tc>
+                  <a:txBody>
+                    <a:bodyPr/>
+                    <a:lstStyle/>
+                    <a:p>
+                      <a:pPr indent="0" algn="l">
+                        <a:lnSpc>
+                          <a:spcPct val="150000"/>
+                        </a:lnSpc>
+                        <a:spcAft>
+                          <a:spcPts val="0"/>
+                        </a:spcAft>
+                      </a:pPr>
+                      <a:r>
+                        <a:rPr lang="ru-RU" sz="2000" kern="100" dirty="0">
+                          <a:effectLst/>
+                          <a:latin typeface="Bahnschrift SemiLight" panose="020B0502040204020203" pitchFamily="34" charset="0"/>
+                        </a:rPr>
+                        <a:t>Нестабилен в шумной среде, не подходит при нарушениях речи</a:t>
+                      </a:r>
+                      <a:endParaRPr lang="ru-RU" sz="2000" kern="100" dirty="0">
+                        <a:effectLst/>
+                        <a:latin typeface="Bahnschrift SemiLight" panose="020B0502040204020203" pitchFamily="34" charset="0"/>
+                        <a:ea typeface="Calibri" panose="020F0502020204030204" pitchFamily="34" charset="0"/>
+                        <a:cs typeface="Times New Roman" panose="02020603050405020304" pitchFamily="18" charset="0"/>
+                      </a:endParaRPr>
+                    </a:p>
+                  </a:txBody>
+                  <a:tcPr marL="51802" marR="51802" marT="0" marB="0" anchor="ctr"/>
+                </a:tc>
+                <a:extLst>
+                  <a:ext uri="{0D108BD9-81ED-4DB2-BD59-A6C34878D82A}">
+                    <a16:rowId xmlns:a16="http://schemas.microsoft.com/office/drawing/2014/main" val="129982697"/>
+                  </a:ext>
+                </a:extLst>
+              </a:tr>
+              <a:tr h="1475223">
+                <a:tc>
+                  <a:txBody>
+                    <a:bodyPr/>
+                    <a:lstStyle/>
+                    <a:p>
+                      <a:pPr indent="0" algn="ctr">
+                        <a:lnSpc>
+                          <a:spcPct val="150000"/>
+                        </a:lnSpc>
+                        <a:spcAft>
+                          <a:spcPts val="0"/>
+                        </a:spcAft>
+                      </a:pPr>
+                      <a:r>
+                        <a:rPr lang="ru-RU" sz="2000" kern="100" dirty="0">
+                          <a:effectLst/>
+                          <a:latin typeface="Bahnschrift SemiLight" panose="020B0502040204020203" pitchFamily="34" charset="0"/>
+                        </a:rPr>
+                        <a:t>TrackBall (</a:t>
+                      </a:r>
+                      <a:r>
+                        <a:rPr lang="ru-RU" sz="2000" kern="100" dirty="0" err="1">
+                          <a:effectLst/>
+                          <a:latin typeface="Bahnschrift SemiLight" panose="020B0502040204020203" pitchFamily="34" charset="0"/>
+                        </a:rPr>
+                        <a:t>Logitech</a:t>
+                      </a:r>
+                      <a:r>
+                        <a:rPr lang="ru-RU" sz="2000" kern="100" dirty="0">
+                          <a:effectLst/>
+                          <a:latin typeface="Bahnschrift SemiLight" panose="020B0502040204020203" pitchFamily="34" charset="0"/>
+                        </a:rPr>
+                        <a:t> </a:t>
+                      </a:r>
+                      <a:r>
+                        <a:rPr lang="ru-RU" sz="2000" kern="100" dirty="0" err="1">
+                          <a:effectLst/>
+                          <a:latin typeface="Bahnschrift SemiLight" panose="020B0502040204020203" pitchFamily="34" charset="0"/>
+                        </a:rPr>
+                        <a:t>Marble</a:t>
+                      </a:r>
+                      <a:r>
+                        <a:rPr lang="ru-RU" sz="2000" kern="100" dirty="0">
+                          <a:effectLst/>
+                          <a:latin typeface="Bahnschrift SemiLight" panose="020B0502040204020203" pitchFamily="34" charset="0"/>
+                        </a:rPr>
+                        <a:t>)</a:t>
+                      </a:r>
+                      <a:endParaRPr lang="ru-RU" sz="2000" b="0" kern="100" dirty="0">
+                        <a:effectLst/>
+                        <a:latin typeface="Bahnschrift SemiLight" panose="020B0502040204020203" pitchFamily="34" charset="0"/>
+                        <a:ea typeface="Calibri" panose="020F0502020204030204" pitchFamily="34" charset="0"/>
+                        <a:cs typeface="Times New Roman" panose="02020603050405020304" pitchFamily="18" charset="0"/>
+                      </a:endParaRPr>
+                    </a:p>
+                  </a:txBody>
+                  <a:tcPr marL="51802" marR="51802" marT="0" marB="0" anchor="ctr"/>
+                </a:tc>
+                <a:tc>
+                  <a:txBody>
+                    <a:bodyPr/>
+                    <a:lstStyle/>
+                    <a:p>
+                      <a:pPr indent="0" algn="l">
+                        <a:lnSpc>
+                          <a:spcPct val="150000"/>
+                        </a:lnSpc>
+                        <a:spcAft>
+                          <a:spcPts val="0"/>
+                        </a:spcAft>
+                      </a:pPr>
+                      <a:r>
+                        <a:rPr lang="ru-RU" sz="2000" kern="100" dirty="0">
+                          <a:effectLst/>
+                          <a:latin typeface="Bahnschrift SemiLight" panose="020B0502040204020203" pitchFamily="34" charset="0"/>
+                        </a:rPr>
+                        <a:t>Контроль шариком пальцем</a:t>
+                      </a:r>
+                      <a:endParaRPr lang="ru-RU" sz="2000" kern="100" dirty="0">
+                        <a:effectLst/>
+                        <a:latin typeface="Bahnschrift SemiLight" panose="020B0502040204020203" pitchFamily="34" charset="0"/>
+                        <a:ea typeface="Calibri" panose="020F0502020204030204" pitchFamily="34" charset="0"/>
+                        <a:cs typeface="Times New Roman" panose="02020603050405020304" pitchFamily="18" charset="0"/>
+                      </a:endParaRPr>
+                    </a:p>
+                  </a:txBody>
+                  <a:tcPr marL="51802" marR="51802" marT="0" marB="0" anchor="ctr"/>
+                </a:tc>
+                <a:tc>
+                  <a:txBody>
+                    <a:bodyPr/>
+                    <a:lstStyle/>
+                    <a:p>
+                      <a:pPr indent="0" algn="l">
+                        <a:lnSpc>
+                          <a:spcPct val="150000"/>
+                        </a:lnSpc>
+                        <a:spcAft>
+                          <a:spcPts val="0"/>
+                        </a:spcAft>
+                      </a:pPr>
+                      <a:r>
+                        <a:rPr lang="ru-RU" sz="2000" kern="100" dirty="0">
+                          <a:effectLst/>
+                          <a:latin typeface="Bahnschrift SemiLight" panose="020B0502040204020203" pitchFamily="34" charset="0"/>
+                        </a:rPr>
+                        <a:t>Не задействует всю руку</a:t>
+                      </a:r>
+                      <a:endParaRPr lang="ru-RU" sz="2000" kern="100" dirty="0">
+                        <a:effectLst/>
+                        <a:latin typeface="Bahnschrift SemiLight" panose="020B0502040204020203" pitchFamily="34" charset="0"/>
+                        <a:ea typeface="Calibri" panose="020F0502020204030204" pitchFamily="34" charset="0"/>
+                        <a:cs typeface="Times New Roman" panose="02020603050405020304" pitchFamily="18" charset="0"/>
+                      </a:endParaRPr>
+                    </a:p>
+                  </a:txBody>
+                  <a:tcPr marL="51802" marR="51802" marT="0" marB="0" anchor="ctr"/>
+                </a:tc>
+                <a:tc>
+                  <a:txBody>
+                    <a:bodyPr/>
+                    <a:lstStyle/>
+                    <a:p>
+                      <a:pPr indent="0" algn="l">
+                        <a:lnSpc>
+                          <a:spcPct val="150000"/>
+                        </a:lnSpc>
+                        <a:spcAft>
+                          <a:spcPts val="0"/>
+                        </a:spcAft>
+                      </a:pPr>
+                      <a:r>
+                        <a:rPr lang="ru-RU" sz="2000" kern="100" dirty="0">
+                          <a:effectLst/>
+                          <a:latin typeface="Bahnschrift SemiLight" panose="020B0502040204020203" pitchFamily="34" charset="0"/>
+                        </a:rPr>
+                        <a:t>Требует точной мелкой моторики</a:t>
+                      </a:r>
+                      <a:endParaRPr lang="ru-RU" sz="2000" kern="100" dirty="0">
+                        <a:effectLst/>
+                        <a:latin typeface="Bahnschrift SemiLight" panose="020B0502040204020203" pitchFamily="34" charset="0"/>
+                        <a:ea typeface="Calibri" panose="020F0502020204030204" pitchFamily="34" charset="0"/>
+                        <a:cs typeface="Times New Roman" panose="02020603050405020304" pitchFamily="18" charset="0"/>
+                      </a:endParaRPr>
+                    </a:p>
+                  </a:txBody>
+                  <a:tcPr marL="51802" marR="51802" marT="0" marB="0" anchor="ctr"/>
+                </a:tc>
+                <a:extLst>
+                  <a:ext uri="{0D108BD9-81ED-4DB2-BD59-A6C34878D82A}">
+                    <a16:rowId xmlns:a16="http://schemas.microsoft.com/office/drawing/2014/main" val="1608799934"/>
+                  </a:ext>
+                </a:extLst>
+              </a:tr>
+            </a:tbl>
+          </a:graphicData>
+        </a:graphic>
+      </p:graphicFrame>
     </p:spTree>
     <p:extLst>
       <p:ext uri="{BB962C8B-B14F-4D97-AF65-F5344CB8AC3E}">
@@ -5549,6 +4686,13 @@
   <p:clrMapOvr>
     <a:masterClrMapping/>
   </p:clrMapOvr>
+  <p:timing>
+    <p:tnLst>
+      <p:par>
+        <p:cTn id="1" dur="indefinite" restart="never" nodeType="tmRoot"/>
+      </p:par>
+    </p:tnLst>
+  </p:timing>
 </p:sld>
 </file>
 
@@ -5645,7 +4789,7 @@
         </p:nvSpPr>
         <p:spPr>
           <a:xfrm>
-            <a:off x="109726" y="-819821"/>
+            <a:off x="0" y="-495037"/>
             <a:ext cx="10012682" cy="1386750"/>
           </a:xfrm>
         </p:spPr>
@@ -5656,157 +4800,14 @@
           <a:lstStyle/>
           <a:p>
             <a:r>
-              <a:rPr lang="ru-RU" sz="2000" dirty="0">
+              <a:rPr lang="ru-RU" sz="2000" i="1" dirty="0">
                 <a:solidFill>
                   <a:schemeClr val="tx1"/>
                 </a:solidFill>
-                <a:latin typeface="Bookman Old Style" panose="02050604050505020204" pitchFamily="18" charset="0"/>
+                <a:latin typeface="Bahnschrift SemiLight" panose="020B0502040204020203" pitchFamily="34" charset="0"/>
               </a:rPr>
               <a:t>Цели и задачи</a:t>
             </a:r>
-          </a:p>
-        </p:txBody>
-      </p:sp>
-      <p:sp>
-        <p:nvSpPr>
-          <p:cNvPr id="4" name="Прямоугольник 3">
-            <a:extLst>
-              <a:ext uri="{FF2B5EF4-FFF2-40B4-BE49-F238E27FC236}">
-                <a16:creationId xmlns:a16="http://schemas.microsoft.com/office/drawing/2014/main" id="{D9EE563A-335C-712A-9FB5-1557574909DB}"/>
-              </a:ext>
-            </a:extLst>
-          </p:cNvPr>
-          <p:cNvSpPr/>
-          <p:nvPr/>
-        </p:nvSpPr>
-        <p:spPr>
-          <a:xfrm>
-            <a:off x="2069718" y="-797450"/>
-            <a:ext cx="45719" cy="1450757"/>
-          </a:xfrm>
-          <a:prstGeom prst="rect">
-            <a:avLst/>
-          </a:prstGeom>
-          <a:noFill/>
-          <a:ln>
-            <a:solidFill>
-              <a:srgbClr val="E48312"/>
-            </a:solidFill>
-          </a:ln>
-        </p:spPr>
-        <p:style>
-          <a:lnRef idx="2">
-            <a:schemeClr val="accent1">
-              <a:shade val="15000"/>
-            </a:schemeClr>
-          </a:lnRef>
-          <a:fillRef idx="1">
-            <a:schemeClr val="accent1"/>
-          </a:fillRef>
-          <a:effectRef idx="0">
-            <a:schemeClr val="accent1"/>
-          </a:effectRef>
-          <a:fontRef idx="minor">
-            <a:schemeClr val="lt1"/>
-          </a:fontRef>
-        </p:style>
-        <p:txBody>
-          <a:bodyPr rtlCol="0" anchor="ctr"/>
-          <a:lstStyle/>
-          <a:p>
-            <a:pPr algn="ctr"/>
-            <a:endParaRPr lang="ru-RU"/>
-          </a:p>
-        </p:txBody>
-      </p:sp>
-      <p:sp>
-        <p:nvSpPr>
-          <p:cNvPr id="5" name="TextBox 4">
-            <a:extLst>
-              <a:ext uri="{FF2B5EF4-FFF2-40B4-BE49-F238E27FC236}">
-                <a16:creationId xmlns:a16="http://schemas.microsoft.com/office/drawing/2014/main" id="{06E62A24-9C7F-1118-985F-7B49F4C35241}"/>
-              </a:ext>
-            </a:extLst>
-          </p:cNvPr>
-          <p:cNvSpPr txBox="1"/>
-          <p:nvPr/>
-        </p:nvSpPr>
-        <p:spPr>
-          <a:xfrm>
-            <a:off x="2190083" y="193636"/>
-            <a:ext cx="2081784" cy="400110"/>
-          </a:xfrm>
-          <a:prstGeom prst="rect">
-            <a:avLst/>
-          </a:prstGeom>
-          <a:noFill/>
-        </p:spPr>
-        <p:txBody>
-          <a:bodyPr wrap="square" rtlCol="0">
-            <a:spAutoFit/>
-          </a:bodyPr>
-          <a:lstStyle/>
-          <a:p>
-            <a:r>
-              <a:rPr lang="ru-RU" sz="2000" dirty="0">
-                <a:latin typeface="Bookman Old Style" panose="02050604050505020204" pitchFamily="18" charset="0"/>
-              </a:rPr>
-              <a:t>4</a:t>
-            </a:r>
-          </a:p>
-        </p:txBody>
-      </p:sp>
-      <p:sp>
-        <p:nvSpPr>
-          <p:cNvPr id="22" name="Прямоугольник 21">
-            <a:extLst>
-              <a:ext uri="{FF2B5EF4-FFF2-40B4-BE49-F238E27FC236}">
-                <a16:creationId xmlns:a16="http://schemas.microsoft.com/office/drawing/2014/main" id="{7E6AE28F-6826-E577-6D2F-42C00070F626}"/>
-              </a:ext>
-            </a:extLst>
-          </p:cNvPr>
-          <p:cNvSpPr/>
-          <p:nvPr/>
-        </p:nvSpPr>
-        <p:spPr>
-          <a:xfrm>
-            <a:off x="3657599" y="6407945"/>
-            <a:ext cx="960121" cy="450056"/>
-          </a:xfrm>
-          <a:prstGeom prst="rect">
-            <a:avLst/>
-          </a:prstGeom>
-          <a:solidFill>
-            <a:srgbClr val="BD582C"/>
-          </a:solidFill>
-          <a:ln>
-            <a:solidFill>
-              <a:srgbClr val="BD582C"/>
-            </a:solidFill>
-          </a:ln>
-        </p:spPr>
-        <p:style>
-          <a:lnRef idx="2">
-            <a:schemeClr val="accent1">
-              <a:shade val="15000"/>
-            </a:schemeClr>
-          </a:lnRef>
-          <a:fillRef idx="1">
-            <a:schemeClr val="accent1"/>
-          </a:fillRef>
-          <a:effectRef idx="0">
-            <a:schemeClr val="accent1"/>
-          </a:effectRef>
-          <a:fontRef idx="minor">
-            <a:schemeClr val="lt1"/>
-          </a:fontRef>
-        </p:style>
-        <p:txBody>
-          <a:bodyPr rtlCol="0" anchor="ctr"/>
-          <a:lstStyle/>
-          <a:p>
-            <a:pPr algn="ctr"/>
-            <a:endParaRPr lang="ru-RU"/>
           </a:p>
         </p:txBody>
       </p:sp>
@@ -5824,8 +4825,8 @@
         </p:nvSpPr>
         <p:spPr>
           <a:xfrm>
-            <a:off x="365413" y="732856"/>
-            <a:ext cx="8904443" cy="707886"/>
+            <a:off x="374649" y="293102"/>
+            <a:ext cx="8904443" cy="1015663"/>
           </a:xfrm>
           <a:prstGeom prst="rect">
             <a:avLst/>
@@ -5838,28 +4839,32 @@
           </a:bodyPr>
           <a:lstStyle/>
           <a:p>
-            <a:pPr algn="just"/>
+            <a:pPr algn="just">
+              <a:lnSpc>
+                <a:spcPct val="150000"/>
+              </a:lnSpc>
+            </a:pPr>
             <a:r>
               <a:rPr lang="ru-RU" sz="2000" b="1" dirty="0">
-                <a:latin typeface="Bookman Old Style" panose="02050604050505020204" pitchFamily="18" charset="0"/>
+                <a:latin typeface="Bahnschrift SemiLight" panose="020B0502040204020203" pitchFamily="34" charset="0"/>
               </a:rPr>
               <a:t>Целью работы </a:t>
             </a:r>
             <a:r>
               <a:rPr lang="ru-RU" sz="2000" dirty="0">
-                <a:latin typeface="Bookman Old Style" panose="02050604050505020204" pitchFamily="18" charset="0"/>
+                <a:latin typeface="Bahnschrift SemiLight" panose="020B0502040204020203" pitchFamily="34" charset="0"/>
               </a:rPr>
               <a:t>является</a:t>
             </a:r>
             <a:r>
               <a:rPr lang="ru-RU" sz="2000" b="1" dirty="0">
-                <a:latin typeface="Bookman Old Style" panose="02050604050505020204" pitchFamily="18" charset="0"/>
+                <a:latin typeface="Bahnschrift SemiLight" panose="020B0502040204020203" pitchFamily="34" charset="0"/>
               </a:rPr>
               <a:t> </a:t>
             </a:r>
             <a:r>
               <a:rPr lang="ru-RU" sz="2000" dirty="0">
-                <a:latin typeface="Bookman Old Style" panose="02050604050505020204" pitchFamily="18" charset="0"/>
+                <a:latin typeface="Bahnschrift SemiLight" panose="020B0502040204020203" pitchFamily="34" charset="0"/>
               </a:rPr>
               <a:t>создание механического манипулятора, обеспечивающего:</a:t>
             </a:r>
@@ -5880,8 +4885,8 @@
         </p:nvSpPr>
         <p:spPr>
           <a:xfrm>
-            <a:off x="883384" y="1426330"/>
-            <a:ext cx="6508549" cy="1631216"/>
+            <a:off x="1124712" y="1240656"/>
+            <a:ext cx="6508549" cy="2400657"/>
           </a:xfrm>
           <a:prstGeom prst="rect">
             <a:avLst/>
@@ -5895,48 +4900,60 @@
           <a:lstStyle/>
           <a:p>
             <a:pPr marL="342900" indent="-342900">
+              <a:lnSpc>
+                <a:spcPct val="150000"/>
+              </a:lnSpc>
               <a:buFont typeface="Arial" panose="020B0604020202020204" pitchFamily="34" charset="0"/>
               <a:buChar char="•"/>
             </a:pPr>
             <a:r>
               <a:rPr lang="ru-RU" sz="2000" dirty="0">
-                <a:latin typeface="Bookman Old Style" panose="02050604050505020204" pitchFamily="18" charset="0"/>
+                <a:latin typeface="Bahnschrift SemiLight" panose="020B0502040204020203" pitchFamily="34" charset="0"/>
               </a:rPr>
               <a:t>Стабильное и точное управление курсором</a:t>
             </a:r>
           </a:p>
           <a:p>
             <a:pPr marL="342900" indent="-342900">
+              <a:lnSpc>
+                <a:spcPct val="150000"/>
+              </a:lnSpc>
               <a:buFont typeface="Arial" panose="020B0604020202020204" pitchFamily="34" charset="0"/>
               <a:buChar char="•"/>
             </a:pPr>
             <a:r>
               <a:rPr lang="ru-RU" sz="2000" dirty="0">
-                <a:latin typeface="Bookman Old Style" panose="02050604050505020204" pitchFamily="18" charset="0"/>
+                <a:latin typeface="Bahnschrift SemiLight" panose="020B0502040204020203" pitchFamily="34" charset="0"/>
               </a:rPr>
               <a:t>Пассивную физическую стабилизацию руки</a:t>
             </a:r>
           </a:p>
           <a:p>
             <a:pPr marL="342900" indent="-342900">
+              <a:lnSpc>
+                <a:spcPct val="150000"/>
+              </a:lnSpc>
               <a:buFont typeface="Arial" panose="020B0604020202020204" pitchFamily="34" charset="0"/>
               <a:buChar char="•"/>
             </a:pPr>
             <a:r>
               <a:rPr lang="ru-RU" sz="2000" dirty="0">
-                <a:latin typeface="Bookman Old Style" panose="02050604050505020204" pitchFamily="18" charset="0"/>
+                <a:latin typeface="Bahnschrift SemiLight" panose="020B0502040204020203" pitchFamily="34" charset="0"/>
               </a:rPr>
               <a:t>Отсутствие сложной калибровки</a:t>
             </a:r>
           </a:p>
           <a:p>
             <a:pPr marL="342900" indent="-342900">
+              <a:lnSpc>
+                <a:spcPct val="150000"/>
+              </a:lnSpc>
               <a:buFont typeface="Arial" panose="020B0604020202020204" pitchFamily="34" charset="0"/>
               <a:buChar char="•"/>
             </a:pPr>
             <a:r>
               <a:rPr lang="ru-RU" sz="2000" dirty="0">
-                <a:latin typeface="Bookman Old Style" panose="02050604050505020204" pitchFamily="18" charset="0"/>
+                <a:latin typeface="Bahnschrift SemiLight" panose="020B0502040204020203" pitchFamily="34" charset="0"/>
               </a:rPr>
               <a:t>Работа в любой среде, с плохим освещением или в шумных местах по типу офиса</a:t>
             </a:r>
@@ -5957,7 +4974,7 @@
         </p:nvSpPr>
         <p:spPr>
           <a:xfrm>
-            <a:off x="4510583" y="3401676"/>
+            <a:off x="3351978" y="4096958"/>
             <a:ext cx="5477256" cy="400110"/>
           </a:xfrm>
           <a:prstGeom prst="rect">
@@ -5972,8 +4989,8 @@
           <a:lstStyle/>
           <a:p>
             <a:r>
-              <a:rPr lang="ru-RU" sz="2000" dirty="0">
-                <a:latin typeface="Bookman Old Style" panose="02050604050505020204" pitchFamily="18" charset="0"/>
+              <a:rPr lang="ru-RU" sz="2000" b="1" dirty="0">
+                <a:latin typeface="Bahnschrift SemiLight" panose="020B0502040204020203" pitchFamily="34" charset="0"/>
               </a:rPr>
               <a:t>Задачи проекта:</a:t>
             </a:r>
@@ -5994,8 +5011,8 @@
         </p:nvSpPr>
         <p:spPr>
           <a:xfrm>
-            <a:off x="5032499" y="3601731"/>
-            <a:ext cx="6812280" cy="2246769"/>
+            <a:off x="4137658" y="4060412"/>
+            <a:ext cx="7508933" cy="2400657"/>
           </a:xfrm>
           <a:prstGeom prst="rect">
             <a:avLst/>
@@ -6008,111 +5025,74 @@
           </a:bodyPr>
           <a:lstStyle/>
           <a:p>
+            <a:pPr>
+              <a:lnSpc>
+                <a:spcPct val="150000"/>
+              </a:lnSpc>
+            </a:pPr>
             <a:endParaRPr lang="ru-RU" sz="2000" dirty="0">
-              <a:latin typeface="Bookman Old Style" panose="02050604050505020204" pitchFamily="18" charset="0"/>
+              <a:latin typeface="Bahnschrift SemiLight" panose="020B0502040204020203" pitchFamily="34" charset="0"/>
             </a:endParaRPr>
           </a:p>
           <a:p>
             <a:pPr marL="342900" indent="-342900">
+              <a:lnSpc>
+                <a:spcPct val="150000"/>
+              </a:lnSpc>
               <a:buFont typeface="+mj-lt"/>
               <a:buAutoNum type="arabicPeriod"/>
             </a:pPr>
             <a:r>
               <a:rPr lang="ru-RU" sz="2000" dirty="0">
-                <a:latin typeface="Bookman Old Style" panose="02050604050505020204" pitchFamily="18" charset="0"/>
+                <a:latin typeface="Bahnschrift SemiLight" panose="020B0502040204020203" pitchFamily="34" charset="0"/>
               </a:rPr>
               <a:t>Подобрать материалы и электрические компоненты</a:t>
             </a:r>
           </a:p>
           <a:p>
             <a:pPr marL="342900" indent="-342900">
+              <a:lnSpc>
+                <a:spcPct val="150000"/>
+              </a:lnSpc>
               <a:buFont typeface="+mj-lt"/>
               <a:buAutoNum type="arabicPeriod"/>
             </a:pPr>
             <a:r>
               <a:rPr lang="ru-RU" sz="2000" dirty="0">
-                <a:latin typeface="Bookman Old Style" panose="02050604050505020204" pitchFamily="18" charset="0"/>
+                <a:latin typeface="Bahnschrift SemiLight" panose="020B0502040204020203" pitchFamily="34" charset="0"/>
               </a:rPr>
               <a:t>Разработать 3D-модель корпуса с учетом эргономики</a:t>
             </a:r>
           </a:p>
           <a:p>
             <a:pPr marL="342900" indent="-342900">
+              <a:lnSpc>
+                <a:spcPct val="150000"/>
+              </a:lnSpc>
               <a:buFont typeface="+mj-lt"/>
               <a:buAutoNum type="arabicPeriod"/>
             </a:pPr>
             <a:r>
               <a:rPr lang="ru-RU" sz="2000" dirty="0">
-                <a:latin typeface="Bookman Old Style" panose="02050604050505020204" pitchFamily="18" charset="0"/>
+                <a:latin typeface="Bahnschrift SemiLight" panose="020B0502040204020203" pitchFamily="34" charset="0"/>
               </a:rPr>
               <a:t>Распечатать и запрограммировать устройство</a:t>
             </a:r>
           </a:p>
           <a:p>
             <a:pPr marL="342900" indent="-342900">
+              <a:lnSpc>
+                <a:spcPct val="150000"/>
+              </a:lnSpc>
               <a:buFont typeface="+mj-lt"/>
               <a:buAutoNum type="arabicPeriod"/>
             </a:pPr>
             <a:r>
               <a:rPr lang="ru-RU" sz="2000" dirty="0">
-                <a:latin typeface="Bookman Old Style" panose="02050604050505020204" pitchFamily="18" charset="0"/>
+                <a:latin typeface="Bahnschrift SemiLight" panose="020B0502040204020203" pitchFamily="34" charset="0"/>
               </a:rPr>
               <a:t>Протестировать функциональность</a:t>
             </a:r>
-          </a:p>
-        </p:txBody>
-      </p:sp>
-      <p:sp>
-        <p:nvSpPr>
-          <p:cNvPr id="11" name="Прямоугольник 10">
-            <a:extLst>
-              <a:ext uri="{FF2B5EF4-FFF2-40B4-BE49-F238E27FC236}">
-                <a16:creationId xmlns:a16="http://schemas.microsoft.com/office/drawing/2014/main" id="{AA5BDCBD-3ED4-5058-EC0B-E05F263AF05E}"/>
-              </a:ext>
-            </a:extLst>
-          </p:cNvPr>
-          <p:cNvSpPr/>
-          <p:nvPr/>
-        </p:nvSpPr>
-        <p:spPr>
-          <a:xfrm rot="17251257">
-            <a:off x="8887494" y="-5332016"/>
-            <a:ext cx="4523020" cy="7668347"/>
-          </a:xfrm>
-          <a:prstGeom prst="rect">
-            <a:avLst/>
-          </a:prstGeom>
-          <a:solidFill>
-            <a:srgbClr val="BD582C"/>
-          </a:solidFill>
-          <a:ln w="57150">
-            <a:solidFill>
-              <a:srgbClr val="E48312"/>
-            </a:solidFill>
-          </a:ln>
-        </p:spPr>
-        <p:style>
-          <a:lnRef idx="2">
-            <a:schemeClr val="accent1">
-              <a:shade val="15000"/>
-            </a:schemeClr>
-          </a:lnRef>
-          <a:fillRef idx="1">
-            <a:schemeClr val="accent1"/>
-          </a:fillRef>
-          <a:effectRef idx="0">
-            <a:schemeClr val="accent1"/>
-          </a:effectRef>
-          <a:fontRef idx="minor">
-            <a:schemeClr val="lt1"/>
-          </a:fontRef>
-        </p:style>
-        <p:txBody>
-          <a:bodyPr rtlCol="0" anchor="ctr"/>
-          <a:lstStyle/>
-          <a:p>
-            <a:pPr algn="ctr"/>
-            <a:endParaRPr lang="ru-RU"/>
           </a:p>
         </p:txBody>
       </p:sp>
@@ -6126,6 +5106,13 @@
   <p:clrMapOvr>
     <a:masterClrMapping/>
   </p:clrMapOvr>
+  <p:timing>
+    <p:tnLst>
+      <p:par>
+        <p:cTn id="1" dur="indefinite" restart="never" nodeType="tmRoot"/>
+      </p:par>
+    </p:tnLst>
+  </p:timing>
 </p:sld>
 </file>
 
@@ -6206,60 +5193,6 @@
       </p:sp>
       <p:sp>
         <p:nvSpPr>
-          <p:cNvPr id="14" name="Прямоугольник 13">
-            <a:extLst>
-              <a:ext uri="{FF2B5EF4-FFF2-40B4-BE49-F238E27FC236}">
-                <a16:creationId xmlns:a16="http://schemas.microsoft.com/office/drawing/2014/main" id="{AA5BDCBD-3ED4-5058-EC0B-E05F263AF05E}"/>
-              </a:ext>
-            </a:extLst>
-          </p:cNvPr>
-          <p:cNvSpPr/>
-          <p:nvPr/>
-        </p:nvSpPr>
-        <p:spPr>
-          <a:xfrm>
-            <a:off x="11722607" y="-672235"/>
-            <a:ext cx="582157" cy="7668347"/>
-          </a:xfrm>
-          <a:prstGeom prst="rect">
-            <a:avLst/>
-          </a:prstGeom>
-          <a:solidFill>
-            <a:srgbClr val="BD582C"/>
-          </a:solidFill>
-          <a:ln w="57150">
-            <a:solidFill>
-              <a:srgbClr val="E48312"/>
-            </a:solidFill>
-          </a:ln>
-        </p:spPr>
-        <p:style>
-          <a:lnRef idx="2">
-            <a:schemeClr val="accent1">
-              <a:shade val="15000"/>
-            </a:schemeClr>
-          </a:lnRef>
-          <a:fillRef idx="1">
-            <a:schemeClr val="accent1"/>
-          </a:fillRef>
-          <a:effectRef idx="0">
-            <a:schemeClr val="accent1"/>
-          </a:effectRef>
-          <a:fontRef idx="minor">
-            <a:schemeClr val="lt1"/>
-          </a:fontRef>
-        </p:style>
-        <p:txBody>
-          <a:bodyPr rtlCol="0" anchor="ctr"/>
-          <a:lstStyle/>
-          <a:p>
-            <a:pPr algn="ctr"/>
-            <a:endParaRPr lang="ru-RU"/>
-          </a:p>
-        </p:txBody>
-      </p:sp>
-      <p:sp>
-        <p:nvSpPr>
           <p:cNvPr id="2" name="Заголовок 1">
             <a:extLst>
               <a:ext uri="{FF2B5EF4-FFF2-40B4-BE49-F238E27FC236}">
@@ -6276,7 +5209,7 @@
         </p:nvSpPr>
         <p:spPr>
           <a:xfrm>
-            <a:off x="164590" y="-813105"/>
+            <a:off x="0" y="-532221"/>
             <a:ext cx="10012682" cy="1386750"/>
           </a:xfrm>
         </p:spPr>
@@ -6287,157 +5220,14 @@
           <a:lstStyle/>
           <a:p>
             <a:r>
-              <a:rPr lang="ru-RU" sz="2000" dirty="0">
+              <a:rPr lang="ru-RU" sz="2000" i="1" dirty="0">
                 <a:solidFill>
                   <a:schemeClr val="tx1"/>
                 </a:solidFill>
-                <a:latin typeface="Bookman Old Style" panose="02050604050505020204" pitchFamily="18" charset="0"/>
+                <a:latin typeface="Bahnschrift SemiLight" panose="020B0502040204020203" pitchFamily="34" charset="0"/>
               </a:rPr>
               <a:t>Ценообразование</a:t>
             </a:r>
-          </a:p>
-        </p:txBody>
-      </p:sp>
-      <p:sp>
-        <p:nvSpPr>
-          <p:cNvPr id="4" name="Прямоугольник 3">
-            <a:extLst>
-              <a:ext uri="{FF2B5EF4-FFF2-40B4-BE49-F238E27FC236}">
-                <a16:creationId xmlns:a16="http://schemas.microsoft.com/office/drawing/2014/main" id="{50D8E95B-08D3-E8D8-CE53-CD07F9EC224A}"/>
-              </a:ext>
-            </a:extLst>
-          </p:cNvPr>
-          <p:cNvSpPr/>
-          <p:nvPr/>
-        </p:nvSpPr>
-        <p:spPr>
-          <a:xfrm>
-            <a:off x="2615184" y="-812723"/>
-            <a:ext cx="45719" cy="1450757"/>
-          </a:xfrm>
-          <a:prstGeom prst="rect">
-            <a:avLst/>
-          </a:prstGeom>
-          <a:noFill/>
-          <a:ln>
-            <a:solidFill>
-              <a:srgbClr val="E48312"/>
-            </a:solidFill>
-          </a:ln>
-        </p:spPr>
-        <p:style>
-          <a:lnRef idx="2">
-            <a:schemeClr val="accent1">
-              <a:shade val="15000"/>
-            </a:schemeClr>
-          </a:lnRef>
-          <a:fillRef idx="1">
-            <a:schemeClr val="accent1"/>
-          </a:fillRef>
-          <a:effectRef idx="0">
-            <a:schemeClr val="accent1"/>
-          </a:effectRef>
-          <a:fontRef idx="minor">
-            <a:schemeClr val="lt1"/>
-          </a:fontRef>
-        </p:style>
-        <p:txBody>
-          <a:bodyPr rtlCol="0" anchor="ctr"/>
-          <a:lstStyle/>
-          <a:p>
-            <a:pPr algn="ctr"/>
-            <a:endParaRPr lang="ru-RU"/>
-          </a:p>
-        </p:txBody>
-      </p:sp>
-      <p:sp>
-        <p:nvSpPr>
-          <p:cNvPr id="5" name="TextBox 4">
-            <a:extLst>
-              <a:ext uri="{FF2B5EF4-FFF2-40B4-BE49-F238E27FC236}">
-                <a16:creationId xmlns:a16="http://schemas.microsoft.com/office/drawing/2014/main" id="{CE5DAC9B-18CA-CB75-84C2-2AB8C4514128}"/>
-              </a:ext>
-            </a:extLst>
-          </p:cNvPr>
-          <p:cNvSpPr txBox="1"/>
-          <p:nvPr/>
-        </p:nvSpPr>
-        <p:spPr>
-          <a:xfrm>
-            <a:off x="2660903" y="173535"/>
-            <a:ext cx="2081784" cy="400110"/>
-          </a:xfrm>
-          <a:prstGeom prst="rect">
-            <a:avLst/>
-          </a:prstGeom>
-          <a:noFill/>
-        </p:spPr>
-        <p:txBody>
-          <a:bodyPr wrap="square" rtlCol="0">
-            <a:spAutoFit/>
-          </a:bodyPr>
-          <a:lstStyle/>
-          <a:p>
-            <a:r>
-              <a:rPr lang="ru-RU" sz="2000" dirty="0">
-                <a:latin typeface="Bookman Old Style" panose="02050604050505020204" pitchFamily="18" charset="0"/>
-              </a:rPr>
-              <a:t>5</a:t>
-            </a:r>
-          </a:p>
-        </p:txBody>
-      </p:sp>
-      <p:sp>
-        <p:nvSpPr>
-          <p:cNvPr id="22" name="Прямоугольник 21">
-            <a:extLst>
-              <a:ext uri="{FF2B5EF4-FFF2-40B4-BE49-F238E27FC236}">
-                <a16:creationId xmlns:a16="http://schemas.microsoft.com/office/drawing/2014/main" id="{20E5DE26-4D9B-5C26-9E1A-51DE74FCA589}"/>
-              </a:ext>
-            </a:extLst>
-          </p:cNvPr>
-          <p:cNvSpPr/>
-          <p:nvPr/>
-        </p:nvSpPr>
-        <p:spPr>
-          <a:xfrm>
-            <a:off x="10454637" y="6407944"/>
-            <a:ext cx="960121" cy="450056"/>
-          </a:xfrm>
-          <a:prstGeom prst="rect">
-            <a:avLst/>
-          </a:prstGeom>
-          <a:solidFill>
-            <a:srgbClr val="BD582C"/>
-          </a:solidFill>
-          <a:ln>
-            <a:solidFill>
-              <a:srgbClr val="BD582C"/>
-            </a:solidFill>
-          </a:ln>
-        </p:spPr>
-        <p:style>
-          <a:lnRef idx="2">
-            <a:schemeClr val="accent1">
-              <a:shade val="15000"/>
-            </a:schemeClr>
-          </a:lnRef>
-          <a:fillRef idx="1">
-            <a:schemeClr val="accent1"/>
-          </a:fillRef>
-          <a:effectRef idx="0">
-            <a:schemeClr val="accent1"/>
-          </a:effectRef>
-          <a:fontRef idx="minor">
-            <a:schemeClr val="lt1"/>
-          </a:fontRef>
-        </p:style>
-        <p:txBody>
-          <a:bodyPr rtlCol="0" anchor="ctr"/>
-          <a:lstStyle/>
-          <a:p>
-            <a:pPr algn="ctr"/>
-            <a:endParaRPr lang="ru-RU"/>
           </a:p>
         </p:txBody>
       </p:sp>
@@ -6450,14 +5240,14 @@
           <p:nvPr>
             <p:extLst>
               <p:ext uri="{D42A27DB-BD31-4B8C-83A1-F6EECF244321}">
-                <p14:modId xmlns:p14="http://schemas.microsoft.com/office/powerpoint/2010/main" val="1429410467"/>
+                <p14:modId xmlns:p14="http://schemas.microsoft.com/office/powerpoint/2010/main" val="548785274"/>
               </p:ext>
             </p:extLst>
           </p:nvPr>
         </p:nvGraphicFramePr>
         <p:xfrm>
-          <a:off x="354515" y="980471"/>
-          <a:ext cx="3062373" cy="5017159"/>
+          <a:off x="391461" y="546362"/>
+          <a:ext cx="3635594" cy="5937566"/>
         </p:xfrm>
         <a:graphic>
           <a:graphicData uri="http://schemas.openxmlformats.org/drawingml/2006/table">
@@ -6466,14 +5256,14 @@
                 <a:tableStyleId>{5C22544A-7EE6-4342-B048-85BDC9FD1C3A}</a:tableStyleId>
               </a:tblPr>
               <a:tblGrid>
-                <a:gridCol w="2355459">
+                <a:gridCol w="2796359">
                   <a:extLst>
                     <a:ext uri="{9D8B030D-6E8A-4147-A177-3AD203B41FA5}">
                       <a16:colId xmlns:a16="http://schemas.microsoft.com/office/drawing/2014/main" val="3099359889"/>
                     </a:ext>
                   </a:extLst>
                 </a:gridCol>
-                <a:gridCol w="706914">
+                <a:gridCol w="839235">
                   <a:extLst>
                     <a:ext uri="{9D8B030D-6E8A-4147-A177-3AD203B41FA5}">
                       <a16:colId xmlns:a16="http://schemas.microsoft.com/office/drawing/2014/main" val="2146182567"/>
@@ -6481,7 +5271,7 @@
                   </a:extLst>
                 </a:gridCol>
               </a:tblGrid>
-              <a:tr h="1079238">
+              <a:tr h="1277226">
                 <a:tc>
                   <a:txBody>
                     <a:bodyPr/>
@@ -6562,7 +5352,7 @@
                   </a:ext>
                 </a:extLst>
               </a:tr>
-              <a:tr h="1202834">
+              <a:tr h="1423496">
                 <a:tc>
                   <a:txBody>
                     <a:bodyPr/>
@@ -6645,7 +5435,7 @@
                   </a:ext>
                 </a:extLst>
               </a:tr>
-              <a:tr h="2217498">
+              <a:tr h="2624302">
                 <a:tc>
                   <a:txBody>
                     <a:bodyPr/>
@@ -6740,7 +5530,7 @@
                   </a:ext>
                 </a:extLst>
               </a:tr>
-              <a:tr h="433054">
+              <a:tr h="612542">
                 <a:tc>
                   <a:txBody>
                     <a:bodyPr/>
@@ -6759,7 +5549,35 @@
                           <a:effectLst/>
                           <a:latin typeface="Bookman Old Style" panose="02050604050505020204" pitchFamily="18" charset="0"/>
                         </a:rPr>
-                        <a:t>Итого розничная себестоимость</a:t>
+                        <a:t>Итого </a:t>
+                      </a:r>
+                      <a:r>
+                        <a:rPr lang="ru-RU" sz="1200" b="0" kern="100" dirty="0" smtClean="0">
+                          <a:effectLst/>
+                          <a:latin typeface="Bookman Old Style" panose="02050604050505020204" pitchFamily="18" charset="0"/>
+                        </a:rPr>
+                        <a:t>розничная(самодельная</a:t>
+                      </a:r>
+                      <a:r>
+                        <a:rPr lang="en-US" sz="1200" b="0" kern="100" dirty="0" smtClean="0">
+                          <a:effectLst/>
+                          <a:latin typeface="Bookman Old Style" panose="02050604050505020204" pitchFamily="18" charset="0"/>
+                        </a:rPr>
+                        <a:t>)</a:t>
+                      </a:r>
+                      <a:r>
+                        <a:rPr lang="ru-RU" sz="1200" b="0" kern="100" dirty="0" smtClean="0">
+                          <a:effectLst/>
+                          <a:latin typeface="Bookman Old Style" panose="02050604050505020204" pitchFamily="18" charset="0"/>
+                        </a:rPr>
+                        <a:t> </a:t>
+                      </a:r>
+                      <a:r>
+                        <a:rPr lang="ru-RU" sz="1200" b="0" kern="100" dirty="0">
+                          <a:effectLst/>
+                          <a:latin typeface="Bookman Old Style" panose="02050604050505020204" pitchFamily="18" charset="0"/>
+                        </a:rPr>
+                        <a:t>себестоимость</a:t>
                       </a:r>
                       <a:endParaRPr lang="ru-RU" sz="1200" b="0" kern="100" dirty="0">
                         <a:effectLst/>
@@ -6820,14 +5638,14 @@
           <p:nvPr>
             <p:extLst>
               <p:ext uri="{D42A27DB-BD31-4B8C-83A1-F6EECF244321}">
-                <p14:modId xmlns:p14="http://schemas.microsoft.com/office/powerpoint/2010/main" val="431335658"/>
+                <p14:modId xmlns:p14="http://schemas.microsoft.com/office/powerpoint/2010/main" val="2613232126"/>
               </p:ext>
             </p:extLst>
           </p:nvPr>
         </p:nvGraphicFramePr>
         <p:xfrm>
-          <a:off x="4225683" y="373590"/>
-          <a:ext cx="6574755" cy="5731875"/>
+          <a:off x="4336520" y="299699"/>
+          <a:ext cx="7421372" cy="6184229"/>
         </p:xfrm>
         <a:graphic>
           <a:graphicData uri="http://schemas.openxmlformats.org/drawingml/2006/table">
@@ -6836,21 +5654,21 @@
                 <a:tableStyleId>{5C22544A-7EE6-4342-B048-85BDC9FD1C3A}</a:tableStyleId>
               </a:tblPr>
               <a:tblGrid>
-                <a:gridCol w="2488983">
+                <a:gridCol w="2809484">
                   <a:extLst>
                     <a:ext uri="{9D8B030D-6E8A-4147-A177-3AD203B41FA5}">
                       <a16:colId xmlns:a16="http://schemas.microsoft.com/office/drawing/2014/main" val="1747071466"/>
                     </a:ext>
                   </a:extLst>
                 </a:gridCol>
-                <a:gridCol w="1153466">
+                <a:gridCol w="1301995">
                   <a:extLst>
                     <a:ext uri="{9D8B030D-6E8A-4147-A177-3AD203B41FA5}">
                       <a16:colId xmlns:a16="http://schemas.microsoft.com/office/drawing/2014/main" val="492268831"/>
                     </a:ext>
                   </a:extLst>
                 </a:gridCol>
-                <a:gridCol w="2932306">
+                <a:gridCol w="3309893">
                   <a:extLst>
                     <a:ext uri="{9D8B030D-6E8A-4147-A177-3AD203B41FA5}">
                       <a16:colId xmlns:a16="http://schemas.microsoft.com/office/drawing/2014/main" val="3041403376"/>
@@ -6858,7 +5676,7 @@
                   </a:extLst>
                 </a:gridCol>
               </a:tblGrid>
-              <a:tr h="684725">
+              <a:tr h="738763">
                 <a:tc>
                   <a:txBody>
                     <a:bodyPr/>
@@ -6955,7 +5773,7 @@
                   </a:ext>
                 </a:extLst>
               </a:tr>
-              <a:tr h="940875">
+              <a:tr h="1015128">
                 <a:tc>
                   <a:txBody>
                     <a:bodyPr/>
@@ -7066,7 +5884,7 @@
                   </a:ext>
                 </a:extLst>
               </a:tr>
-              <a:tr h="1034473">
+              <a:tr h="1446344">
                 <a:tc>
                   <a:txBody>
                     <a:bodyPr/>
@@ -7191,7 +6009,7 @@
                   </a:ext>
                 </a:extLst>
               </a:tr>
-              <a:tr h="1159092">
+              <a:tr h="1250566">
                 <a:tc>
                   <a:txBody>
                     <a:bodyPr/>
@@ -7302,7 +6120,7 @@
                   </a:ext>
                 </a:extLst>
               </a:tr>
-              <a:tr h="921909">
+              <a:tr h="994665">
                 <a:tc>
                   <a:txBody>
                     <a:bodyPr/>
@@ -7399,7 +6217,7 @@
                   </a:ext>
                 </a:extLst>
               </a:tr>
-              <a:tr h="684725">
+              <a:tr h="738763">
                 <a:tc>
                   <a:txBody>
                     <a:bodyPr/>
@@ -7524,6 +6342,13 @@
   <p:clrMapOvr>
     <a:masterClrMapping/>
   </p:clrMapOvr>
+  <p:timing>
+    <p:tnLst>
+      <p:par>
+        <p:cTn id="1" dur="indefinite" restart="never" nodeType="tmRoot"/>
+      </p:par>
+    </p:tnLst>
+  </p:timing>
 </p:sld>
 </file>
 
@@ -7550,6 +6375,47 @@
           <a:chExt cx="0" cy="0"/>
         </a:xfrm>
       </p:grpSpPr>
+      <p:pic>
+        <p:nvPicPr>
+          <p:cNvPr id="2052" name="Picture 4" descr="Picture background"/>
+          <p:cNvPicPr>
+            <a:picLocks noChangeAspect="1" noChangeArrowheads="1"/>
+          </p:cNvPicPr>
+          <p:nvPr/>
+        </p:nvPicPr>
+        <p:blipFill>
+          <a:blip r:embed="rId2">
+            <a:extLst>
+              <a:ext uri="{28A0092B-C50C-407E-A947-70E740481C1C}">
+                <a14:useLocalDpi xmlns:a14="http://schemas.microsoft.com/office/drawing/2010/main" val="0"/>
+              </a:ext>
+            </a:extLst>
+          </a:blip>
+          <a:srcRect/>
+          <a:stretch>
+            <a:fillRect/>
+          </a:stretch>
+        </p:blipFill>
+        <p:spPr bwMode="auto">
+          <a:xfrm>
+            <a:off x="9258648" y="2190950"/>
+            <a:ext cx="2107335" cy="2107336"/>
+          </a:xfrm>
+          <a:prstGeom prst="rect">
+            <a:avLst/>
+          </a:prstGeom>
+          <a:noFill/>
+          <a:extLst>
+            <a:ext uri="{909E8E84-426E-40DD-AFC4-6F175D3DCCD1}">
+              <a14:hiddenFill xmlns:a14="http://schemas.microsoft.com/office/drawing/2010/main">
+                <a:solidFill>
+                  <a:srgbClr val="FFFFFF"/>
+                </a:solidFill>
+              </a14:hiddenFill>
+            </a:ext>
+          </a:extLst>
+        </p:spPr>
+      </p:pic>
       <p:sp>
         <p:nvSpPr>
           <p:cNvPr id="10" name="Прямоугольник 9">
@@ -7604,60 +6470,6 @@
       </p:sp>
       <p:sp>
         <p:nvSpPr>
-          <p:cNvPr id="14" name="Прямоугольник 13">
-            <a:extLst>
-              <a:ext uri="{FF2B5EF4-FFF2-40B4-BE49-F238E27FC236}">
-                <a16:creationId xmlns:a16="http://schemas.microsoft.com/office/drawing/2014/main" id="{A3B0F9DC-F45B-847A-9FB2-2F9200F5DCE5}"/>
-              </a:ext>
-            </a:extLst>
-          </p:cNvPr>
-          <p:cNvSpPr/>
-          <p:nvPr/>
-        </p:nvSpPr>
-        <p:spPr>
-          <a:xfrm>
-            <a:off x="11631168" y="-672235"/>
-            <a:ext cx="560831" cy="7668347"/>
-          </a:xfrm>
-          <a:prstGeom prst="rect">
-            <a:avLst/>
-          </a:prstGeom>
-          <a:solidFill>
-            <a:srgbClr val="BD582C"/>
-          </a:solidFill>
-          <a:ln w="57150">
-            <a:solidFill>
-              <a:srgbClr val="E48312"/>
-            </a:solidFill>
-          </a:ln>
-        </p:spPr>
-        <p:style>
-          <a:lnRef idx="2">
-            <a:schemeClr val="accent1">
-              <a:shade val="15000"/>
-            </a:schemeClr>
-          </a:lnRef>
-          <a:fillRef idx="1">
-            <a:schemeClr val="accent1"/>
-          </a:fillRef>
-          <a:effectRef idx="0">
-            <a:schemeClr val="accent1"/>
-          </a:effectRef>
-          <a:fontRef idx="minor">
-            <a:schemeClr val="lt1"/>
-          </a:fontRef>
-        </p:style>
-        <p:txBody>
-          <a:bodyPr rtlCol="0" anchor="ctr"/>
-          <a:lstStyle/>
-          <a:p>
-            <a:pPr algn="ctr"/>
-            <a:endParaRPr lang="ru-RU"/>
-          </a:p>
-        </p:txBody>
-      </p:sp>
-      <p:sp>
-        <p:nvSpPr>
           <p:cNvPr id="2" name="Заголовок 1">
             <a:extLst>
               <a:ext uri="{FF2B5EF4-FFF2-40B4-BE49-F238E27FC236}">
@@ -7674,7 +6486,7 @@
         </p:nvSpPr>
         <p:spPr>
           <a:xfrm>
-            <a:off x="109726" y="-819821"/>
+            <a:off x="0" y="-496210"/>
             <a:ext cx="10616264" cy="1386750"/>
           </a:xfrm>
         </p:spPr>
@@ -7685,160 +6497,14 @@
           <a:lstStyle/>
           <a:p>
             <a:r>
-              <a:rPr lang="ru-RU" sz="2000" dirty="0">
+              <a:rPr lang="ru-RU" sz="2000" i="1" dirty="0">
                 <a:solidFill>
                   <a:schemeClr val="tx1"/>
                 </a:solidFill>
-                <a:latin typeface="Bookman Old Style" panose="02050604050505020204" pitchFamily="18" charset="0"/>
+                <a:latin typeface="Bahnschrift SemiLight" panose="020B0502040204020203" pitchFamily="34" charset="0"/>
               </a:rPr>
               <a:t>Выбор материалов</a:t>
             </a:r>
-          </a:p>
-        </p:txBody>
-      </p:sp>
-      <p:sp>
-        <p:nvSpPr>
-          <p:cNvPr id="4" name="Прямоугольник 3">
-            <a:extLst>
-              <a:ext uri="{FF2B5EF4-FFF2-40B4-BE49-F238E27FC236}">
-                <a16:creationId xmlns:a16="http://schemas.microsoft.com/office/drawing/2014/main" id="{3BBE68A6-3732-8153-C302-89AC6A57F416}"/>
-              </a:ext>
-            </a:extLst>
-          </p:cNvPr>
-          <p:cNvSpPr/>
-          <p:nvPr/>
-        </p:nvSpPr>
-        <p:spPr>
-          <a:xfrm>
-            <a:off x="2720340" y="-819821"/>
-            <a:ext cx="45719" cy="1450757"/>
-          </a:xfrm>
-          <a:prstGeom prst="rect">
-            <a:avLst/>
-          </a:prstGeom>
-          <a:noFill/>
-          <a:ln>
-            <a:solidFill>
-              <a:srgbClr val="E48312"/>
-            </a:solidFill>
-          </a:ln>
-        </p:spPr>
-        <p:style>
-          <a:lnRef idx="2">
-            <a:schemeClr val="accent1">
-              <a:shade val="15000"/>
-            </a:schemeClr>
-          </a:lnRef>
-          <a:fillRef idx="1">
-            <a:schemeClr val="accent1"/>
-          </a:fillRef>
-          <a:effectRef idx="0">
-            <a:schemeClr val="accent1"/>
-          </a:effectRef>
-          <a:fontRef idx="minor">
-            <a:schemeClr val="lt1"/>
-          </a:fontRef>
-        </p:style>
-        <p:txBody>
-          <a:bodyPr rtlCol="0" anchor="ctr"/>
-          <a:lstStyle/>
-          <a:p>
-            <a:pPr algn="ctr"/>
-            <a:endParaRPr lang="ru-RU"/>
-          </a:p>
-        </p:txBody>
-      </p:sp>
-      <p:sp>
-        <p:nvSpPr>
-          <p:cNvPr id="5" name="TextBox 4">
-            <a:extLst>
-              <a:ext uri="{FF2B5EF4-FFF2-40B4-BE49-F238E27FC236}">
-                <a16:creationId xmlns:a16="http://schemas.microsoft.com/office/drawing/2014/main" id="{738D6350-1169-7BEF-E8BA-89ACBAE1D771}"/>
-              </a:ext>
-            </a:extLst>
-          </p:cNvPr>
-          <p:cNvSpPr txBox="1"/>
-          <p:nvPr/>
-        </p:nvSpPr>
-        <p:spPr>
-          <a:xfrm>
-            <a:off x="2875787" y="198823"/>
-            <a:ext cx="2207278" cy="400110"/>
-          </a:xfrm>
-          <a:prstGeom prst="rect">
-            <a:avLst/>
-          </a:prstGeom>
-          <a:noFill/>
-        </p:spPr>
-        <p:txBody>
-          <a:bodyPr wrap="square" rtlCol="0">
-            <a:spAutoFit/>
-          </a:bodyPr>
-          <a:lstStyle/>
-          <a:p>
-            <a:r>
-              <a:rPr lang="en-US" sz="2000" dirty="0">
-                <a:latin typeface="Bookman Old Style" panose="02050604050505020204" pitchFamily="18" charset="0"/>
-              </a:rPr>
-              <a:t>6</a:t>
-            </a:r>
-            <a:endParaRPr lang="ru-RU" sz="2000" dirty="0">
-              <a:latin typeface="Bookman Old Style" panose="02050604050505020204" pitchFamily="18" charset="0"/>
-            </a:endParaRPr>
-          </a:p>
-        </p:txBody>
-      </p:sp>
-      <p:sp>
-        <p:nvSpPr>
-          <p:cNvPr id="22" name="Прямоугольник 21">
-            <a:extLst>
-              <a:ext uri="{FF2B5EF4-FFF2-40B4-BE49-F238E27FC236}">
-                <a16:creationId xmlns:a16="http://schemas.microsoft.com/office/drawing/2014/main" id="{AAC992A4-0248-5A10-DB5C-F5CD42A5CD9F}"/>
-              </a:ext>
-            </a:extLst>
-          </p:cNvPr>
-          <p:cNvSpPr/>
-          <p:nvPr/>
-        </p:nvSpPr>
-        <p:spPr>
-          <a:xfrm>
-            <a:off x="10922503" y="6407944"/>
-            <a:ext cx="960121" cy="450056"/>
-          </a:xfrm>
-          <a:prstGeom prst="rect">
-            <a:avLst/>
-          </a:prstGeom>
-          <a:solidFill>
-            <a:srgbClr val="BD582C"/>
-          </a:solidFill>
-          <a:ln>
-            <a:solidFill>
-              <a:srgbClr val="BD582C"/>
-            </a:solidFill>
-          </a:ln>
-        </p:spPr>
-        <p:style>
-          <a:lnRef idx="2">
-            <a:schemeClr val="accent1">
-              <a:shade val="15000"/>
-            </a:schemeClr>
-          </a:lnRef>
-          <a:fillRef idx="1">
-            <a:schemeClr val="accent1"/>
-          </a:fillRef>
-          <a:effectRef idx="0">
-            <a:schemeClr val="accent1"/>
-          </a:effectRef>
-          <a:fontRef idx="minor">
-            <a:schemeClr val="lt1"/>
-          </a:fontRef>
-        </p:style>
-        <p:txBody>
-          <a:bodyPr rtlCol="0" anchor="ctr"/>
-          <a:lstStyle/>
-          <a:p>
-            <a:pPr algn="ctr"/>
-            <a:endParaRPr lang="ru-RU"/>
           </a:p>
         </p:txBody>
       </p:sp>
@@ -7856,8 +6522,8 @@
         </p:nvSpPr>
         <p:spPr>
           <a:xfrm>
-            <a:off x="432655" y="747009"/>
-            <a:ext cx="7924461" cy="707886"/>
+            <a:off x="387798" y="445425"/>
+            <a:ext cx="7924461" cy="400110"/>
           </a:xfrm>
           <a:prstGeom prst="rect">
             <a:avLst/>
@@ -7872,19 +6538,19 @@
           <a:p>
             <a:r>
               <a:rPr lang="ru-RU" sz="2000" dirty="0">
-                <a:latin typeface="Bookman Old Style" panose="02050604050505020204" pitchFamily="18" charset="0"/>
+                <a:latin typeface="Bahnschrift SemiLight" panose="020B0502040204020203" pitchFamily="34" charset="0"/>
               </a:rPr>
               <a:t>Для 3</a:t>
             </a:r>
             <a:r>
               <a:rPr lang="en-US" sz="2000" dirty="0">
-                <a:latin typeface="Bookman Old Style" panose="02050604050505020204" pitchFamily="18" charset="0"/>
+                <a:latin typeface="Bahnschrift SemiLight" panose="020B0502040204020203" pitchFamily="34" charset="0"/>
               </a:rPr>
               <a:t>D</a:t>
             </a:r>
             <a:r>
               <a:rPr lang="ru-RU" sz="2000" dirty="0">
-                <a:latin typeface="Bookman Old Style" panose="02050604050505020204" pitchFamily="18" charset="0"/>
+                <a:latin typeface="Bahnschrift SemiLight" panose="020B0502040204020203" pitchFamily="34" charset="0"/>
               </a:rPr>
               <a:t>-печати рассматривались следующие термопластики:</a:t>
             </a:r>
@@ -7905,8 +6571,8 @@
         </p:nvSpPr>
         <p:spPr>
           <a:xfrm>
-            <a:off x="911550" y="1525402"/>
-            <a:ext cx="7824428" cy="3650102"/>
+            <a:off x="746618" y="890540"/>
+            <a:ext cx="8153578" cy="3785652"/>
           </a:xfrm>
           <a:prstGeom prst="rect">
             <a:avLst/>
@@ -7921,134 +6587,104 @@
           <a:p>
             <a:pPr marL="285750" indent="-285750">
               <a:lnSpc>
-                <a:spcPts val="2800"/>
+                <a:spcPct val="150000"/>
               </a:lnSpc>
               <a:buFont typeface="Arial" panose="020B0604020202020204" pitchFamily="34" charset="0"/>
               <a:buChar char="•"/>
             </a:pPr>
             <a:r>
               <a:rPr lang="ru-RU" sz="2000" dirty="0">
-                <a:latin typeface="Bookman Old Style" panose="02050604050505020204" pitchFamily="18" charset="0"/>
+                <a:latin typeface="Bahnschrift SemiLight" panose="020B0502040204020203" pitchFamily="34" charset="0"/>
               </a:rPr>
               <a:t>PLA </a:t>
             </a:r>
             <a:r>
               <a:rPr lang="en-US" sz="2000" dirty="0">
-                <a:latin typeface="Bookman Old Style" panose="02050604050505020204" pitchFamily="18" charset="0"/>
+                <a:latin typeface="Bahnschrift SemiLight" panose="020B0502040204020203" pitchFamily="34" charset="0"/>
               </a:rPr>
               <a:t>– </a:t>
             </a:r>
             <a:r>
               <a:rPr lang="ru-RU" sz="2000" dirty="0">
-                <a:latin typeface="Bookman Old Style" panose="02050604050505020204" pitchFamily="18" charset="0"/>
+                <a:latin typeface="Bahnschrift SemiLight" panose="020B0502040204020203" pitchFamily="34" charset="0"/>
               </a:rPr>
               <a:t>легко печатается, биоразлагаем, но хрупок и имеет низкую температуру стеклования (~60°C), что неприемлемо для устройства, которое может остаться в автомобиле на солнце.</a:t>
             </a:r>
             <a:endParaRPr lang="en-US" sz="2000" dirty="0">
-              <a:latin typeface="Bookman Old Style" panose="02050604050505020204" pitchFamily="18" charset="0"/>
+              <a:latin typeface="Bahnschrift SemiLight" panose="020B0502040204020203" pitchFamily="34" charset="0"/>
             </a:endParaRPr>
           </a:p>
           <a:p>
             <a:pPr marL="285750" indent="-285750">
               <a:lnSpc>
-                <a:spcPts val="2800"/>
+                <a:spcPct val="150000"/>
               </a:lnSpc>
               <a:buFont typeface="Arial" panose="020B0604020202020204" pitchFamily="34" charset="0"/>
               <a:buChar char="•"/>
             </a:pPr>
             <a:r>
               <a:rPr lang="ru-RU" sz="2000" dirty="0">
-                <a:latin typeface="Bookman Old Style" panose="02050604050505020204" pitchFamily="18" charset="0"/>
+                <a:latin typeface="Bahnschrift SemiLight" panose="020B0502040204020203" pitchFamily="34" charset="0"/>
               </a:rPr>
               <a:t>ABS </a:t>
             </a:r>
             <a:r>
               <a:rPr lang="en-US" sz="2000" dirty="0">
-                <a:latin typeface="Bookman Old Style" panose="02050604050505020204" pitchFamily="18" charset="0"/>
+                <a:latin typeface="Bahnschrift SemiLight" panose="020B0502040204020203" pitchFamily="34" charset="0"/>
               </a:rPr>
               <a:t>– </a:t>
             </a:r>
             <a:r>
               <a:rPr lang="ru-RU" sz="2000" dirty="0">
-                <a:latin typeface="Bookman Old Style" panose="02050604050505020204" pitchFamily="18" charset="0"/>
+                <a:latin typeface="Bahnschrift SemiLight" panose="020B0502040204020203" pitchFamily="34" charset="0"/>
               </a:rPr>
               <a:t>прочнее PLA, но склонен к деформациям при печати ведь требует закрытой камеры, и выделяет опасные испарения.</a:t>
             </a:r>
             <a:endParaRPr lang="en-US" sz="2000" dirty="0">
-              <a:latin typeface="Bookman Old Style" panose="02050604050505020204" pitchFamily="18" charset="0"/>
+              <a:latin typeface="Bahnschrift SemiLight" panose="020B0502040204020203" pitchFamily="34" charset="0"/>
             </a:endParaRPr>
           </a:p>
           <a:p>
             <a:pPr marL="285750" indent="-285750">
               <a:lnSpc>
-                <a:spcPts val="2800"/>
+                <a:spcPct val="150000"/>
               </a:lnSpc>
               <a:buFont typeface="Arial" panose="020B0604020202020204" pitchFamily="34" charset="0"/>
               <a:buChar char="•"/>
             </a:pPr>
             <a:r>
               <a:rPr lang="ru-RU" sz="2000" dirty="0">
-                <a:latin typeface="Bookman Old Style" panose="02050604050505020204" pitchFamily="18" charset="0"/>
+                <a:latin typeface="Bahnschrift SemiLight" panose="020B0502040204020203" pitchFamily="34" charset="0"/>
               </a:rPr>
               <a:t>PETG </a:t>
             </a:r>
             <a:r>
               <a:rPr lang="en-US" sz="2000" dirty="0">
-                <a:latin typeface="Bookman Old Style" panose="02050604050505020204" pitchFamily="18" charset="0"/>
+                <a:latin typeface="Bahnschrift SemiLight" panose="020B0502040204020203" pitchFamily="34" charset="0"/>
               </a:rPr>
               <a:t>–</a:t>
             </a:r>
             <a:r>
               <a:rPr lang="ru-RU" sz="2000" dirty="0">
-                <a:latin typeface="Bookman Old Style" panose="02050604050505020204" pitchFamily="18" charset="0"/>
+                <a:latin typeface="Bahnschrift SemiLight" panose="020B0502040204020203" pitchFamily="34" charset="0"/>
               </a:rPr>
               <a:t> чуть менее прочный чем </a:t>
             </a:r>
             <a:r>
               <a:rPr lang="en-US" sz="2000" dirty="0">
-                <a:latin typeface="Bookman Old Style" panose="02050604050505020204" pitchFamily="18" charset="0"/>
+                <a:latin typeface="Bahnschrift SemiLight" panose="020B0502040204020203" pitchFamily="34" charset="0"/>
               </a:rPr>
               <a:t>ABS, </a:t>
             </a:r>
             <a:r>
               <a:rPr lang="ru-RU" sz="2000" dirty="0">
-                <a:latin typeface="Bookman Old Style" panose="02050604050505020204" pitchFamily="18" charset="0"/>
+                <a:latin typeface="Bahnschrift SemiLight" panose="020B0502040204020203" pitchFamily="34" charset="0"/>
               </a:rPr>
               <a:t>однако не выделяет опасных паров, прост в печати, имеет высокую ударную вязкость и химическую стойкость. </a:t>
             </a:r>
           </a:p>
         </p:txBody>
       </p:sp>
-      <p:pic>
-        <p:nvPicPr>
-          <p:cNvPr id="11" name="Рисунок 10">
-            <a:extLst>
-              <a:ext uri="{FF2B5EF4-FFF2-40B4-BE49-F238E27FC236}">
-                <a16:creationId xmlns:a16="http://schemas.microsoft.com/office/drawing/2014/main" id="{A48EABFF-670C-99BA-6911-B92A7CCEF09C}"/>
-              </a:ext>
-            </a:extLst>
-          </p:cNvPr>
-          <p:cNvPicPr>
-            <a:picLocks noChangeAspect="1"/>
-          </p:cNvPicPr>
-          <p:nvPr/>
-        </p:nvPicPr>
-        <p:blipFill>
-          <a:blip r:embed="rId2"/>
-          <a:stretch>
-            <a:fillRect/>
-          </a:stretch>
-        </p:blipFill>
-        <p:spPr>
-          <a:xfrm rot="5400000">
-            <a:off x="7896137" y="2432327"/>
-            <a:ext cx="4075367" cy="2395685"/>
-          </a:xfrm>
-          <a:prstGeom prst="rect">
-            <a:avLst/>
-          </a:prstGeom>
-        </p:spPr>
-      </p:pic>
       <p:sp>
         <p:nvSpPr>
           <p:cNvPr id="12" name="TextBox 11">
@@ -8063,7 +6699,7 @@
         </p:nvSpPr>
         <p:spPr>
           <a:xfrm>
-            <a:off x="480161" y="5435108"/>
+            <a:off x="387798" y="5191631"/>
             <a:ext cx="8512399" cy="707886"/>
           </a:xfrm>
           <a:prstGeom prst="rect">
@@ -8079,37 +6715,119 @@
           <a:p>
             <a:r>
               <a:rPr lang="ru-RU" sz="2000" dirty="0">
-                <a:latin typeface="Bookman Old Style" panose="02050604050505020204" pitchFamily="18" charset="0"/>
+                <a:latin typeface="Bahnschrift SemiLight" panose="020B0502040204020203" pitchFamily="34" charset="0"/>
               </a:rPr>
               <a:t>Был выбран </a:t>
             </a:r>
             <a:r>
               <a:rPr lang="en-US" sz="2000" dirty="0">
-                <a:latin typeface="Bookman Old Style" panose="02050604050505020204" pitchFamily="18" charset="0"/>
+                <a:latin typeface="Bahnschrift SemiLight" panose="020B0502040204020203" pitchFamily="34" charset="0"/>
               </a:rPr>
               <a:t>PETG </a:t>
             </a:r>
             <a:r>
               <a:rPr lang="ru-RU" sz="2000" dirty="0">
-                <a:latin typeface="Bookman Old Style" panose="02050604050505020204" pitchFamily="18" charset="0"/>
+                <a:latin typeface="Bahnschrift SemiLight" panose="020B0502040204020203" pitchFamily="34" charset="0"/>
               </a:rPr>
               <a:t>пластик(</a:t>
             </a:r>
             <a:r>
               <a:rPr lang="ru-RU" sz="2000" i="1" dirty="0">
-                <a:latin typeface="Bookman Old Style" panose="02050604050505020204" pitchFamily="18" charset="0"/>
+                <a:latin typeface="Bahnschrift SemiLight" panose="020B0502040204020203" pitchFamily="34" charset="0"/>
               </a:rPr>
               <a:t>Полиэтилентерефталат гликоль</a:t>
             </a:r>
             <a:r>
               <a:rPr lang="ru-RU" sz="2000" dirty="0">
-                <a:latin typeface="Bookman Old Style" panose="02050604050505020204" pitchFamily="18" charset="0"/>
+                <a:latin typeface="Bahnschrift SemiLight" panose="020B0502040204020203" pitchFamily="34" charset="0"/>
               </a:rPr>
               <a:t>), ведь он совмещает лучшие стороны своих конкурентов.</a:t>
             </a:r>
           </a:p>
         </p:txBody>
       </p:sp>
+      <p:pic>
+        <p:nvPicPr>
+          <p:cNvPr id="2050" name="Picture 2" descr="https://avatars.mds.yandex.net/i?id=7a4480ee1849cf3113c852b398967ca1ffc880d7-5878500-images-thumbs&amp;n=13"/>
+          <p:cNvPicPr>
+            <a:picLocks noChangeAspect="1" noChangeArrowheads="1"/>
+          </p:cNvPicPr>
+          <p:nvPr/>
+        </p:nvPicPr>
+        <p:blipFill>
+          <a:blip r:embed="rId3">
+            <a:extLst>
+              <a:ext uri="{28A0092B-C50C-407E-A947-70E740481C1C}">
+                <a14:useLocalDpi xmlns:a14="http://schemas.microsoft.com/office/drawing/2010/main" val="0"/>
+              </a:ext>
+            </a:extLst>
+          </a:blip>
+          <a:srcRect/>
+          <a:stretch>
+            <a:fillRect/>
+          </a:stretch>
+        </p:blipFill>
+        <p:spPr bwMode="auto">
+          <a:xfrm>
+            <a:off x="9575898" y="529160"/>
+            <a:ext cx="1472837" cy="1472838"/>
+          </a:xfrm>
+          <a:prstGeom prst="rect">
+            <a:avLst/>
+          </a:prstGeom>
+          <a:noFill/>
+          <a:extLst>
+            <a:ext uri="{909E8E84-426E-40DD-AFC4-6F175D3DCCD1}">
+              <a14:hiddenFill xmlns:a14="http://schemas.microsoft.com/office/drawing/2010/main">
+                <a:solidFill>
+                  <a:srgbClr val="FFFFFF"/>
+                </a:solidFill>
+              </a14:hiddenFill>
+            </a:ext>
+          </a:extLst>
+        </p:spPr>
+      </p:pic>
+      <p:pic>
+        <p:nvPicPr>
+          <p:cNvPr id="2054" name="Picture 6" descr="Picture background"/>
+          <p:cNvPicPr>
+            <a:picLocks noChangeAspect="1" noChangeArrowheads="1"/>
+          </p:cNvPicPr>
+          <p:nvPr/>
+        </p:nvPicPr>
+        <p:blipFill>
+          <a:blip r:embed="rId4" cstate="hqprint">
+            <a:extLst>
+              <a:ext uri="{28A0092B-C50C-407E-A947-70E740481C1C}">
+                <a14:useLocalDpi xmlns:a14="http://schemas.microsoft.com/office/drawing/2010/main" val="0"/>
+              </a:ext>
+            </a:extLst>
+          </a:blip>
+          <a:srcRect/>
+          <a:stretch>
+            <a:fillRect/>
+          </a:stretch>
+        </p:blipFill>
+        <p:spPr bwMode="auto">
+          <a:xfrm>
+            <a:off x="9739178" y="4384129"/>
+            <a:ext cx="1258357" cy="1615004"/>
+          </a:xfrm>
+          <a:prstGeom prst="rect">
+            <a:avLst/>
+          </a:prstGeom>
+          <a:noFill/>
+          <a:extLst>
+            <a:ext uri="{909E8E84-426E-40DD-AFC4-6F175D3DCCD1}">
+              <a14:hiddenFill xmlns:a14="http://schemas.microsoft.com/office/drawing/2010/main">
+                <a:solidFill>
+                  <a:srgbClr val="FFFFFF"/>
+                </a:solidFill>
+              </a14:hiddenFill>
+            </a:ext>
+          </a:extLst>
+        </p:spPr>
+      </p:pic>
     </p:spTree>
     <p:extLst>
       <p:ext uri="{BB962C8B-B14F-4D97-AF65-F5344CB8AC3E}">
@@ -8120,6 +6838,13 @@
   <p:clrMapOvr>
     <a:masterClrMapping/>
   </p:clrMapOvr>
+  <p:timing>
+    <p:tnLst>
+      <p:par>
+        <p:cTn id="1" dur="indefinite" restart="never" nodeType="tmRoot"/>
+      </p:par>
+    </p:tnLst>
+  </p:timing>
 </p:sld>
 </file>
 
@@ -8146,243 +6871,88 @@
           <a:chExt cx="0" cy="0"/>
         </a:xfrm>
       </p:grpSpPr>
-      <p:sp>
-        <p:nvSpPr>
-          <p:cNvPr id="28" name="Прямоугольник 27">
+      <p:pic>
+        <p:nvPicPr>
+          <p:cNvPr id="2050" name="Picture 2" descr="Picture background"/>
+          <p:cNvPicPr>
+            <a:picLocks noChangeAspect="1" noChangeArrowheads="1"/>
+          </p:cNvPicPr>
+          <p:nvPr/>
+        </p:nvPicPr>
+        <p:blipFill>
+          <a:blip r:embed="rId2" cstate="hqprint">
             <a:extLst>
-              <a:ext uri="{FF2B5EF4-FFF2-40B4-BE49-F238E27FC236}">
-                <a16:creationId xmlns:a16="http://schemas.microsoft.com/office/drawing/2014/main" id="{A3B0F9DC-F45B-847A-9FB2-2F9200F5DCE5}"/>
+              <a:ext uri="{28A0092B-C50C-407E-A947-70E740481C1C}">
+                <a14:useLocalDpi xmlns:a14="http://schemas.microsoft.com/office/drawing/2010/main" val="0"/>
               </a:ext>
             </a:extLst>
-          </p:cNvPr>
-          <p:cNvSpPr/>
-          <p:nvPr/>
-        </p:nvSpPr>
-        <p:spPr>
-          <a:xfrm>
-            <a:off x="10515600" y="3700905"/>
-            <a:ext cx="3484514" cy="3872415"/>
+          </a:blip>
+          <a:srcRect/>
+          <a:stretch>
+            <a:fillRect/>
+          </a:stretch>
+        </p:blipFill>
+        <p:spPr bwMode="auto">
+          <a:xfrm rot="20521492">
+            <a:off x="9937691" y="1275977"/>
+            <a:ext cx="1447109" cy="1447109"/>
           </a:xfrm>
           <a:prstGeom prst="rect">
             <a:avLst/>
           </a:prstGeom>
-          <a:solidFill>
-            <a:srgbClr val="BD582C"/>
-          </a:solidFill>
-          <a:ln w="57150">
-            <a:solidFill>
-              <a:srgbClr val="E48312"/>
-            </a:solidFill>
-          </a:ln>
+          <a:noFill/>
+          <a:extLst>
+            <a:ext uri="{909E8E84-426E-40DD-AFC4-6F175D3DCCD1}">
+              <a14:hiddenFill xmlns:a14="http://schemas.microsoft.com/office/drawing/2010/main">
+                <a:solidFill>
+                  <a:srgbClr val="FFFFFF"/>
+                </a:solidFill>
+              </a14:hiddenFill>
+            </a:ext>
+          </a:extLst>
         </p:spPr>
-        <p:style>
-          <a:lnRef idx="2">
-            <a:schemeClr val="accent1">
-              <a:shade val="15000"/>
-            </a:schemeClr>
-          </a:lnRef>
-          <a:fillRef idx="1">
-            <a:schemeClr val="accent1"/>
-          </a:fillRef>
-          <a:effectRef idx="0">
-            <a:schemeClr val="accent1"/>
-          </a:effectRef>
-          <a:fontRef idx="minor">
-            <a:schemeClr val="lt1"/>
-          </a:fontRef>
-        </p:style>
-        <p:txBody>
-          <a:bodyPr rtlCol="0" anchor="ctr"/>
-          <a:lstStyle/>
-          <a:p>
-            <a:pPr algn="ctr"/>
-            <a:endParaRPr lang="ru-RU"/>
-          </a:p>
-        </p:txBody>
-      </p:sp>
-      <p:sp>
-        <p:nvSpPr>
-          <p:cNvPr id="10" name="Прямоугольник 9">
+      </p:pic>
+      <p:pic>
+        <p:nvPicPr>
+          <p:cNvPr id="2052" name="Picture 4" descr="Picture background"/>
+          <p:cNvPicPr>
+            <a:picLocks noChangeAspect="1" noChangeArrowheads="1"/>
+          </p:cNvPicPr>
+          <p:nvPr/>
+        </p:nvPicPr>
+        <p:blipFill>
+          <a:blip r:embed="rId3" cstate="hqprint">
             <a:extLst>
-              <a:ext uri="{FF2B5EF4-FFF2-40B4-BE49-F238E27FC236}">
-                <a16:creationId xmlns:a16="http://schemas.microsoft.com/office/drawing/2014/main" id="{3BBFE12A-36AB-BDD3-0938-05896BBD1337}"/>
+              <a:ext uri="{28A0092B-C50C-407E-A947-70E740481C1C}">
+                <a14:useLocalDpi xmlns:a14="http://schemas.microsoft.com/office/drawing/2010/main" val="0"/>
               </a:ext>
             </a:extLst>
-          </p:cNvPr>
-          <p:cNvSpPr/>
-          <p:nvPr/>
-        </p:nvSpPr>
-        <p:spPr>
-          <a:xfrm>
-            <a:off x="1124712" y="1682496"/>
-            <a:ext cx="10113264" cy="130549"/>
+          </a:blip>
+          <a:srcRect/>
+          <a:stretch>
+            <a:fillRect/>
+          </a:stretch>
+        </p:blipFill>
+        <p:spPr bwMode="auto">
+          <a:xfrm rot="4062822">
+            <a:off x="10693147" y="2361034"/>
+            <a:ext cx="1430166" cy="1430166"/>
           </a:xfrm>
           <a:prstGeom prst="rect">
             <a:avLst/>
           </a:prstGeom>
-          <a:solidFill>
-            <a:schemeClr val="bg1"/>
-          </a:solidFill>
-          <a:ln>
-            <a:noFill/>
-          </a:ln>
+          <a:noFill/>
+          <a:extLst>
+            <a:ext uri="{909E8E84-426E-40DD-AFC4-6F175D3DCCD1}">
+              <a14:hiddenFill xmlns:a14="http://schemas.microsoft.com/office/drawing/2010/main">
+                <a:solidFill>
+                  <a:srgbClr val="FFFFFF"/>
+                </a:solidFill>
+              </a14:hiddenFill>
+            </a:ext>
+          </a:extLst>
         </p:spPr>
-        <p:style>
-          <a:lnRef idx="2">
-            <a:schemeClr val="accent1">
-              <a:shade val="15000"/>
-            </a:schemeClr>
-          </a:lnRef>
-          <a:fillRef idx="1">
-            <a:schemeClr val="accent1"/>
-          </a:fillRef>
-          <a:effectRef idx="0">
-            <a:schemeClr val="accent1"/>
-          </a:effectRef>
-          <a:fontRef idx="minor">
-            <a:schemeClr val="lt1"/>
-          </a:fontRef>
-        </p:style>
-        <p:txBody>
-          <a:bodyPr rtlCol="0" anchor="ctr"/>
-          <a:lstStyle/>
-          <a:p>
-            <a:pPr algn="ctr"/>
-            <a:endParaRPr lang="ru-RU"/>
-          </a:p>
-        </p:txBody>
-      </p:sp>
-      <p:sp>
-        <p:nvSpPr>
-          <p:cNvPr id="15" name="Полилиния 14">
-            <a:extLst>
-              <a:ext uri="{FF2B5EF4-FFF2-40B4-BE49-F238E27FC236}">
-                <a16:creationId xmlns:a16="http://schemas.microsoft.com/office/drawing/2014/main" id="{A3B0F9DC-F45B-847A-9FB2-2F9200F5DCE5}"/>
-              </a:ext>
-            </a:extLst>
-          </p:cNvPr>
-          <p:cNvSpPr/>
-          <p:nvPr/>
-        </p:nvSpPr>
-        <p:spPr>
-          <a:xfrm rot="21104435">
-            <a:off x="-680755" y="-501244"/>
-            <a:ext cx="4963983" cy="8113974"/>
-          </a:xfrm>
-          <a:custGeom>
-            <a:avLst/>
-            <a:gdLst>
-              <a:gd name="connsiteX0" fmla="*/ 4865268 w 4865268"/>
-              <a:gd name="connsiteY0" fmla="*/ 0 h 8113974"/>
-              <a:gd name="connsiteX1" fmla="*/ 4865268 w 4865268"/>
-              <a:gd name="connsiteY1" fmla="*/ 8113974 h 8113974"/>
-              <a:gd name="connsiteX2" fmla="*/ 0 w 4865268"/>
-              <a:gd name="connsiteY2" fmla="*/ 8113974 h 8113974"/>
-              <a:gd name="connsiteX3" fmla="*/ 0 w 4865268"/>
-              <a:gd name="connsiteY3" fmla="*/ 7052045 h 8113974"/>
-              <a:gd name="connsiteX4" fmla="*/ 97750 w 4865268"/>
-              <a:gd name="connsiteY4" fmla="*/ 7066234 h 8113974"/>
-              <a:gd name="connsiteX5" fmla="*/ 1082938 w 4865268"/>
-              <a:gd name="connsiteY5" fmla="*/ 279367 h 8113974"/>
-              <a:gd name="connsiteX6" fmla="*/ 0 w 4865268"/>
-              <a:gd name="connsiteY6" fmla="*/ 122167 h 8113974"/>
-              <a:gd name="connsiteX7" fmla="*/ 0 w 4865268"/>
-              <a:gd name="connsiteY7" fmla="*/ 0 h 8113974"/>
-            </a:gdLst>
-            <a:ahLst/>
-            <a:cxnLst>
-              <a:cxn ang="0">
-                <a:pos x="connsiteX0" y="connsiteY0"/>
-              </a:cxn>
-              <a:cxn ang="0">
-                <a:pos x="connsiteX1" y="connsiteY1"/>
-              </a:cxn>
-              <a:cxn ang="0">
-                <a:pos x="connsiteX2" y="connsiteY2"/>
-              </a:cxn>
-              <a:cxn ang="0">
-                <a:pos x="connsiteX3" y="connsiteY3"/>
-              </a:cxn>
-              <a:cxn ang="0">
-                <a:pos x="connsiteX4" y="connsiteY4"/>
-              </a:cxn>
-              <a:cxn ang="0">
-                <a:pos x="connsiteX5" y="connsiteY5"/>
-              </a:cxn>
-              <a:cxn ang="0">
-                <a:pos x="connsiteX6" y="connsiteY6"/>
-              </a:cxn>
-              <a:cxn ang="0">
-                <a:pos x="connsiteX7" y="connsiteY7"/>
-              </a:cxn>
-            </a:cxnLst>
-            <a:rect l="l" t="t" r="r" b="b"/>
-            <a:pathLst>
-              <a:path w="4865268" h="8113974">
-                <a:moveTo>
-                  <a:pt x="4865268" y="0"/>
-                </a:moveTo>
-                <a:lnTo>
-                  <a:pt x="4865268" y="8113974"/>
-                </a:lnTo>
-                <a:lnTo>
-                  <a:pt x="0" y="8113974"/>
-                </a:lnTo>
-                <a:lnTo>
-                  <a:pt x="0" y="7052045"/>
-                </a:lnTo>
-                <a:lnTo>
-                  <a:pt x="97750" y="7066234"/>
-                </a:lnTo>
-                <a:lnTo>
-                  <a:pt x="1082938" y="279367"/>
-                </a:lnTo>
-                <a:lnTo>
-                  <a:pt x="0" y="122167"/>
-                </a:lnTo>
-                <a:lnTo>
-                  <a:pt x="0" y="0"/>
-                </a:lnTo>
-                <a:close/>
-              </a:path>
-            </a:pathLst>
-          </a:custGeom>
-          <a:solidFill>
-            <a:srgbClr val="BD582C"/>
-          </a:solidFill>
-          <a:ln w="57150">
-            <a:solidFill>
-              <a:srgbClr val="E48312"/>
-            </a:solidFill>
-          </a:ln>
-        </p:spPr>
-        <p:style>
-          <a:lnRef idx="2">
-            <a:schemeClr val="accent1">
-              <a:shade val="15000"/>
-            </a:schemeClr>
-          </a:lnRef>
-          <a:fillRef idx="1">
-            <a:schemeClr val="accent1"/>
-          </a:fillRef>
-          <a:effectRef idx="0">
-            <a:schemeClr val="accent1"/>
-          </a:effectRef>
-          <a:fontRef idx="minor">
-            <a:schemeClr val="lt1"/>
-          </a:fontRef>
-        </p:style>
-        <p:txBody>
-          <a:bodyPr wrap="square" rtlCol="0" anchor="ctr">
-            <a:noAutofit/>
-          </a:bodyPr>
-          <a:lstStyle/>
-          <a:p>
-            <a:pPr algn="ctr"/>
-            <a:endParaRPr lang="ru-RU"/>
-          </a:p>
-        </p:txBody>
-      </p:sp>
+      </p:pic>
       <p:sp>
         <p:nvSpPr>
           <p:cNvPr id="2" name="Заголовок 1">
@@ -8401,7 +6971,7 @@
         </p:nvSpPr>
         <p:spPr>
           <a:xfrm>
-            <a:off x="109726" y="-819821"/>
+            <a:off x="0" y="-520357"/>
             <a:ext cx="10012682" cy="1386750"/>
           </a:xfrm>
         </p:spPr>
@@ -8412,66 +6982,11 @@
           <a:lstStyle/>
           <a:p>
             <a:r>
-              <a:rPr lang="ru-RU" sz="2000" dirty="0">
-                <a:solidFill>
-                  <a:schemeClr val="bg1"/>
-                </a:solidFill>
-                <a:latin typeface="Bookman Old Style" panose="02050604050505020204" pitchFamily="18" charset="0"/>
+              <a:rPr lang="ru-RU" sz="2000" i="1" dirty="0">
+                <a:latin typeface="Bahnschrift SemiLight" panose="020B0502040204020203" pitchFamily="34" charset="0"/>
               </a:rPr>
               <a:t>Процесс изготовления</a:t>
             </a:r>
-          </a:p>
-        </p:txBody>
-      </p:sp>
-      <p:sp>
-        <p:nvSpPr>
-          <p:cNvPr id="4" name="Прямоугольник 3">
-            <a:extLst>
-              <a:ext uri="{FF2B5EF4-FFF2-40B4-BE49-F238E27FC236}">
-                <a16:creationId xmlns:a16="http://schemas.microsoft.com/office/drawing/2014/main" id="{3BBE68A6-3732-8153-C302-89AC6A57F416}"/>
-              </a:ext>
-            </a:extLst>
-          </p:cNvPr>
-          <p:cNvSpPr/>
-          <p:nvPr/>
-        </p:nvSpPr>
-        <p:spPr>
-          <a:xfrm>
-            <a:off x="3163685" y="-725379"/>
-            <a:ext cx="45719" cy="1450757"/>
-          </a:xfrm>
-          <a:prstGeom prst="rect">
-            <a:avLst/>
-          </a:prstGeom>
-          <a:noFill/>
-          <a:ln>
-            <a:solidFill>
-              <a:srgbClr val="E48312"/>
-            </a:solidFill>
-          </a:ln>
-        </p:spPr>
-        <p:style>
-          <a:lnRef idx="2">
-            <a:schemeClr val="accent1">
-              <a:shade val="15000"/>
-            </a:schemeClr>
-          </a:lnRef>
-          <a:fillRef idx="1">
-            <a:schemeClr val="accent1"/>
-          </a:fillRef>
-          <a:effectRef idx="0">
-            <a:schemeClr val="accent1"/>
-          </a:effectRef>
-          <a:fontRef idx="minor">
-            <a:schemeClr val="lt1"/>
-          </a:fontRef>
-        </p:style>
-        <p:txBody>
-          <a:bodyPr rtlCol="0" anchor="ctr"/>
-          <a:lstStyle/>
-          <a:p>
-            <a:pPr algn="ctr"/>
-            <a:endParaRPr lang="ru-RU"/>
           </a:p>
         </p:txBody>
       </p:sp>
@@ -8521,60 +7036,6 @@
           </a:p>
         </p:txBody>
       </p:sp>
-      <p:sp>
-        <p:nvSpPr>
-          <p:cNvPr id="22" name="Прямоугольник 21">
-            <a:extLst>
-              <a:ext uri="{FF2B5EF4-FFF2-40B4-BE49-F238E27FC236}">
-                <a16:creationId xmlns:a16="http://schemas.microsoft.com/office/drawing/2014/main" id="{AAC992A4-0248-5A10-DB5C-F5CD42A5CD9F}"/>
-              </a:ext>
-            </a:extLst>
-          </p:cNvPr>
-          <p:cNvSpPr/>
-          <p:nvPr/>
-        </p:nvSpPr>
-        <p:spPr>
-          <a:xfrm>
-            <a:off x="4183911" y="6407944"/>
-            <a:ext cx="960121" cy="450056"/>
-          </a:xfrm>
-          <a:prstGeom prst="rect">
-            <a:avLst/>
-          </a:prstGeom>
-          <a:solidFill>
-            <a:srgbClr val="BD582C"/>
-          </a:solidFill>
-          <a:ln>
-            <a:solidFill>
-              <a:srgbClr val="BD582C"/>
-            </a:solidFill>
-          </a:ln>
-        </p:spPr>
-        <p:style>
-          <a:lnRef idx="2">
-            <a:schemeClr val="accent1">
-              <a:shade val="15000"/>
-            </a:schemeClr>
-          </a:lnRef>
-          <a:fillRef idx="1">
-            <a:schemeClr val="accent1"/>
-          </a:fillRef>
-          <a:effectRef idx="0">
-            <a:schemeClr val="accent1"/>
-          </a:effectRef>
-          <a:fontRef idx="minor">
-            <a:schemeClr val="lt1"/>
-          </a:fontRef>
-        </p:style>
-        <p:txBody>
-          <a:bodyPr rtlCol="0" anchor="ctr"/>
-          <a:lstStyle/>
-          <a:p>
-            <a:pPr algn="ctr"/>
-            <a:endParaRPr lang="ru-RU"/>
-          </a:p>
-        </p:txBody>
-      </p:sp>
       <p:pic>
         <p:nvPicPr>
           <p:cNvPr id="8" name="Рисунок 7"/>
@@ -8584,7 +7045,7 @@
           <p:nvPr/>
         </p:nvPicPr>
         <p:blipFill>
-          <a:blip r:embed="rId2" cstate="hqprint">
+          <a:blip r:embed="rId4" cstate="hqprint">
             <a:extLst>
               <a:ext uri="{28A0092B-C50C-407E-A947-70E740481C1C}">
                 <a14:useLocalDpi xmlns:a14="http://schemas.microsoft.com/office/drawing/2010/main" val="0"/>
@@ -8597,7 +7058,7 @@
         </p:blipFill>
         <p:spPr>
           <a:xfrm>
-            <a:off x="434992" y="819820"/>
+            <a:off x="288393" y="566929"/>
             <a:ext cx="2902706" cy="1965186"/>
           </a:xfrm>
           <a:prstGeom prst="rect">
@@ -8614,7 +7075,7 @@
           <p:nvPr/>
         </p:nvPicPr>
         <p:blipFill>
-          <a:blip r:embed="rId3">
+          <a:blip r:embed="rId5">
             <a:extLst>
               <a:ext uri="{28A0092B-C50C-407E-A947-70E740481C1C}">
                 <a14:useLocalDpi xmlns:a14="http://schemas.microsoft.com/office/drawing/2010/main" val="0"/>
@@ -8627,7 +7088,7 @@
         </p:blipFill>
         <p:spPr>
           <a:xfrm>
-            <a:off x="711257" y="2785006"/>
+            <a:off x="308062" y="2504100"/>
             <a:ext cx="2863367" cy="1865883"/>
           </a:xfrm>
           <a:prstGeom prst="rect">
@@ -8644,7 +7105,7 @@
           <p:nvPr/>
         </p:nvPicPr>
         <p:blipFill rotWithShape="1">
-          <a:blip r:embed="rId4" cstate="hqprint">
+          <a:blip r:embed="rId6" cstate="hqprint">
             <a:extLst>
               <a:ext uri="{28A0092B-C50C-407E-A947-70E740481C1C}">
                 <a14:useLocalDpi xmlns:a14="http://schemas.microsoft.com/office/drawing/2010/main" val="0"/>
@@ -8656,176 +7117,14 @@
         </p:blipFill>
         <p:spPr>
           <a:xfrm>
-            <a:off x="1263198" y="4650889"/>
-            <a:ext cx="2587691" cy="2039512"/>
+            <a:off x="466767" y="4369983"/>
+            <a:ext cx="2634813" cy="2195042"/>
           </a:xfrm>
           <a:prstGeom prst="rect">
             <a:avLst/>
           </a:prstGeom>
         </p:spPr>
       </p:pic>
-      <p:sp>
-        <p:nvSpPr>
-          <p:cNvPr id="26" name="Прямоугольник 25">
-            <a:extLst>
-              <a:ext uri="{FF2B5EF4-FFF2-40B4-BE49-F238E27FC236}">
-                <a16:creationId xmlns:a16="http://schemas.microsoft.com/office/drawing/2014/main" id="{A3B0F9DC-F45B-847A-9FB2-2F9200F5DCE5}"/>
-              </a:ext>
-            </a:extLst>
-          </p:cNvPr>
-          <p:cNvSpPr/>
-          <p:nvPr/>
-        </p:nvSpPr>
-        <p:spPr>
-          <a:xfrm rot="1139157">
-            <a:off x="9807594" y="4121353"/>
-            <a:ext cx="3177309" cy="3820043"/>
-          </a:xfrm>
-          <a:prstGeom prst="rect">
-            <a:avLst/>
-          </a:prstGeom>
-          <a:solidFill>
-            <a:srgbClr val="BD582C"/>
-          </a:solidFill>
-          <a:ln w="57150">
-            <a:solidFill>
-              <a:srgbClr val="E48312"/>
-            </a:solidFill>
-          </a:ln>
-        </p:spPr>
-        <p:style>
-          <a:lnRef idx="2">
-            <a:schemeClr val="accent1">
-              <a:shade val="15000"/>
-            </a:schemeClr>
-          </a:lnRef>
-          <a:fillRef idx="1">
-            <a:schemeClr val="accent1"/>
-          </a:fillRef>
-          <a:effectRef idx="0">
-            <a:schemeClr val="accent1"/>
-          </a:effectRef>
-          <a:fontRef idx="minor">
-            <a:schemeClr val="lt1"/>
-          </a:fontRef>
-        </p:style>
-        <p:txBody>
-          <a:bodyPr rtlCol="0" anchor="ctr"/>
-          <a:lstStyle/>
-          <a:p>
-            <a:pPr algn="ctr"/>
-            <a:endParaRPr lang="ru-RU"/>
-          </a:p>
-        </p:txBody>
-      </p:sp>
-      <p:sp>
-        <p:nvSpPr>
-          <p:cNvPr id="27" name="Прямоугольник 26">
-            <a:extLst>
-              <a:ext uri="{FF2B5EF4-FFF2-40B4-BE49-F238E27FC236}">
-                <a16:creationId xmlns:a16="http://schemas.microsoft.com/office/drawing/2014/main" id="{AAC992A4-0248-5A10-DB5C-F5CD42A5CD9F}"/>
-              </a:ext>
-            </a:extLst>
-          </p:cNvPr>
-          <p:cNvSpPr/>
-          <p:nvPr/>
-        </p:nvSpPr>
-        <p:spPr>
-          <a:xfrm>
-            <a:off x="8654702" y="6407944"/>
-            <a:ext cx="960121" cy="450056"/>
-          </a:xfrm>
-          <a:prstGeom prst="rect">
-            <a:avLst/>
-          </a:prstGeom>
-          <a:solidFill>
-            <a:srgbClr val="BD582C"/>
-          </a:solidFill>
-          <a:ln>
-            <a:solidFill>
-              <a:srgbClr val="BD582C"/>
-            </a:solidFill>
-          </a:ln>
-        </p:spPr>
-        <p:style>
-          <a:lnRef idx="2">
-            <a:schemeClr val="accent1">
-              <a:shade val="15000"/>
-            </a:schemeClr>
-          </a:lnRef>
-          <a:fillRef idx="1">
-            <a:schemeClr val="accent1"/>
-          </a:fillRef>
-          <a:effectRef idx="0">
-            <a:schemeClr val="accent1"/>
-          </a:effectRef>
-          <a:fontRef idx="minor">
-            <a:schemeClr val="lt1"/>
-          </a:fontRef>
-        </p:style>
-        <p:txBody>
-          <a:bodyPr rtlCol="0" anchor="ctr"/>
-          <a:lstStyle/>
-          <a:p>
-            <a:pPr algn="ctr"/>
-            <a:endParaRPr lang="ru-RU"/>
-          </a:p>
-        </p:txBody>
-      </p:sp>
-      <p:sp>
-        <p:nvSpPr>
-          <p:cNvPr id="29" name="Прямоугольник 28">
-            <a:extLst>
-              <a:ext uri="{FF2B5EF4-FFF2-40B4-BE49-F238E27FC236}">
-                <a16:creationId xmlns:a16="http://schemas.microsoft.com/office/drawing/2014/main" id="{AAC992A4-0248-5A10-DB5C-F5CD42A5CD9F}"/>
-              </a:ext>
-            </a:extLst>
-          </p:cNvPr>
-          <p:cNvSpPr/>
-          <p:nvPr/>
-        </p:nvSpPr>
-        <p:spPr>
-          <a:xfrm>
-            <a:off x="10541470" y="3737684"/>
-            <a:ext cx="1954332" cy="812405"/>
-          </a:xfrm>
-          <a:prstGeom prst="rect">
-            <a:avLst/>
-          </a:prstGeom>
-          <a:solidFill>
-            <a:srgbClr val="BD582C"/>
-          </a:solidFill>
-          <a:ln>
-            <a:solidFill>
-              <a:srgbClr val="BD582C"/>
-            </a:solidFill>
-          </a:ln>
-        </p:spPr>
-        <p:style>
-          <a:lnRef idx="2">
-            <a:schemeClr val="accent1">
-              <a:shade val="15000"/>
-            </a:schemeClr>
-          </a:lnRef>
-          <a:fillRef idx="1">
-            <a:schemeClr val="accent1"/>
-          </a:fillRef>
-          <a:effectRef idx="0">
-            <a:schemeClr val="accent1"/>
-          </a:effectRef>
-          <a:fontRef idx="minor">
-            <a:schemeClr val="lt1"/>
-          </a:fontRef>
-        </p:style>
-        <p:txBody>
-          <a:bodyPr rtlCol="0" anchor="ctr"/>
-          <a:lstStyle/>
-          <a:p>
-            <a:pPr algn="ctr"/>
-            <a:endParaRPr lang="ru-RU" dirty="0"/>
-          </a:p>
-        </p:txBody>
-      </p:sp>
       <p:pic>
         <p:nvPicPr>
           <p:cNvPr id="33" name="Рисунок 32"/>
@@ -8835,20 +7134,20 @@
           <p:nvPr/>
         </p:nvPicPr>
         <p:blipFill rotWithShape="1">
-          <a:blip r:embed="rId5" cstate="hqprint">
+          <a:blip r:embed="rId7" cstate="hqprint">
             <a:extLst>
               <a:ext uri="{28A0092B-C50C-407E-A947-70E740481C1C}">
                 <a14:useLocalDpi xmlns:a14="http://schemas.microsoft.com/office/drawing/2010/main" val="0"/>
               </a:ext>
             </a:extLst>
           </a:blip>
-          <a:srcRect r="9302" b="2669"/>
+          <a:srcRect l="-37198" t="-18206" r="3092" b="7788"/>
           <a:stretch/>
         </p:blipFill>
         <p:spPr>
           <a:xfrm>
-            <a:off x="10122408" y="3799648"/>
-            <a:ext cx="1980202" cy="2833324"/>
+            <a:off x="8847349" y="3181229"/>
+            <a:ext cx="3256058" cy="3574473"/>
           </a:xfrm>
           <a:custGeom>
             <a:avLst/>
@@ -8906,226 +7205,6 @@
           </a:custGeom>
         </p:spPr>
       </p:pic>
-      <p:sp>
-        <p:nvSpPr>
-          <p:cNvPr id="35" name="TextBox 34"/>
-          <p:cNvSpPr txBox="1"/>
-          <p:nvPr/>
-        </p:nvSpPr>
-        <p:spPr>
-          <a:xfrm>
-            <a:off x="4040451" y="35905"/>
-            <a:ext cx="8455351" cy="733534"/>
-          </a:xfrm>
-          <a:prstGeom prst="rect">
-            <a:avLst/>
-          </a:prstGeom>
-          <a:noFill/>
-        </p:spPr>
-        <p:txBody>
-          <a:bodyPr wrap="square" rtlCol="0">
-            <a:spAutoFit/>
-          </a:bodyPr>
-          <a:lstStyle/>
-          <a:p>
-            <a:pPr>
-              <a:lnSpc>
-                <a:spcPts val="2500"/>
-              </a:lnSpc>
-            </a:pPr>
-            <a:r>
-              <a:rPr lang="ru-RU" sz="2000" dirty="0">
-                <a:latin typeface="Bookman Old Style" panose="02050604050505020204" pitchFamily="18" charset="0"/>
-              </a:rPr>
-              <a:t>Было решено что будут использоваться следующие электрические компоненты:</a:t>
-            </a:r>
-          </a:p>
-        </p:txBody>
-      </p:sp>
-      <p:sp>
-        <p:nvSpPr>
-          <p:cNvPr id="37" name="TextBox 36"/>
-          <p:cNvSpPr txBox="1"/>
-          <p:nvPr/>
-        </p:nvSpPr>
-        <p:spPr>
-          <a:xfrm>
-            <a:off x="4779117" y="3533339"/>
-            <a:ext cx="5474714" cy="2640210"/>
-          </a:xfrm>
-          <a:prstGeom prst="rect">
-            <a:avLst/>
-          </a:prstGeom>
-          <a:noFill/>
-        </p:spPr>
-        <p:txBody>
-          <a:bodyPr wrap="square" rtlCol="0">
-            <a:spAutoFit/>
-          </a:bodyPr>
-          <a:lstStyle/>
-          <a:p>
-            <a:pPr>
-              <a:lnSpc>
-                <a:spcPts val="2500"/>
-              </a:lnSpc>
-            </a:pPr>
-            <a:r>
-              <a:rPr lang="ru-RU" sz="2000" dirty="0">
-                <a:latin typeface="Bookman Old Style" panose="02050604050505020204" pitchFamily="18" charset="0"/>
-              </a:rPr>
-              <a:t>После определения эл. компонентов началось моделирование деталей манипулятора. Первая версия рукоятки была недостаточно эргономичной, и была усовершенствована, получив большую площадь опоры для руки и пазы для пальцев. Потом последовала 3</a:t>
-            </a:r>
-            <a:r>
-              <a:rPr lang="en-US" sz="2000" dirty="0">
-                <a:latin typeface="Bookman Old Style" panose="02050604050505020204" pitchFamily="18" charset="0"/>
-              </a:rPr>
-              <a:t>D</a:t>
-            </a:r>
-            <a:r>
-              <a:rPr lang="ru-RU" sz="2000" dirty="0">
-                <a:latin typeface="Bookman Old Style" panose="02050604050505020204" pitchFamily="18" charset="0"/>
-              </a:rPr>
-              <a:t> печать и зачистка деталей</a:t>
-            </a:r>
-          </a:p>
-        </p:txBody>
-      </p:sp>
-      <p:sp>
-        <p:nvSpPr>
-          <p:cNvPr id="38" name="TextBox 37"/>
-          <p:cNvSpPr txBox="1"/>
-          <p:nvPr/>
-        </p:nvSpPr>
-        <p:spPr>
-          <a:xfrm>
-            <a:off x="4571548" y="725378"/>
-            <a:ext cx="5547014" cy="2862322"/>
-          </a:xfrm>
-          <a:prstGeom prst="rect">
-            <a:avLst/>
-          </a:prstGeom>
-          <a:noFill/>
-        </p:spPr>
-        <p:txBody>
-          <a:bodyPr wrap="square" rtlCol="0">
-            <a:spAutoFit/>
-          </a:bodyPr>
-          <a:lstStyle/>
-          <a:p>
-            <a:pPr marL="342900" indent="-342900">
-              <a:buFont typeface="+mj-lt"/>
-              <a:buAutoNum type="arabicPeriod"/>
-            </a:pPr>
-            <a:r>
-              <a:rPr lang="en-US" sz="2000" dirty="0">
-                <a:latin typeface="Bookman Old Style" panose="02050604050505020204" pitchFamily="18" charset="0"/>
-              </a:rPr>
-              <a:t>MPU-6050 </a:t>
-            </a:r>
-            <a:r>
-              <a:rPr lang="ru-RU" sz="2000" dirty="0">
-                <a:latin typeface="Bookman Old Style" panose="02050604050505020204" pitchFamily="18" charset="0"/>
-              </a:rPr>
-              <a:t>для преобразования наклона манипулятора в сигнал</a:t>
-            </a:r>
-          </a:p>
-          <a:p>
-            <a:pPr marL="342900" indent="-342900">
-              <a:buFont typeface="+mj-lt"/>
-              <a:buAutoNum type="arabicPeriod"/>
-            </a:pPr>
-            <a:r>
-              <a:rPr lang="en-US" sz="2000" dirty="0">
-                <a:latin typeface="Bookman Old Style" panose="02050604050505020204" pitchFamily="18" charset="0"/>
-              </a:rPr>
-              <a:t>Arduino Pro Micro </a:t>
-            </a:r>
-            <a:r>
-              <a:rPr lang="ru-RU" sz="2000" dirty="0">
-                <a:latin typeface="Bookman Old Style" panose="02050604050505020204" pitchFamily="18" charset="0"/>
-              </a:rPr>
-              <a:t>для управления компьютером</a:t>
-            </a:r>
-          </a:p>
-          <a:p>
-            <a:pPr marL="342900" indent="-342900">
-              <a:buFont typeface="+mj-lt"/>
-              <a:buAutoNum type="arabicPeriod"/>
-            </a:pPr>
-            <a:r>
-              <a:rPr lang="ru-RU" sz="2000" dirty="0">
-                <a:latin typeface="Bookman Old Style" panose="02050604050505020204" pitchFamily="18" charset="0"/>
-              </a:rPr>
-              <a:t>Инкрементальный энкодер </a:t>
-            </a:r>
-            <a:r>
-              <a:rPr lang="en-US" sz="2000" dirty="0">
-                <a:latin typeface="Bookman Old Style" panose="02050604050505020204" pitchFamily="18" charset="0"/>
-              </a:rPr>
-              <a:t>EC11</a:t>
-            </a:r>
-            <a:r>
-              <a:rPr lang="ru-RU" sz="2000" dirty="0">
-                <a:latin typeface="Bookman Old Style" panose="02050604050505020204" pitchFamily="18" charset="0"/>
-              </a:rPr>
-              <a:t> для имитации прокрутки колесика мыши</a:t>
-            </a:r>
-          </a:p>
-          <a:p>
-            <a:pPr marL="342900" indent="-342900">
-              <a:buFont typeface="+mj-lt"/>
-              <a:buAutoNum type="arabicPeriod"/>
-            </a:pPr>
-            <a:r>
-              <a:rPr lang="ru-RU" sz="2000" dirty="0">
-                <a:latin typeface="Bookman Old Style" panose="02050604050505020204" pitchFamily="18" charset="0"/>
-              </a:rPr>
-              <a:t>Тактовые кнопки для выбора чувствительности и имитации левого/правого клика мыши</a:t>
-            </a:r>
-          </a:p>
-        </p:txBody>
-      </p:sp>
-      <p:pic>
-        <p:nvPicPr>
-          <p:cNvPr id="2050" name="Picture 2" descr="Picture background"/>
-          <p:cNvPicPr>
-            <a:picLocks noChangeAspect="1" noChangeArrowheads="1"/>
-          </p:cNvPicPr>
-          <p:nvPr/>
-        </p:nvPicPr>
-        <p:blipFill>
-          <a:blip r:embed="rId6" cstate="hqprint">
-            <a:extLst>
-              <a:ext uri="{28A0092B-C50C-407E-A947-70E740481C1C}">
-                <a14:useLocalDpi xmlns:a14="http://schemas.microsoft.com/office/drawing/2010/main" val="0"/>
-              </a:ext>
-            </a:extLst>
-          </a:blip>
-          <a:srcRect/>
-          <a:stretch>
-            <a:fillRect/>
-          </a:stretch>
-        </p:blipFill>
-        <p:spPr bwMode="auto">
-          <a:xfrm rot="21018568">
-            <a:off x="10265352" y="1317884"/>
-            <a:ext cx="1298663" cy="1298663"/>
-          </a:xfrm>
-          <a:prstGeom prst="rect">
-            <a:avLst/>
-          </a:prstGeom>
-          <a:noFill/>
-          <a:extLst>
-            <a:ext uri="{909E8E84-426E-40DD-AFC4-6F175D3DCCD1}">
-              <a14:hiddenFill xmlns:a14="http://schemas.microsoft.com/office/drawing/2010/main">
-                <a:solidFill>
-                  <a:srgbClr val="FFFFFF"/>
-                </a:solidFill>
-              </a14:hiddenFill>
-            </a:ext>
-          </a:extLst>
-        </p:spPr>
-      </p:pic>
       <p:pic>
         <p:nvPicPr>
           <p:cNvPr id="3" name="Рисунок 2"/>
@@ -9135,7 +7214,7 @@
           <p:nvPr/>
         </p:nvPicPr>
         <p:blipFill rotWithShape="1">
-          <a:blip r:embed="rId7" cstate="hqprint">
+          <a:blip r:embed="rId8" cstate="hqprint">
             <a:extLst>
               <a:ext uri="{28A0092B-C50C-407E-A947-70E740481C1C}">
                 <a14:useLocalDpi xmlns:a14="http://schemas.microsoft.com/office/drawing/2010/main" val="0"/>
@@ -9147,53 +7226,12 @@
         </p:blipFill>
         <p:spPr>
           <a:xfrm>
-            <a:off x="10305881" y="599809"/>
-            <a:ext cx="1090367" cy="891601"/>
+            <a:off x="10475377" y="374232"/>
+            <a:ext cx="1203759" cy="984322"/>
           </a:xfrm>
           <a:prstGeom prst="rect">
             <a:avLst/>
           </a:prstGeom>
-        </p:spPr>
-      </p:pic>
-      <p:pic>
-        <p:nvPicPr>
-          <p:cNvPr id="2052" name="Picture 4" descr="Picture background"/>
-          <p:cNvPicPr>
-            <a:picLocks noChangeAspect="1" noChangeArrowheads="1"/>
-          </p:cNvPicPr>
-          <p:nvPr/>
-        </p:nvPicPr>
-        <p:blipFill>
-          <a:blip r:embed="rId8" cstate="hqprint">
-            <a:extLst>
-              <a:ext uri="{28A0092B-C50C-407E-A947-70E740481C1C}">
-                <a14:useLocalDpi xmlns:a14="http://schemas.microsoft.com/office/drawing/2010/main" val="0"/>
-              </a:ext>
-            </a:extLst>
-          </a:blip>
-          <a:srcRect/>
-          <a:stretch>
-            <a:fillRect/>
-          </a:stretch>
-        </p:blipFill>
-        <p:spPr bwMode="auto">
-          <a:xfrm rot="4062822">
-            <a:off x="10860543" y="2270449"/>
-            <a:ext cx="1195563" cy="1195563"/>
-          </a:xfrm>
-          <a:prstGeom prst="rect">
-            <a:avLst/>
-          </a:prstGeom>
-          <a:noFill/>
-          <a:extLst>
-            <a:ext uri="{909E8E84-426E-40DD-AFC4-6F175D3DCCD1}">
-              <a14:hiddenFill xmlns:a14="http://schemas.microsoft.com/office/drawing/2010/main">
-                <a:solidFill>
-                  <a:srgbClr val="FFFFFF"/>
-                </a:solidFill>
-              </a14:hiddenFill>
-            </a:ext>
-          </a:extLst>
         </p:spPr>
       </p:pic>
       <p:pic>
@@ -9219,8 +7257,8 @@
         </p:blipFill>
         <p:spPr bwMode="auto">
           <a:xfrm>
-            <a:off x="10151830" y="2664808"/>
-            <a:ext cx="684240" cy="592552"/>
+            <a:off x="9818825" y="2683599"/>
+            <a:ext cx="974112" cy="843581"/>
           </a:xfrm>
           <a:prstGeom prst="rect">
             <a:avLst/>
@@ -9237,6 +7275,242 @@
           </a:extLst>
         </p:spPr>
       </p:pic>
+      <p:sp>
+        <p:nvSpPr>
+          <p:cNvPr id="6" name="Прямоугольник 5"/>
+          <p:cNvSpPr/>
+          <p:nvPr/>
+        </p:nvSpPr>
+        <p:spPr>
+          <a:xfrm>
+            <a:off x="3321417" y="173018"/>
+            <a:ext cx="6462853" cy="6555641"/>
+          </a:xfrm>
+          <a:prstGeom prst="rect">
+            <a:avLst/>
+          </a:prstGeom>
+        </p:spPr>
+        <p:txBody>
+          <a:bodyPr wrap="square">
+            <a:spAutoFit/>
+          </a:bodyPr>
+          <a:lstStyle/>
+          <a:p>
+            <a:pPr>
+              <a:lnSpc>
+                <a:spcPct val="150000"/>
+              </a:lnSpc>
+              <a:buFont typeface="+mj-lt"/>
+              <a:buAutoNum type="arabicPeriod"/>
+            </a:pPr>
+            <a:r>
+              <a:rPr lang="ru-RU" sz="2000" dirty="0">
+                <a:latin typeface="Bahnschrift SemiLight" panose="020B0502040204020203" pitchFamily="34" charset="0"/>
+              </a:rPr>
+              <a:t>Подбор компонентов</a:t>
+            </a:r>
+          </a:p>
+          <a:p>
+            <a:pPr marL="742950" lvl="1" indent="-285750">
+              <a:lnSpc>
+                <a:spcPct val="150000"/>
+              </a:lnSpc>
+              <a:buFont typeface="+mj-lt"/>
+              <a:buAutoNum type="arabicPeriod"/>
+            </a:pPr>
+            <a:r>
+              <a:rPr lang="ru-RU" sz="2000" dirty="0">
+                <a:latin typeface="Bahnschrift SemiLight" panose="020B0502040204020203" pitchFamily="34" charset="0"/>
+              </a:rPr>
+              <a:t>Датчик MPU-6050: отслеживание наклона.</a:t>
+            </a:r>
+          </a:p>
+          <a:p>
+            <a:pPr marL="742950" lvl="1" indent="-285750">
+              <a:lnSpc>
+                <a:spcPct val="150000"/>
+              </a:lnSpc>
+              <a:buFont typeface="+mj-lt"/>
+              <a:buAutoNum type="arabicPeriod"/>
+            </a:pPr>
+            <a:r>
+              <a:rPr lang="ru-RU" sz="2000" dirty="0">
+                <a:latin typeface="Bahnschrift SemiLight" panose="020B0502040204020203" pitchFamily="34" charset="0"/>
+              </a:rPr>
+              <a:t>Arduino Pro Micro: управление.</a:t>
+            </a:r>
+          </a:p>
+          <a:p>
+            <a:pPr marL="742950" lvl="1" indent="-285750">
+              <a:lnSpc>
+                <a:spcPct val="150000"/>
+              </a:lnSpc>
+              <a:buFont typeface="+mj-lt"/>
+              <a:buAutoNum type="arabicPeriod"/>
+            </a:pPr>
+            <a:r>
+              <a:rPr lang="ru-RU" sz="2000" dirty="0">
+                <a:latin typeface="Bahnschrift SemiLight" panose="020B0502040204020203" pitchFamily="34" charset="0"/>
+              </a:rPr>
+              <a:t>Энкодер EC11: имитация колесика мыши.</a:t>
+            </a:r>
+          </a:p>
+          <a:p>
+            <a:pPr marL="742950" lvl="1" indent="-285750">
+              <a:lnSpc>
+                <a:spcPct val="150000"/>
+              </a:lnSpc>
+              <a:buFont typeface="+mj-lt"/>
+              <a:buAutoNum type="arabicPeriod"/>
+            </a:pPr>
+            <a:r>
+              <a:rPr lang="ru-RU" sz="2000" dirty="0">
+                <a:latin typeface="Bahnschrift SemiLight" panose="020B0502040204020203" pitchFamily="34" charset="0"/>
+              </a:rPr>
+              <a:t>Тактовые кнопки: клики и выбор чувствительности</a:t>
+            </a:r>
+            <a:r>
+              <a:rPr lang="ru-RU" sz="2000" dirty="0" smtClean="0">
+                <a:latin typeface="Bahnschrift SemiLight" panose="020B0502040204020203" pitchFamily="34" charset="0"/>
+              </a:rPr>
+              <a:t>.</a:t>
+            </a:r>
+            <a:endParaRPr lang="ru-RU" sz="2000" dirty="0">
+              <a:latin typeface="Bahnschrift SemiLight" panose="020B0502040204020203" pitchFamily="34" charset="0"/>
+            </a:endParaRPr>
+          </a:p>
+          <a:p>
+            <a:pPr>
+              <a:lnSpc>
+                <a:spcPct val="150000"/>
+              </a:lnSpc>
+              <a:buFont typeface="+mj-lt"/>
+              <a:buAutoNum type="arabicPeriod"/>
+            </a:pPr>
+            <a:r>
+              <a:rPr lang="en-US" sz="2000" dirty="0" smtClean="0">
+                <a:latin typeface="Bahnschrift SemiLight" panose="020B0502040204020203" pitchFamily="34" charset="0"/>
+              </a:rPr>
+              <a:t> </a:t>
+            </a:r>
+            <a:r>
+              <a:rPr lang="ru-RU" sz="2000" dirty="0" smtClean="0">
+                <a:latin typeface="Bahnschrift SemiLight" panose="020B0502040204020203" pitchFamily="34" charset="0"/>
+              </a:rPr>
+              <a:t>3D-моделирование </a:t>
+            </a:r>
+            <a:r>
+              <a:rPr lang="ru-RU" sz="2000" dirty="0">
+                <a:latin typeface="Bahnschrift SemiLight" panose="020B0502040204020203" pitchFamily="34" charset="0"/>
+              </a:rPr>
+              <a:t>и эргономика</a:t>
+            </a:r>
+          </a:p>
+          <a:p>
+            <a:pPr marL="742950" lvl="1" indent="-285750">
+              <a:lnSpc>
+                <a:spcPct val="150000"/>
+              </a:lnSpc>
+              <a:buFont typeface="+mj-lt"/>
+              <a:buAutoNum type="arabicPeriod"/>
+            </a:pPr>
+            <a:r>
+              <a:rPr lang="ru-RU" sz="2000" dirty="0">
+                <a:latin typeface="Bahnschrift SemiLight" panose="020B0502040204020203" pitchFamily="34" charset="0"/>
+              </a:rPr>
+              <a:t>Проектирование корпуса.</a:t>
+            </a:r>
+          </a:p>
+          <a:p>
+            <a:pPr marL="742950" lvl="1" indent="-285750">
+              <a:lnSpc>
+                <a:spcPct val="150000"/>
+              </a:lnSpc>
+              <a:buFont typeface="+mj-lt"/>
+              <a:buAutoNum type="arabicPeriod"/>
+            </a:pPr>
+            <a:r>
+              <a:rPr lang="ru-RU" sz="2000" dirty="0">
+                <a:latin typeface="Bahnschrift SemiLight" panose="020B0502040204020203" pitchFamily="34" charset="0"/>
+              </a:rPr>
+              <a:t>Итерация: Улучшение формы для удобства (опора для руки, пазы под пальцы</a:t>
+            </a:r>
+            <a:r>
+              <a:rPr lang="ru-RU" sz="2000" dirty="0" smtClean="0">
+                <a:latin typeface="Bahnschrift SemiLight" panose="020B0502040204020203" pitchFamily="34" charset="0"/>
+              </a:rPr>
+              <a:t>).</a:t>
+            </a:r>
+            <a:endParaRPr lang="ru-RU" sz="2000" dirty="0">
+              <a:latin typeface="Bahnschrift SemiLight" panose="020B0502040204020203" pitchFamily="34" charset="0"/>
+            </a:endParaRPr>
+          </a:p>
+          <a:p>
+            <a:pPr>
+              <a:lnSpc>
+                <a:spcPct val="150000"/>
+              </a:lnSpc>
+              <a:buFont typeface="+mj-lt"/>
+              <a:buAutoNum type="arabicPeriod"/>
+            </a:pPr>
+            <a:r>
+              <a:rPr lang="ru-RU" sz="2000" dirty="0">
+                <a:latin typeface="Bahnschrift SemiLight" panose="020B0502040204020203" pitchFamily="34" charset="0"/>
+              </a:rPr>
+              <a:t>Производство и сборка</a:t>
+            </a:r>
+          </a:p>
+          <a:p>
+            <a:pPr marL="742950" lvl="1" indent="-285750">
+              <a:lnSpc>
+                <a:spcPct val="150000"/>
+              </a:lnSpc>
+              <a:buFont typeface="+mj-lt"/>
+              <a:buAutoNum type="arabicPeriod"/>
+            </a:pPr>
+            <a:r>
+              <a:rPr lang="ru-RU" sz="2000" dirty="0">
+                <a:latin typeface="Bahnschrift SemiLight" panose="020B0502040204020203" pitchFamily="34" charset="0"/>
+              </a:rPr>
+              <a:t>3D-печать.</a:t>
+            </a:r>
+          </a:p>
+          <a:p>
+            <a:pPr marL="742950" lvl="1" indent="-285750">
+              <a:lnSpc>
+                <a:spcPct val="150000"/>
+              </a:lnSpc>
+              <a:buFont typeface="+mj-lt"/>
+              <a:buAutoNum type="arabicPeriod"/>
+            </a:pPr>
+            <a:r>
+              <a:rPr lang="ru-RU" sz="2000" dirty="0">
+                <a:latin typeface="Bahnschrift SemiLight" panose="020B0502040204020203" pitchFamily="34" charset="0"/>
+              </a:rPr>
+              <a:t>Постобработка (зачистка).</a:t>
+            </a:r>
+          </a:p>
+          <a:p>
+            <a:pPr marL="742950" lvl="1" indent="-285750">
+              <a:lnSpc>
+                <a:spcPct val="150000"/>
+              </a:lnSpc>
+              <a:buFont typeface="+mj-lt"/>
+              <a:buAutoNum type="arabicPeriod"/>
+            </a:pPr>
+            <a:r>
+              <a:rPr lang="ru-RU" sz="2000" dirty="0">
+                <a:latin typeface="Bahnschrift SemiLight" panose="020B0502040204020203" pitchFamily="34" charset="0"/>
+              </a:rPr>
+              <a:t>Компоновка электроники.</a:t>
+            </a:r>
+            <a:endParaRPr lang="ru-RU" sz="2000" i="0" dirty="0">
+              <a:effectLst/>
+              <a:latin typeface="Bahnschrift SemiLight" panose="020B0502040204020203" pitchFamily="34" charset="0"/>
+            </a:endParaRPr>
+          </a:p>
+        </p:txBody>
+      </p:sp>
     </p:spTree>
     <p:extLst>
       <p:ext uri="{BB962C8B-B14F-4D97-AF65-F5344CB8AC3E}">
@@ -9247,6 +7521,13 @@
   <p:clrMapOvr>
     <a:masterClrMapping/>
   </p:clrMapOvr>
+  <p:timing>
+    <p:tnLst>
+      <p:par>
+        <p:cTn id="1" dur="indefinite" restart="never" nodeType="tmRoot"/>
+      </p:par>
+    </p:tnLst>
+  </p:timing>
 </p:sld>
 </file>
 
@@ -9343,7 +7624,7 @@
         </p:nvSpPr>
         <p:spPr>
           <a:xfrm>
-            <a:off x="109726" y="-819821"/>
+            <a:off x="0" y="-488045"/>
             <a:ext cx="10012682" cy="1386750"/>
           </a:xfrm>
         </p:spPr>
@@ -9354,106 +7635,53 @@
           <a:lstStyle/>
           <a:p>
             <a:r>
-              <a:rPr lang="ru-RU" sz="2100" dirty="0">
+              <a:rPr lang="ru-RU" sz="2100" i="1" dirty="0" smtClean="0">
                 <a:solidFill>
                   <a:schemeClr val="tx1"/>
                 </a:solidFill>
-                <a:latin typeface="Bookman Old Style" panose="02050604050505020204" pitchFamily="18" charset="0"/>
-              </a:rPr>
-              <a:t>Взрыв - схема</a:t>
-            </a:r>
-          </a:p>
-        </p:txBody>
-      </p:sp>
-      <p:sp>
-        <p:nvSpPr>
-          <p:cNvPr id="4" name="Прямоугольник 3">
+                <a:latin typeface="Bahnschrift SemiLight" panose="020B0502040204020203" pitchFamily="34" charset="0"/>
+              </a:rPr>
+              <a:t>Взрыв-схема</a:t>
+            </a:r>
+            <a:endParaRPr lang="ru-RU" sz="2100" i="1" dirty="0">
+              <a:solidFill>
+                <a:schemeClr val="tx1"/>
+              </a:solidFill>
+              <a:latin typeface="Bahnschrift SemiLight" panose="020B0502040204020203" pitchFamily="34" charset="0"/>
+            </a:endParaRPr>
+          </a:p>
+        </p:txBody>
+      </p:sp>
+      <p:pic>
+        <p:nvPicPr>
+          <p:cNvPr id="3" name="Рисунок 2"/>
+          <p:cNvPicPr>
+            <a:picLocks noChangeAspect="1"/>
+          </p:cNvPicPr>
+          <p:nvPr/>
+        </p:nvPicPr>
+        <p:blipFill>
+          <a:blip r:embed="rId2">
             <a:extLst>
-              <a:ext uri="{FF2B5EF4-FFF2-40B4-BE49-F238E27FC236}">
-                <a16:creationId xmlns:a16="http://schemas.microsoft.com/office/drawing/2014/main" id="{50D8E95B-08D3-E8D8-CE53-CD07F9EC224A}"/>
+              <a:ext uri="{28A0092B-C50C-407E-A947-70E740481C1C}">
+                <a14:useLocalDpi xmlns:a14="http://schemas.microsoft.com/office/drawing/2010/main" val="0"/>
               </a:ext>
             </a:extLst>
-          </p:cNvPr>
-          <p:cNvSpPr/>
-          <p:nvPr/>
-        </p:nvSpPr>
+          </a:blip>
+          <a:stretch>
+            <a:fillRect/>
+          </a:stretch>
+        </p:blipFill>
         <p:spPr>
           <a:xfrm>
-            <a:off x="2186559" y="-819821"/>
-            <a:ext cx="45719" cy="1450757"/>
+            <a:off x="1933368" y="205330"/>
+            <a:ext cx="8910035" cy="6571046"/>
           </a:xfrm>
           <a:prstGeom prst="rect">
             <a:avLst/>
           </a:prstGeom>
-          <a:noFill/>
-          <a:ln>
-            <a:solidFill>
-              <a:srgbClr val="E48312"/>
-            </a:solidFill>
-          </a:ln>
         </p:spPr>
-        <p:style>
-          <a:lnRef idx="2">
-            <a:schemeClr val="accent1">
-              <a:shade val="15000"/>
-            </a:schemeClr>
-          </a:lnRef>
-          <a:fillRef idx="1">
-            <a:schemeClr val="accent1"/>
-          </a:fillRef>
-          <a:effectRef idx="0">
-            <a:schemeClr val="accent1"/>
-          </a:effectRef>
-          <a:fontRef idx="minor">
-            <a:schemeClr val="lt1"/>
-          </a:fontRef>
-        </p:style>
-        <p:txBody>
-          <a:bodyPr rtlCol="0" anchor="ctr"/>
-          <a:lstStyle/>
-          <a:p>
-            <a:pPr algn="ctr"/>
-            <a:endParaRPr lang="ru-RU"/>
-          </a:p>
-        </p:txBody>
-      </p:sp>
-      <p:sp>
-        <p:nvSpPr>
-          <p:cNvPr id="5" name="TextBox 4">
-            <a:extLst>
-              <a:ext uri="{FF2B5EF4-FFF2-40B4-BE49-F238E27FC236}">
-                <a16:creationId xmlns:a16="http://schemas.microsoft.com/office/drawing/2014/main" id="{CE5DAC9B-18CA-CB75-84C2-2AB8C4514128}"/>
-              </a:ext>
-            </a:extLst>
-          </p:cNvPr>
-          <p:cNvSpPr txBox="1"/>
-          <p:nvPr/>
-        </p:nvSpPr>
-        <p:spPr>
-          <a:xfrm>
-            <a:off x="2315062" y="197597"/>
-            <a:ext cx="2081784" cy="369332"/>
-          </a:xfrm>
-          <a:prstGeom prst="rect">
-            <a:avLst/>
-          </a:prstGeom>
-          <a:noFill/>
-        </p:spPr>
-        <p:txBody>
-          <a:bodyPr wrap="square" rtlCol="0">
-            <a:spAutoFit/>
-          </a:bodyPr>
-          <a:lstStyle/>
-          <a:p>
-            <a:r>
-              <a:rPr lang="ru-RU" dirty="0">
-                <a:latin typeface="Bookman Old Style" panose="02050604050505020204" pitchFamily="18" charset="0"/>
-              </a:rPr>
-              <a:t>8</a:t>
-            </a:r>
-          </a:p>
-        </p:txBody>
-      </p:sp>
+      </p:pic>
     </p:spTree>
     <p:extLst>
       <p:ext uri="{BB962C8B-B14F-4D97-AF65-F5344CB8AC3E}">
@@ -9464,6 +7692,13 @@
   <p:clrMapOvr>
     <a:masterClrMapping/>
   </p:clrMapOvr>
+  <p:timing>
+    <p:tnLst>
+      <p:par>
+        <p:cTn id="1" dur="indefinite" restart="never" nodeType="tmRoot"/>
+      </p:par>
+    </p:tnLst>
+  </p:timing>
 </p:sld>
 </file>
 
@@ -9544,63 +7779,6 @@
       </p:sp>
       <p:sp>
         <p:nvSpPr>
-          <p:cNvPr id="14" name="Прямоугольник 13">
-            <a:extLst>
-              <a:ext uri="{FF2B5EF4-FFF2-40B4-BE49-F238E27FC236}">
-                <a16:creationId xmlns:a16="http://schemas.microsoft.com/office/drawing/2014/main" id="{AA5BDCBD-3ED4-5058-EC0B-E05F263AF05E}"/>
-              </a:ext>
-            </a:extLst>
-          </p:cNvPr>
-          <p:cNvSpPr/>
-          <p:nvPr/>
-        </p:nvSpPr>
-        <p:spPr>
-          <a:xfrm rot="313685">
-            <a:off x="7646174" y="-642333"/>
-            <a:ext cx="5200789" cy="8137980"/>
-          </a:xfrm>
-          <a:prstGeom prst="rect">
-            <a:avLst/>
-          </a:prstGeom>
-          <a:solidFill>
-            <a:srgbClr val="BD582C"/>
-          </a:solidFill>
-          <a:ln w="57150">
-            <a:solidFill>
-              <a:srgbClr val="E48312"/>
-            </a:solidFill>
-          </a:ln>
-        </p:spPr>
-        <p:style>
-          <a:lnRef idx="2">
-            <a:schemeClr val="accent1">
-              <a:shade val="15000"/>
-            </a:schemeClr>
-          </a:lnRef>
-          <a:fillRef idx="1">
-            <a:schemeClr val="accent1"/>
-          </a:fillRef>
-          <a:effectRef idx="0">
-            <a:schemeClr val="accent1"/>
-          </a:effectRef>
-          <a:fontRef idx="minor">
-            <a:schemeClr val="lt1"/>
-          </a:fontRef>
-        </p:style>
-        <p:txBody>
-          <a:bodyPr rtlCol="0" anchor="ctr"/>
-          <a:lstStyle/>
-          <a:p>
-            <a:pPr algn="ctr"/>
-            <a:r>
-              <a:rPr lang="ru-RU" dirty="0"/>
-              <a:t>с</a:t>
-            </a:r>
-          </a:p>
-        </p:txBody>
-      </p:sp>
-      <p:sp>
-        <p:nvSpPr>
           <p:cNvPr id="2" name="Заголовок 1">
             <a:extLst>
               <a:ext uri="{FF2B5EF4-FFF2-40B4-BE49-F238E27FC236}">
@@ -9617,7 +7795,7 @@
         </p:nvSpPr>
         <p:spPr>
           <a:xfrm>
-            <a:off x="109726" y="-819821"/>
+            <a:off x="0" y="-500061"/>
             <a:ext cx="10012682" cy="1386750"/>
           </a:xfrm>
         </p:spPr>
@@ -9628,7 +7806,7 @@
           <a:lstStyle/>
           <a:p>
             <a:r>
-              <a:rPr lang="ru-RU" sz="2000" dirty="0">
+              <a:rPr lang="ru-RU" sz="2000" i="1" dirty="0">
                 <a:solidFill>
                   <a:schemeClr val="tx1"/>
                 </a:solidFill>
@@ -9636,149 +7814,6 @@
               </a:rPr>
               <a:t>Итоги и самооценка</a:t>
             </a:r>
-          </a:p>
-        </p:txBody>
-      </p:sp>
-      <p:sp>
-        <p:nvSpPr>
-          <p:cNvPr id="4" name="Прямоугольник 3">
-            <a:extLst>
-              <a:ext uri="{FF2B5EF4-FFF2-40B4-BE49-F238E27FC236}">
-                <a16:creationId xmlns:a16="http://schemas.microsoft.com/office/drawing/2014/main" id="{50D8E95B-08D3-E8D8-CE53-CD07F9EC224A}"/>
-              </a:ext>
-            </a:extLst>
-          </p:cNvPr>
-          <p:cNvSpPr/>
-          <p:nvPr/>
-        </p:nvSpPr>
-        <p:spPr>
-          <a:xfrm>
-            <a:off x="2839700" y="-725379"/>
-            <a:ext cx="45719" cy="1450757"/>
-          </a:xfrm>
-          <a:prstGeom prst="rect">
-            <a:avLst/>
-          </a:prstGeom>
-          <a:noFill/>
-          <a:ln>
-            <a:solidFill>
-              <a:srgbClr val="E48312"/>
-            </a:solidFill>
-          </a:ln>
-        </p:spPr>
-        <p:style>
-          <a:lnRef idx="2">
-            <a:schemeClr val="accent1">
-              <a:shade val="15000"/>
-            </a:schemeClr>
-          </a:lnRef>
-          <a:fillRef idx="1">
-            <a:schemeClr val="accent1"/>
-          </a:fillRef>
-          <a:effectRef idx="0">
-            <a:schemeClr val="accent1"/>
-          </a:effectRef>
-          <a:fontRef idx="minor">
-            <a:schemeClr val="lt1"/>
-          </a:fontRef>
-        </p:style>
-        <p:txBody>
-          <a:bodyPr rtlCol="0" anchor="ctr"/>
-          <a:lstStyle/>
-          <a:p>
-            <a:pPr algn="ctr"/>
-            <a:endParaRPr lang="ru-RU"/>
-          </a:p>
-        </p:txBody>
-      </p:sp>
-      <p:sp>
-        <p:nvSpPr>
-          <p:cNvPr id="5" name="TextBox 4">
-            <a:extLst>
-              <a:ext uri="{FF2B5EF4-FFF2-40B4-BE49-F238E27FC236}">
-                <a16:creationId xmlns:a16="http://schemas.microsoft.com/office/drawing/2014/main" id="{CE5DAC9B-18CA-CB75-84C2-2AB8C4514128}"/>
-              </a:ext>
-            </a:extLst>
-          </p:cNvPr>
-          <p:cNvSpPr txBox="1"/>
-          <p:nvPr/>
-        </p:nvSpPr>
-        <p:spPr>
-          <a:xfrm>
-            <a:off x="3034283" y="197597"/>
-            <a:ext cx="2081784" cy="369332"/>
-          </a:xfrm>
-          <a:prstGeom prst="rect">
-            <a:avLst/>
-          </a:prstGeom>
-          <a:noFill/>
-        </p:spPr>
-        <p:txBody>
-          <a:bodyPr wrap="square" rtlCol="0">
-            <a:spAutoFit/>
-          </a:bodyPr>
-          <a:lstStyle/>
-          <a:p>
-            <a:r>
-              <a:rPr lang="ru-RU" dirty="0">
-                <a:latin typeface="Bookman Old Style" panose="02050604050505020204" pitchFamily="18" charset="0"/>
-              </a:rPr>
-              <a:t>9</a:t>
-            </a:r>
-          </a:p>
-        </p:txBody>
-      </p:sp>
-      <p:sp>
-        <p:nvSpPr>
-          <p:cNvPr id="22" name="Прямоугольник 21">
-            <a:extLst>
-              <a:ext uri="{FF2B5EF4-FFF2-40B4-BE49-F238E27FC236}">
-                <a16:creationId xmlns:a16="http://schemas.microsoft.com/office/drawing/2014/main" id="{20E5DE26-4D9B-5C26-9E1A-51DE74FCA589}"/>
-              </a:ext>
-            </a:extLst>
-          </p:cNvPr>
-          <p:cNvSpPr/>
-          <p:nvPr/>
-        </p:nvSpPr>
-        <p:spPr>
-          <a:xfrm>
-            <a:off x="7260335" y="6407944"/>
-            <a:ext cx="960121" cy="450056"/>
-          </a:xfrm>
-          <a:prstGeom prst="rect">
-            <a:avLst/>
-          </a:prstGeom>
-          <a:solidFill>
-            <a:srgbClr val="BD582C"/>
-          </a:solidFill>
-          <a:ln>
-            <a:solidFill>
-              <a:srgbClr val="BD582C"/>
-            </a:solidFill>
-          </a:ln>
-        </p:spPr>
-        <p:style>
-          <a:lnRef idx="2">
-            <a:schemeClr val="accent1">
-              <a:shade val="15000"/>
-            </a:schemeClr>
-          </a:lnRef>
-          <a:fillRef idx="1">
-            <a:schemeClr val="accent1"/>
-          </a:fillRef>
-          <a:effectRef idx="0">
-            <a:schemeClr val="accent1"/>
-          </a:effectRef>
-          <a:fontRef idx="minor">
-            <a:schemeClr val="lt1"/>
-          </a:fontRef>
-        </p:style>
-        <p:txBody>
-          <a:bodyPr rtlCol="0" anchor="ctr"/>
-          <a:lstStyle/>
-          <a:p>
-            <a:pPr algn="ctr"/>
-            <a:endParaRPr lang="ru-RU"/>
           </a:p>
         </p:txBody>
       </p:sp>
@@ -9802,8 +7837,8 @@
         </p:blipFill>
         <p:spPr>
           <a:xfrm>
-            <a:off x="8143430" y="725378"/>
-            <a:ext cx="3957955" cy="5112265"/>
+            <a:off x="7280021" y="428583"/>
+            <a:ext cx="4413215" cy="5556581"/>
           </a:xfrm>
           <a:prstGeom prst="rect">
             <a:avLst/>
@@ -9819,7 +7854,7 @@
         <p:spPr>
           <a:xfrm>
             <a:off x="482037" y="1087021"/>
-            <a:ext cx="6943112" cy="1793824"/>
+            <a:ext cx="6943112" cy="1131079"/>
           </a:xfrm>
           <a:prstGeom prst="rect">
             <a:avLst/>
@@ -9840,11 +7875,20 @@
               <a:buChar char="•"/>
             </a:pPr>
             <a:r>
-              <a:rPr lang="ru-RU" dirty="0">
+              <a:rPr lang="ru-RU" sz="2000" dirty="0">
                 <a:latin typeface="Bookman Old Style" panose="02050604050505020204" pitchFamily="18" charset="0"/>
               </a:rPr>
-              <a:t>Создан работающий прототип, стабилизирующий мелкие движения и успешно заменяющий компьютерную мышь. </a:t>
-            </a:r>
+              <a:t>Создан работающий </a:t>
+            </a:r>
+            <a:r>
+              <a:rPr lang="ru-RU" sz="2000" dirty="0" smtClean="0">
+                <a:latin typeface="Bookman Old Style" panose="02050604050505020204" pitchFamily="18" charset="0"/>
+              </a:rPr>
+              <a:t>прототип</a:t>
+            </a:r>
+            <a:endParaRPr lang="en-US" sz="2000" dirty="0" smtClean="0">
+              <a:latin typeface="Bookman Old Style" panose="02050604050505020204" pitchFamily="18" charset="0"/>
+            </a:endParaRPr>
           </a:p>
           <a:p>
             <a:pPr marL="285750" indent="-285750">
@@ -9855,10 +7899,16 @@
               <a:buChar char="•"/>
             </a:pPr>
             <a:r>
-              <a:rPr lang="ru-RU" dirty="0">
+              <a:rPr lang="ru-RU" sz="2000" dirty="0" smtClean="0">
                 <a:latin typeface="Bookman Old Style" panose="02050604050505020204" pitchFamily="18" charset="0"/>
               </a:rPr>
-              <a:t>Устройство не имеет колоссальной цены.</a:t>
+              <a:t>Устройство </a:t>
+            </a:r>
+            <a:r>
+              <a:rPr lang="ru-RU" sz="2000" dirty="0">
+                <a:latin typeface="Bookman Old Style" panose="02050604050505020204" pitchFamily="18" charset="0"/>
+              </a:rPr>
+              <a:t>не имеет колоссальной цены.</a:t>
             </a:r>
           </a:p>
           <a:p>
@@ -9870,7 +7920,7 @@
               <a:buChar char="•"/>
             </a:pPr>
             <a:r>
-              <a:rPr lang="ru-RU" dirty="0">
+              <a:rPr lang="ru-RU" sz="2000" dirty="0">
                 <a:latin typeface="Bookman Old Style" panose="02050604050505020204" pitchFamily="18" charset="0"/>
               </a:rPr>
               <a:t>Учтены ключевые эргономические требования.</a:t>
@@ -9887,7 +7937,7 @@
         <p:spPr>
           <a:xfrm>
             <a:off x="248263" y="668706"/>
-            <a:ext cx="2371725" cy="369332"/>
+            <a:ext cx="2371725" cy="400110"/>
           </a:xfrm>
           <a:prstGeom prst="rect">
             <a:avLst/>
@@ -9901,7 +7951,7 @@
           <a:lstStyle/>
           <a:p>
             <a:r>
-              <a:rPr lang="ru-RU" dirty="0">
+              <a:rPr lang="ru-RU" sz="2000" dirty="0">
                 <a:latin typeface="Bookman Old Style" panose="02050604050505020204" pitchFamily="18" charset="0"/>
               </a:rPr>
               <a:t>Итоги работы:</a:t>
@@ -9917,7 +7967,7 @@
         </p:nvSpPr>
         <p:spPr>
           <a:xfrm>
-            <a:off x="248263" y="4674337"/>
+            <a:off x="248263" y="3886096"/>
             <a:ext cx="5876925" cy="836126"/>
           </a:xfrm>
           <a:prstGeom prst="rect">
@@ -9937,42 +7987,36 @@
               </a:lnSpc>
             </a:pPr>
             <a:r>
-              <a:rPr lang="ru-RU" dirty="0">
+              <a:rPr lang="ru-RU" sz="2000" dirty="0">
                 <a:latin typeface="Bookman Old Style" panose="02050604050505020204" pitchFamily="18" charset="0"/>
               </a:rPr>
-              <a:t>Предполагается развитие проекта в будущем: интеграция</a:t>
-            </a:r>
-            <a:r>
-              <a:rPr lang="en-US" dirty="0">
+              <a:t>Предполагается развитие проекта в </a:t>
+            </a:r>
+            <a:r>
+              <a:rPr lang="ru-RU" sz="2000" dirty="0" smtClean="0">
                 <a:latin typeface="Bookman Old Style" panose="02050604050505020204" pitchFamily="18" charset="0"/>
               </a:rPr>
-              <a:t> c</a:t>
-            </a:r>
-            <a:r>
-              <a:rPr lang="ru-RU" dirty="0">
+              <a:t>будущем с интеграцией </a:t>
+            </a:r>
+            <a:r>
+              <a:rPr lang="en-US" sz="2000" dirty="0">
                 <a:latin typeface="Bookman Old Style" panose="02050604050505020204" pitchFamily="18" charset="0"/>
               </a:rPr>
+              <a:t>Bluetooth</a:t>
+            </a:r>
+            <a:r>
+              <a:rPr lang="ru-RU" sz="2000" dirty="0">
+                <a:latin typeface="Bookman Old Style" panose="02050604050505020204" pitchFamily="18" charset="0"/>
+              </a:rPr>
               <a:t> </a:t>
             </a:r>
             <a:r>
-              <a:rPr lang="en-US" dirty="0">
+              <a:rPr lang="en-US" sz="2000" dirty="0">
                 <a:latin typeface="Bookman Old Style" panose="02050604050505020204" pitchFamily="18" charset="0"/>
               </a:rPr>
-              <a:t>Bluetooth</a:t>
-            </a:r>
-            <a:r>
-              <a:rPr lang="ru-RU" dirty="0">
-                <a:latin typeface="Bookman Old Style" panose="02050604050505020204" pitchFamily="18" charset="0"/>
-              </a:rPr>
-              <a:t> </a:t>
-            </a:r>
-            <a:r>
-              <a:rPr lang="en-US" dirty="0">
-                <a:latin typeface="Bookman Old Style" panose="02050604050505020204" pitchFamily="18" charset="0"/>
-              </a:rPr>
               <a:t>5.3</a:t>
             </a:r>
-            <a:endParaRPr lang="ru-RU" dirty="0">
+            <a:endParaRPr lang="ru-RU" sz="2000" dirty="0">
               <a:latin typeface="Bookman Old Style" panose="02050604050505020204" pitchFamily="18" charset="0"/>
             </a:endParaRPr>
           </a:p>
@@ -9986,7 +8030,7 @@
         </p:nvSpPr>
         <p:spPr>
           <a:xfrm>
-            <a:off x="248263" y="3359528"/>
+            <a:off x="328215" y="2595142"/>
             <a:ext cx="6623592" cy="836126"/>
           </a:xfrm>
           <a:prstGeom prst="rect">
@@ -10006,10 +8050,16 @@
               </a:lnSpc>
             </a:pPr>
             <a:r>
-              <a:rPr lang="ru-RU" dirty="0">
+              <a:rPr lang="ru-RU" sz="2000" dirty="0" smtClean="0">
                 <a:latin typeface="Bookman Old Style" panose="02050604050505020204" pitchFamily="18" charset="0"/>
               </a:rPr>
-              <a:t>Я считаю, что все поставленные задачи выполнены и устройство можно считать завершенным.</a:t>
+              <a:t>Все поставленные </a:t>
+            </a:r>
+            <a:r>
+              <a:rPr lang="ru-RU" sz="2000" dirty="0">
+                <a:latin typeface="Bookman Old Style" panose="02050604050505020204" pitchFamily="18" charset="0"/>
+              </a:rPr>
+              <a:t>задачи выполнены и устройство можно считать завершенным.</a:t>
             </a:r>
           </a:p>
         </p:txBody>
@@ -10024,58 +8074,65 @@
   <p:clrMapOvr>
     <a:masterClrMapping/>
   </p:clrMapOvr>
+  <p:timing>
+    <p:tnLst>
+      <p:par>
+        <p:cTn id="1" dur="indefinite" restart="never" nodeType="tmRoot"/>
+      </p:par>
+    </p:tnLst>
+  </p:timing>
 </p:sld>
 </file>
 
 <file path=ppt/theme/theme1.xml><?xml version="1.0" encoding="utf-8"?>
-<a:theme xmlns:a="http://schemas.openxmlformats.org/drawingml/2006/main" name="Ретро">
+<a:theme xmlns:a="http://schemas.openxmlformats.org/drawingml/2006/main" name="Тема Office">
   <a:themeElements>
-    <a:clrScheme name="Ретро">
+    <a:clrScheme name="Стандартная">
       <a:dk1>
-        <a:srgbClr val="000000"/>
+        <a:sysClr val="windowText" lastClr="000000"/>
       </a:dk1>
       <a:lt1>
         <a:sysClr val="window" lastClr="FFFFFF"/>
       </a:lt1>
       <a:dk2>
-        <a:srgbClr val="637052"/>
+        <a:srgbClr val="44546A"/>
       </a:dk2>
       <a:lt2>
-        <a:srgbClr val="CCDDEA"/>
+        <a:srgbClr val="E7E6E6"/>
       </a:lt2>
       <a:accent1>
-        <a:srgbClr val="E48312"/>
+        <a:srgbClr val="5B9BD5"/>
       </a:accent1>
       <a:accent2>
-        <a:srgbClr val="BD582C"/>
+        <a:srgbClr val="ED7D31"/>
       </a:accent2>
       <a:accent3>
-        <a:srgbClr val="865640"/>
+        <a:srgbClr val="A5A5A5"/>
       </a:accent3>
       <a:accent4>
-        <a:srgbClr val="9B8357"/>
+        <a:srgbClr val="FFC000"/>
       </a:accent4>
       <a:accent5>
-        <a:srgbClr val="C2BC80"/>
+        <a:srgbClr val="4472C4"/>
       </a:accent5>
       <a:accent6>
-        <a:srgbClr val="94A088"/>
+        <a:srgbClr val="70AD47"/>
       </a:accent6>
       <a:hlink>
-        <a:srgbClr val="2998E3"/>
+        <a:srgbClr val="0563C1"/>
       </a:hlink>
       <a:folHlink>
-        <a:srgbClr val="8C8C8C"/>
+        <a:srgbClr val="954F72"/>
       </a:folHlink>
     </a:clrScheme>
-    <a:fontScheme name="Ретро">
+    <a:fontScheme name="Стандартная">
       <a:majorFont>
         <a:latin typeface="Calibri Light" panose="020F0302020204030204"/>
         <a:ea typeface=""/>
         <a:cs typeface=""/>
-        <a:font script="Jpan" typeface="ＭＳ Ｐゴシック"/>
+        <a:font script="Jpan" typeface="游ゴシック Light"/>
         <a:font script="Hang" typeface="맑은 고딕"/>
-        <a:font script="Hans" typeface="宋体"/>
+        <a:font script="Hans" typeface="等线 Light"/>
         <a:font script="Hant" typeface="新細明體"/>
         <a:font script="Arab" typeface="Times New Roman"/>
         <a:font script="Hebr" typeface="Times New Roman"/>
@@ -10108,9 +8165,9 @@
         <a:latin typeface="Calibri" panose="020F0502020204030204"/>
         <a:ea typeface=""/>
         <a:cs typeface=""/>
-        <a:font script="Jpan" typeface="ＭＳ Ｐゴシック"/>
+        <a:font script="Jpan" typeface="游ゴシック"/>
         <a:font script="Hang" typeface="맑은 고딕"/>
-        <a:font script="Hans" typeface="宋体"/>
+        <a:font script="Hans" typeface="等线"/>
         <a:font script="Hant" typeface="新細明體"/>
         <a:font script="Arab" typeface="Arial"/>
         <a:font script="Hebr" typeface="Arial"/>
@@ -10140,7 +8197,7 @@
         <a:font script="Geor" typeface="Sylfaen"/>
       </a:minorFont>
     </a:fontScheme>
-    <a:fmtScheme name="Ретро">
+    <a:fmtScheme name="Стандартная">
       <a:fillStyleLst>
         <a:solidFill>
           <a:schemeClr val="phClr"/>
@@ -10149,81 +8206,76 @@
           <a:gsLst>
             <a:gs pos="0">
               <a:schemeClr val="phClr">
-                <a:tint val="65000"/>
-                <a:shade val="92000"/>
-                <a:satMod val="130000"/>
+                <a:lumMod val="110000"/>
+                <a:satMod val="105000"/>
+                <a:tint val="67000"/>
               </a:schemeClr>
             </a:gs>
-            <a:gs pos="45000">
+            <a:gs pos="50000">
               <a:schemeClr val="phClr">
-                <a:tint val="60000"/>
-                <a:shade val="99000"/>
-                <a:satMod val="120000"/>
+                <a:lumMod val="105000"/>
+                <a:satMod val="103000"/>
+                <a:tint val="73000"/>
               </a:schemeClr>
             </a:gs>
             <a:gs pos="100000">
               <a:schemeClr val="phClr">
-                <a:tint val="55000"/>
-                <a:satMod val="140000"/>
+                <a:lumMod val="105000"/>
+                <a:satMod val="109000"/>
+                <a:tint val="81000"/>
               </a:schemeClr>
             </a:gs>
           </a:gsLst>
-          <a:path path="circle">
-            <a:fillToRect l="100000" t="100000" r="100000" b="100000"/>
-          </a:path>
+          <a:lin ang="5400000" scaled="0"/>
         </a:gradFill>
         <a:gradFill rotWithShape="1">
           <a:gsLst>
             <a:gs pos="0">
               <a:schemeClr val="phClr">
-                <a:shade val="85000"/>
-                <a:satMod val="130000"/>
+                <a:satMod val="103000"/>
+                <a:lumMod val="102000"/>
+                <a:tint val="94000"/>
               </a:schemeClr>
             </a:gs>
-            <a:gs pos="34000">
+            <a:gs pos="50000">
               <a:schemeClr val="phClr">
-                <a:shade val="87000"/>
-                <a:satMod val="125000"/>
-              </a:schemeClr>
-            </a:gs>
-            <a:gs pos="70000">
-              <a:schemeClr val="phClr">
-                <a:tint val="100000"/>
-                <a:shade val="90000"/>
-                <a:satMod val="130000"/>
+                <a:satMod val="110000"/>
+                <a:lumMod val="100000"/>
+                <a:shade val="100000"/>
               </a:schemeClr>
             </a:gs>
             <a:gs pos="100000">
               <a:schemeClr val="phClr">
-                <a:tint val="100000"/>
-                <a:shade val="100000"/>
-                <a:satMod val="110000"/>
+                <a:lumMod val="99000"/>
+                <a:satMod val="120000"/>
+                <a:shade val="78000"/>
               </a:schemeClr>
             </a:gs>
           </a:gsLst>
-          <a:path path="circle">
-            <a:fillToRect l="100000" t="100000" r="100000" b="100000"/>
-          </a:path>
+          <a:lin ang="5400000" scaled="0"/>
         </a:gradFill>
       </a:fillStyleLst>
       <a:lnStyleLst>
+        <a:ln w="6350" cap="flat" cmpd="sng" algn="ctr">
+          <a:solidFill>
+            <a:schemeClr val="phClr"/>
+          </a:solidFill>
+          <a:prstDash val="solid"/>
+          <a:miter lim="800000"/>
+        </a:ln>
         <a:ln w="12700" cap="flat" cmpd="sng" algn="ctr">
           <a:solidFill>
             <a:schemeClr val="phClr"/>
           </a:solidFill>
           <a:prstDash val="solid"/>
+          <a:miter lim="800000"/>
         </a:ln>
-        <a:ln w="15875" cap="flat" cmpd="sng" algn="ctr">
+        <a:ln w="19050" cap="flat" cmpd="sng" algn="ctr">
           <a:solidFill>
             <a:schemeClr val="phClr"/>
           </a:solidFill>
           <a:prstDash val="solid"/>
-        </a:ln>
-        <a:ln w="25400" cap="flat" cmpd="sng" algn="ctr">
-          <a:solidFill>
-            <a:schemeClr val="phClr"/>
-          </a:solidFill>
-          <a:prstDash val="solid"/>
+          <a:miter lim="800000"/>
         </a:ln>
       </a:lnStyleLst>
       <a:effectStyleLst>
@@ -10231,33 +8283,16 @@
           <a:effectLst/>
         </a:effectStyle>
         <a:effectStyle>
+          <a:effectLst/>
+        </a:effectStyle>
+        <a:effectStyle>
           <a:effectLst>
-            <a:outerShdw blurRad="38100" dist="25400" dir="2700000" algn="br" rotWithShape="0">
+            <a:outerShdw blurRad="57150" dist="19050" dir="5400000" algn="ctr" rotWithShape="0">
               <a:srgbClr val="000000">
-                <a:alpha val="60000"/>
+                <a:alpha val="63000"/>
               </a:srgbClr>
             </a:outerShdw>
           </a:effectLst>
-        </a:effectStyle>
-        <a:effectStyle>
-          <a:effectLst>
-            <a:outerShdw blurRad="44450" dist="25400" dir="2700000" algn="br" rotWithShape="0">
-              <a:srgbClr val="000000">
-                <a:alpha val="60000"/>
-              </a:srgbClr>
-            </a:outerShdw>
-          </a:effectLst>
-          <a:scene3d>
-            <a:camera prst="orthographicFront">
-              <a:rot lat="0" lon="0" rev="0"/>
-            </a:camera>
-            <a:lightRig rig="threePt" dir="t">
-              <a:rot lat="0" lon="0" rev="19800000"/>
-            </a:lightRig>
-          </a:scene3d>
-          <a:sp3d prstMaterial="flat">
-            <a:bevelT w="25400" h="31750"/>
-          </a:sp3d>
         </a:effectStyle>
       </a:effectStyleLst>
       <a:bgFillStyleLst>
@@ -10266,36 +8301,36 @@
         </a:solidFill>
         <a:solidFill>
           <a:schemeClr val="phClr">
-            <a:tint val="90000"/>
-            <a:shade val="97000"/>
-            <a:satMod val="130000"/>
+            <a:tint val="95000"/>
+            <a:satMod val="170000"/>
           </a:schemeClr>
         </a:solidFill>
         <a:gradFill rotWithShape="1">
           <a:gsLst>
             <a:gs pos="0">
               <a:schemeClr val="phClr">
-                <a:tint val="96000"/>
-                <a:shade val="99000"/>
-                <a:satMod val="140000"/>
+                <a:tint val="93000"/>
+                <a:satMod val="150000"/>
+                <a:shade val="98000"/>
+                <a:lumMod val="102000"/>
               </a:schemeClr>
             </a:gs>
-            <a:gs pos="65000">
+            <a:gs pos="50000">
               <a:schemeClr val="phClr">
-                <a:tint val="100000"/>
-                <a:shade val="80000"/>
+                <a:tint val="98000"/>
                 <a:satMod val="130000"/>
+                <a:shade val="90000"/>
+                <a:lumMod val="103000"/>
               </a:schemeClr>
             </a:gs>
             <a:gs pos="100000">
               <a:schemeClr val="phClr">
-                <a:tint val="100000"/>
-                <a:shade val="48000"/>
+                <a:shade val="63000"/>
                 <a:satMod val="120000"/>
               </a:schemeClr>
             </a:gs>
           </a:gsLst>
-          <a:lin ang="16200000" scaled="0"/>
+          <a:lin ang="5400000" scaled="0"/>
         </a:gradFill>
       </a:bgFillStyleLst>
     </a:fmtScheme>
@@ -10304,7 +8339,7 @@
   <a:extraClrSchemeLst/>
   <a:extLst>
     <a:ext uri="{05A4C25C-085E-4340-85A3-A5531E510DB2}">
-      <thm15:themeFamily xmlns:thm15="http://schemas.microsoft.com/office/thememl/2012/main" name="Retrospect" id="{5F128B03-DCCA-4EEB-AB3B-CF2899314A46}" vid="{3F1AAB62-24C6-49D2-8E01-B56FAC9A3DCD}"/>
+      <thm15:themeFamily xmlns:thm15="http://schemas.microsoft.com/office/thememl/2012/main" name="Office Theme" id="{62F939B6-93AF-4DB8-9C6B-D6C7DFDC589F}" vid="{4A3C46E8-61CC-4603-A589-7422A47A8E4A}"/>
     </a:ext>
   </a:extLst>
 </a:theme>
